--- a/oral_projet/diaporama_revue_1.pptx
+++ b/oral_projet/diaporama_revue_1.pptx
@@ -108,6 +108,11 @@
       </a:defRPr>
     </a:lvl9pPr>
   </p:defaultTextStyle>
+  <p:extLst>
+    <p:ext uri="{EFAFB233-063F-42B5-8137-9DF3F51BA10A}">
+      <p15:sldGuideLst xmlns:p15="http://schemas.microsoft.com/office/powerpoint/2012/main"/>
+    </p:ext>
+  </p:extLst>
 </p:presentation>
 </file>
 
@@ -3946,44 +3951,6 @@
       </p:cxnSp>
       <p:cxnSp>
         <p:nvCxnSpPr>
-          <p:cNvPr id="29" name="Connecteur droit 28">
-            <a:extLst>
-              <a:ext uri="{FF2B5EF4-FFF2-40B4-BE49-F238E27FC236}">
-                <a16:creationId xmlns:a16="http://schemas.microsoft.com/office/drawing/2014/main" id="{48F4971E-F0B3-406C-AAF2-69950F53220E}"/>
-              </a:ext>
-            </a:extLst>
-          </p:cNvPr>
-          <p:cNvCxnSpPr>
-            <a:cxnSpLocks/>
-          </p:cNvCxnSpPr>
-          <p:nvPr/>
-        </p:nvCxnSpPr>
-        <p:spPr>
-          <a:xfrm flipH="1">
-            <a:off x="2229019" y="454803"/>
-            <a:ext cx="344203" cy="484764"/>
-          </a:xfrm>
-          <a:prstGeom prst="line">
-            <a:avLst/>
-          </a:prstGeom>
-        </p:spPr>
-        <p:style>
-          <a:lnRef idx="3">
-            <a:schemeClr val="dk1"/>
-          </a:lnRef>
-          <a:fillRef idx="0">
-            <a:schemeClr val="dk1"/>
-          </a:fillRef>
-          <a:effectRef idx="2">
-            <a:schemeClr val="dk1"/>
-          </a:effectRef>
-          <a:fontRef idx="minor">
-            <a:schemeClr val="tx1"/>
-          </a:fontRef>
-        </p:style>
-      </p:cxnSp>
-      <p:cxnSp>
-        <p:nvCxnSpPr>
           <p:cNvPr id="32" name="Connecteur droit 31">
             <a:extLst>
               <a:ext uri="{FF2B5EF4-FFF2-40B4-BE49-F238E27FC236}">
@@ -4074,8 +4041,8 @@
         </p:nvCxnSpPr>
         <p:spPr>
           <a:xfrm flipH="1">
-            <a:off x="11348754" y="454802"/>
-            <a:ext cx="370412" cy="495163"/>
+            <a:off x="11370469" y="448308"/>
+            <a:ext cx="364332" cy="501657"/>
           </a:xfrm>
           <a:prstGeom prst="line">
             <a:avLst/>
@@ -4113,7 +4080,7 @@
         <p:spPr>
           <a:xfrm>
             <a:off x="9743203" y="949965"/>
-            <a:ext cx="1605551" cy="0"/>
+            <a:ext cx="1627266" cy="0"/>
           </a:xfrm>
           <a:prstGeom prst="line">
             <a:avLst/>
@@ -4349,6 +4316,44 @@
           </a:p>
         </p:txBody>
       </p:sp>
+      <p:cxnSp>
+        <p:nvCxnSpPr>
+          <p:cNvPr id="23" name="Connecteur droit 22">
+            <a:extLst>
+              <a:ext uri="{FF2B5EF4-FFF2-40B4-BE49-F238E27FC236}">
+                <a16:creationId xmlns:a16="http://schemas.microsoft.com/office/drawing/2014/main" id="{BCB092C8-0080-4E56-957E-0046D4C83988}"/>
+              </a:ext>
+            </a:extLst>
+          </p:cNvPr>
+          <p:cNvCxnSpPr>
+            <a:cxnSpLocks/>
+          </p:cNvCxnSpPr>
+          <p:nvPr/>
+        </p:nvCxnSpPr>
+        <p:spPr>
+          <a:xfrm flipH="1">
+            <a:off x="2216372" y="446356"/>
+            <a:ext cx="364332" cy="501657"/>
+          </a:xfrm>
+          <a:prstGeom prst="line">
+            <a:avLst/>
+          </a:prstGeom>
+        </p:spPr>
+        <p:style>
+          <a:lnRef idx="3">
+            <a:schemeClr val="dk1"/>
+          </a:lnRef>
+          <a:fillRef idx="0">
+            <a:schemeClr val="dk1"/>
+          </a:fillRef>
+          <a:effectRef idx="2">
+            <a:schemeClr val="dk1"/>
+          </a:effectRef>
+          <a:fontRef idx="minor">
+            <a:schemeClr val="tx1"/>
+          </a:fontRef>
+        </p:style>
+      </p:cxnSp>
     </p:spTree>
     <p:extLst>
       <p:ext uri="{BB962C8B-B14F-4D97-AF65-F5344CB8AC3E}">
@@ -4567,44 +4572,6 @@
       </p:cxnSp>
       <p:cxnSp>
         <p:nvCxnSpPr>
-          <p:cNvPr id="29" name="Connecteur droit 28">
-            <a:extLst>
-              <a:ext uri="{FF2B5EF4-FFF2-40B4-BE49-F238E27FC236}">
-                <a16:creationId xmlns:a16="http://schemas.microsoft.com/office/drawing/2014/main" id="{48F4971E-F0B3-406C-AAF2-69950F53220E}"/>
-              </a:ext>
-            </a:extLst>
-          </p:cNvPr>
-          <p:cNvCxnSpPr>
-            <a:cxnSpLocks/>
-          </p:cNvCxnSpPr>
-          <p:nvPr/>
-        </p:nvCxnSpPr>
-        <p:spPr>
-          <a:xfrm flipH="1">
-            <a:off x="2229019" y="454803"/>
-            <a:ext cx="344203" cy="484764"/>
-          </a:xfrm>
-          <a:prstGeom prst="line">
-            <a:avLst/>
-          </a:prstGeom>
-        </p:spPr>
-        <p:style>
-          <a:lnRef idx="3">
-            <a:schemeClr val="dk1"/>
-          </a:lnRef>
-          <a:fillRef idx="0">
-            <a:schemeClr val="dk1"/>
-          </a:fillRef>
-          <a:effectRef idx="2">
-            <a:schemeClr val="dk1"/>
-          </a:effectRef>
-          <a:fontRef idx="minor">
-            <a:schemeClr val="tx1"/>
-          </a:fontRef>
-        </p:style>
-      </p:cxnSp>
-      <p:cxnSp>
-        <p:nvCxnSpPr>
           <p:cNvPr id="32" name="Connecteur droit 31">
             <a:extLst>
               <a:ext uri="{FF2B5EF4-FFF2-40B4-BE49-F238E27FC236}">
@@ -4695,8 +4662,8 @@
         </p:nvCxnSpPr>
         <p:spPr>
           <a:xfrm flipH="1">
-            <a:off x="11348754" y="454802"/>
-            <a:ext cx="370412" cy="495163"/>
+            <a:off x="11370469" y="448308"/>
+            <a:ext cx="364332" cy="501657"/>
           </a:xfrm>
           <a:prstGeom prst="line">
             <a:avLst/>
@@ -4734,7 +4701,7 @@
         <p:spPr>
           <a:xfrm>
             <a:off x="9743203" y="949965"/>
-            <a:ext cx="1605551" cy="0"/>
+            <a:ext cx="1627266" cy="0"/>
           </a:xfrm>
           <a:prstGeom prst="line">
             <a:avLst/>
@@ -4793,10 +4760,48 @@
           </a:fontRef>
         </p:style>
       </p:cxnSp>
+      <p:cxnSp>
+        <p:nvCxnSpPr>
+          <p:cNvPr id="23" name="Connecteur droit 22">
+            <a:extLst>
+              <a:ext uri="{FF2B5EF4-FFF2-40B4-BE49-F238E27FC236}">
+                <a16:creationId xmlns:a16="http://schemas.microsoft.com/office/drawing/2014/main" id="{BCB092C8-0080-4E56-957E-0046D4C83988}"/>
+              </a:ext>
+            </a:extLst>
+          </p:cNvPr>
+          <p:cNvCxnSpPr>
+            <a:cxnSpLocks/>
+          </p:cNvCxnSpPr>
+          <p:nvPr/>
+        </p:nvCxnSpPr>
+        <p:spPr>
+          <a:xfrm flipH="1">
+            <a:off x="2216372" y="446356"/>
+            <a:ext cx="364332" cy="501657"/>
+          </a:xfrm>
+          <a:prstGeom prst="line">
+            <a:avLst/>
+          </a:prstGeom>
+        </p:spPr>
+        <p:style>
+          <a:lnRef idx="3">
+            <a:schemeClr val="dk1"/>
+          </a:lnRef>
+          <a:fillRef idx="0">
+            <a:schemeClr val="dk1"/>
+          </a:fillRef>
+          <a:effectRef idx="2">
+            <a:schemeClr val="dk1"/>
+          </a:effectRef>
+          <a:fontRef idx="minor">
+            <a:schemeClr val="tx1"/>
+          </a:fontRef>
+        </p:style>
+      </p:cxnSp>
     </p:spTree>
     <p:extLst>
       <p:ext uri="{BB962C8B-B14F-4D97-AF65-F5344CB8AC3E}">
-        <p14:creationId xmlns:p14="http://schemas.microsoft.com/office/powerpoint/2010/main" val="50574831"/>
+        <p14:creationId xmlns:p14="http://schemas.microsoft.com/office/powerpoint/2010/main" val="2675700515"/>
       </p:ext>
     </p:extLst>
   </p:cSld>

--- a/oral_projet/diaporama_revue_1.pptx
+++ b/oral_projet/diaporama_revue_1.pptx
@@ -5,11 +5,12 @@
     <p:sldMasterId id="2147483648" r:id="rId1"/>
   </p:sldMasterIdLst>
   <p:notesMasterIdLst>
-    <p:notesMasterId r:id="rId4"/>
+    <p:notesMasterId r:id="rId5"/>
   </p:notesMasterIdLst>
   <p:sldIdLst>
     <p:sldId id="256" r:id="rId2"/>
     <p:sldId id="257" r:id="rId3"/>
+    <p:sldId id="258" r:id="rId4"/>
   </p:sldIdLst>
   <p:sldSz cx="12192000" cy="6858000"/>
   <p:notesSz cx="6858000" cy="9144000"/>
@@ -202,7 +203,7 @@
           <a:p>
             <a:fld id="{7BEC4371-174F-4615-858D-8B61BA547698}" type="datetimeFigureOut">
               <a:rPr lang="fr-FR" smtClean="0"/>
-              <a:t>23/01/2018</a:t>
+              <a:t>25/01/2018</a:t>
             </a:fld>
             <a:endParaRPr lang="fr-FR"/>
           </a:p>
@@ -616,7 +617,7 @@
           <a:p>
             <a:fld id="{125942D7-A464-4365-815E-3C7EAFC3F152}" type="datetimeFigureOut">
               <a:rPr lang="fr-FR" smtClean="0"/>
-              <a:t>23/01/2018</a:t>
+              <a:t>25/01/2018</a:t>
             </a:fld>
             <a:endParaRPr lang="fr-FR"/>
           </a:p>
@@ -814,7 +815,7 @@
           <a:p>
             <a:fld id="{125942D7-A464-4365-815E-3C7EAFC3F152}" type="datetimeFigureOut">
               <a:rPr lang="fr-FR" smtClean="0"/>
-              <a:t>23/01/2018</a:t>
+              <a:t>25/01/2018</a:t>
             </a:fld>
             <a:endParaRPr lang="fr-FR"/>
           </a:p>
@@ -1022,7 +1023,7 @@
           <a:p>
             <a:fld id="{125942D7-A464-4365-815E-3C7EAFC3F152}" type="datetimeFigureOut">
               <a:rPr lang="fr-FR" smtClean="0"/>
-              <a:t>23/01/2018</a:t>
+              <a:t>25/01/2018</a:t>
             </a:fld>
             <a:endParaRPr lang="fr-FR"/>
           </a:p>
@@ -1220,7 +1221,7 @@
           <a:p>
             <a:fld id="{125942D7-A464-4365-815E-3C7EAFC3F152}" type="datetimeFigureOut">
               <a:rPr lang="fr-FR" smtClean="0"/>
-              <a:t>23/01/2018</a:t>
+              <a:t>25/01/2018</a:t>
             </a:fld>
             <a:endParaRPr lang="fr-FR"/>
           </a:p>
@@ -1495,7 +1496,7 @@
           <a:p>
             <a:fld id="{125942D7-A464-4365-815E-3C7EAFC3F152}" type="datetimeFigureOut">
               <a:rPr lang="fr-FR" smtClean="0"/>
-              <a:t>23/01/2018</a:t>
+              <a:t>25/01/2018</a:t>
             </a:fld>
             <a:endParaRPr lang="fr-FR"/>
           </a:p>
@@ -1760,7 +1761,7 @@
           <a:p>
             <a:fld id="{125942D7-A464-4365-815E-3C7EAFC3F152}" type="datetimeFigureOut">
               <a:rPr lang="fr-FR" smtClean="0"/>
-              <a:t>23/01/2018</a:t>
+              <a:t>25/01/2018</a:t>
             </a:fld>
             <a:endParaRPr lang="fr-FR"/>
           </a:p>
@@ -2172,7 +2173,7 @@
           <a:p>
             <a:fld id="{125942D7-A464-4365-815E-3C7EAFC3F152}" type="datetimeFigureOut">
               <a:rPr lang="fr-FR" smtClean="0"/>
-              <a:t>23/01/2018</a:t>
+              <a:t>25/01/2018</a:t>
             </a:fld>
             <a:endParaRPr lang="fr-FR"/>
           </a:p>
@@ -2313,7 +2314,7 @@
           <a:p>
             <a:fld id="{125942D7-A464-4365-815E-3C7EAFC3F152}" type="datetimeFigureOut">
               <a:rPr lang="fr-FR" smtClean="0"/>
-              <a:t>23/01/2018</a:t>
+              <a:t>25/01/2018</a:t>
             </a:fld>
             <a:endParaRPr lang="fr-FR"/>
           </a:p>
@@ -2426,7 +2427,7 @@
           <a:p>
             <a:fld id="{125942D7-A464-4365-815E-3C7EAFC3F152}" type="datetimeFigureOut">
               <a:rPr lang="fr-FR" smtClean="0"/>
-              <a:t>23/01/2018</a:t>
+              <a:t>25/01/2018</a:t>
             </a:fld>
             <a:endParaRPr lang="fr-FR"/>
           </a:p>
@@ -2737,7 +2738,7 @@
           <a:p>
             <a:fld id="{125942D7-A464-4365-815E-3C7EAFC3F152}" type="datetimeFigureOut">
               <a:rPr lang="fr-FR" smtClean="0"/>
-              <a:t>23/01/2018</a:t>
+              <a:t>25/01/2018</a:t>
             </a:fld>
             <a:endParaRPr lang="fr-FR"/>
           </a:p>
@@ -3025,7 +3026,7 @@
           <a:p>
             <a:fld id="{125942D7-A464-4365-815E-3C7EAFC3F152}" type="datetimeFigureOut">
               <a:rPr lang="fr-FR" smtClean="0"/>
-              <a:t>23/01/2018</a:t>
+              <a:t>25/01/2018</a:t>
             </a:fld>
             <a:endParaRPr lang="fr-FR"/>
           </a:p>
@@ -3266,7 +3267,7 @@
           <a:p>
             <a:fld id="{125942D7-A464-4365-815E-3C7EAFC3F152}" type="datetimeFigureOut">
               <a:rPr lang="fr-FR" smtClean="0"/>
-              <a:t>23/01/2018</a:t>
+              <a:t>25/01/2018</a:t>
             </a:fld>
             <a:endParaRPr lang="fr-FR"/>
           </a:p>
@@ -4364,6 +4365,18 @@
   <p:clrMapOvr>
     <a:masterClrMapping/>
   </p:clrMapOvr>
+  <mc:AlternateContent xmlns:mc="http://schemas.openxmlformats.org/markup-compatibility/2006">
+    <mc:Choice xmlns:p159="http://schemas.microsoft.com/office/powerpoint/2015/09/main" Requires="p159">
+      <p:transition xmlns:p14="http://schemas.microsoft.com/office/powerpoint/2010/main" spd="slow" p14:dur="2000" advClick="0" advTm="1000">
+        <p159:morph option="byObject"/>
+      </p:transition>
+    </mc:Choice>
+    <mc:Fallback>
+      <p:transition spd="slow" advClick="0" advTm="1000">
+        <p:fade/>
+      </p:transition>
+    </mc:Fallback>
+  </mc:AlternateContent>
 </p:sld>
 </file>
 
@@ -4798,6 +4811,43 @@
           </a:fontRef>
         </p:style>
       </p:cxnSp>
+      <p:sp>
+        <p:nvSpPr>
+          <p:cNvPr id="2" name="ZoneTexte 1">
+            <a:extLst>
+              <a:ext uri="{FF2B5EF4-FFF2-40B4-BE49-F238E27FC236}">
+                <a16:creationId xmlns:a16="http://schemas.microsoft.com/office/drawing/2014/main" id="{674DD8AD-F715-49A9-B7B1-4A7DF94CD2F7}"/>
+              </a:ext>
+            </a:extLst>
+          </p:cNvPr>
+          <p:cNvSpPr txBox="1"/>
+          <p:nvPr/>
+        </p:nvSpPr>
+        <p:spPr>
+          <a:xfrm>
+            <a:off x="2894202" y="1367406"/>
+            <a:ext cx="5632597" cy="769441"/>
+          </a:xfrm>
+          <a:prstGeom prst="rect">
+            <a:avLst/>
+          </a:prstGeom>
+          <a:noFill/>
+        </p:spPr>
+        <p:txBody>
+          <a:bodyPr wrap="square" rtlCol="0">
+            <a:spAutoFit/>
+          </a:bodyPr>
+          <a:lstStyle/>
+          <a:p>
+            <a:r>
+              <a:rPr lang="fr-FR" sz="4400" dirty="0">
+                <a:latin typeface="Berlin Sans FB" panose="020E0602020502020306" pitchFamily="34" charset="0"/>
+              </a:rPr>
+              <a:t>Présentation du projet</a:t>
+            </a:r>
+          </a:p>
+        </p:txBody>
+      </p:sp>
     </p:spTree>
     <p:extLst>
       <p:ext uri="{BB962C8B-B14F-4D97-AF65-F5344CB8AC3E}">
@@ -4808,6 +4858,543 @@
   <p:clrMapOvr>
     <a:masterClrMapping/>
   </p:clrMapOvr>
+  <mc:AlternateContent xmlns:mc="http://schemas.openxmlformats.org/markup-compatibility/2006">
+    <mc:Choice xmlns:p14="http://schemas.microsoft.com/office/powerpoint/2010/main" Requires="p14">
+      <p:transition spd="slow" p14:dur="3400">
+        <p14:reveal/>
+      </p:transition>
+    </mc:Choice>
+    <mc:Fallback>
+      <p:transition spd="slow">
+        <p:fade/>
+      </p:transition>
+    </mc:Fallback>
+  </mc:AlternateContent>
+</p:sld>
+</file>
+
+<file path=ppt/slides/slide3.xml><?xml version="1.0" encoding="utf-8"?>
+<p:sld xmlns:a="http://schemas.openxmlformats.org/drawingml/2006/main" xmlns:r="http://schemas.openxmlformats.org/officeDocument/2006/relationships" xmlns:p="http://schemas.openxmlformats.org/presentationml/2006/main">
+  <p:cSld>
+    <p:spTree>
+      <p:nvGrpSpPr>
+        <p:cNvPr id="1" name=""/>
+        <p:cNvGrpSpPr/>
+        <p:nvPr/>
+      </p:nvGrpSpPr>
+      <p:grpSpPr>
+        <a:xfrm>
+          <a:off x="0" y="0"/>
+          <a:ext cx="0" cy="0"/>
+          <a:chOff x="0" y="0"/>
+          <a:chExt cx="0" cy="0"/>
+        </a:xfrm>
+      </p:grpSpPr>
+      <p:pic>
+        <p:nvPicPr>
+          <p:cNvPr id="8" name="Image 7">
+            <a:extLst>
+              <a:ext uri="{FF2B5EF4-FFF2-40B4-BE49-F238E27FC236}">
+                <a16:creationId xmlns:a16="http://schemas.microsoft.com/office/drawing/2014/main" id="{2BB825C5-31DA-4A56-85EA-536DBF510A31}"/>
+              </a:ext>
+            </a:extLst>
+          </p:cNvPr>
+          <p:cNvPicPr>
+            <a:picLocks noChangeAspect="1"/>
+          </p:cNvPicPr>
+          <p:nvPr/>
+        </p:nvPicPr>
+        <p:blipFill>
+          <a:blip r:embed="rId2">
+            <a:extLst>
+              <a:ext uri="{28A0092B-C50C-407E-A947-70E740481C1C}">
+                <a14:useLocalDpi xmlns:a14="http://schemas.microsoft.com/office/drawing/2010/main" val="0"/>
+              </a:ext>
+            </a:extLst>
+          </a:blip>
+          <a:stretch>
+            <a:fillRect/>
+          </a:stretch>
+        </p:blipFill>
+        <p:spPr>
+          <a:xfrm>
+            <a:off x="1068751" y="66457"/>
+            <a:ext cx="1259497" cy="776690"/>
+          </a:xfrm>
+          <a:prstGeom prst="rect">
+            <a:avLst/>
+          </a:prstGeom>
+        </p:spPr>
+      </p:pic>
+      <p:pic>
+        <p:nvPicPr>
+          <p:cNvPr id="10" name="Image 9">
+            <a:extLst>
+              <a:ext uri="{FF2B5EF4-FFF2-40B4-BE49-F238E27FC236}">
+                <a16:creationId xmlns:a16="http://schemas.microsoft.com/office/drawing/2014/main" id="{8EE7436F-49F2-41E0-93E4-D247B4705294}"/>
+              </a:ext>
+            </a:extLst>
+          </p:cNvPr>
+          <p:cNvPicPr>
+            <a:picLocks noChangeAspect="1"/>
+          </p:cNvPicPr>
+          <p:nvPr/>
+        </p:nvPicPr>
+        <p:blipFill>
+          <a:blip r:embed="rId3">
+            <a:extLst>
+              <a:ext uri="{28A0092B-C50C-407E-A947-70E740481C1C}">
+                <a14:useLocalDpi xmlns:a14="http://schemas.microsoft.com/office/drawing/2010/main" val="0"/>
+              </a:ext>
+            </a:extLst>
+          </a:blip>
+          <a:stretch>
+            <a:fillRect/>
+          </a:stretch>
+        </p:blipFill>
+        <p:spPr>
+          <a:xfrm>
+            <a:off x="9681085" y="238153"/>
+            <a:ext cx="1802101" cy="569807"/>
+          </a:xfrm>
+          <a:prstGeom prst="rect">
+            <a:avLst/>
+          </a:prstGeom>
+        </p:spPr>
+      </p:pic>
+      <p:cxnSp>
+        <p:nvCxnSpPr>
+          <p:cNvPr id="16" name="Connecteur droit 15">
+            <a:extLst>
+              <a:ext uri="{FF2B5EF4-FFF2-40B4-BE49-F238E27FC236}">
+                <a16:creationId xmlns:a16="http://schemas.microsoft.com/office/drawing/2014/main" id="{7319284A-BD6F-4A96-8E2B-E0A4B52E53C6}"/>
+              </a:ext>
+            </a:extLst>
+          </p:cNvPr>
+          <p:cNvCxnSpPr>
+            <a:cxnSpLocks/>
+          </p:cNvCxnSpPr>
+          <p:nvPr/>
+        </p:nvCxnSpPr>
+        <p:spPr>
+          <a:xfrm flipV="1">
+            <a:off x="0" y="454803"/>
+            <a:ext cx="738231" cy="1798"/>
+          </a:xfrm>
+          <a:prstGeom prst="line">
+            <a:avLst/>
+          </a:prstGeom>
+        </p:spPr>
+        <p:style>
+          <a:lnRef idx="3">
+            <a:schemeClr val="dk1"/>
+          </a:lnRef>
+          <a:fillRef idx="0">
+            <a:schemeClr val="dk1"/>
+          </a:fillRef>
+          <a:effectRef idx="2">
+            <a:schemeClr val="dk1"/>
+          </a:effectRef>
+          <a:fontRef idx="minor">
+            <a:schemeClr val="tx1"/>
+          </a:fontRef>
+        </p:style>
+      </p:cxnSp>
+      <p:cxnSp>
+        <p:nvCxnSpPr>
+          <p:cNvPr id="20" name="Connecteur droit 19">
+            <a:extLst>
+              <a:ext uri="{FF2B5EF4-FFF2-40B4-BE49-F238E27FC236}">
+                <a16:creationId xmlns:a16="http://schemas.microsoft.com/office/drawing/2014/main" id="{08874CF7-F149-4C81-B61E-74E18342BA8A}"/>
+              </a:ext>
+            </a:extLst>
+          </p:cNvPr>
+          <p:cNvCxnSpPr>
+            <a:cxnSpLocks/>
+          </p:cNvCxnSpPr>
+          <p:nvPr/>
+        </p:nvCxnSpPr>
+        <p:spPr>
+          <a:xfrm>
+            <a:off x="2573222" y="454803"/>
+            <a:ext cx="6829482" cy="10398"/>
+          </a:xfrm>
+          <a:prstGeom prst="line">
+            <a:avLst/>
+          </a:prstGeom>
+        </p:spPr>
+        <p:style>
+          <a:lnRef idx="3">
+            <a:schemeClr val="dk1"/>
+          </a:lnRef>
+          <a:fillRef idx="0">
+            <a:schemeClr val="dk1"/>
+          </a:fillRef>
+          <a:effectRef idx="2">
+            <a:schemeClr val="dk1"/>
+          </a:effectRef>
+          <a:fontRef idx="minor">
+            <a:schemeClr val="tx1"/>
+          </a:fontRef>
+        </p:style>
+      </p:cxnSp>
+      <p:cxnSp>
+        <p:nvCxnSpPr>
+          <p:cNvPr id="26" name="Connecteur droit 25">
+            <a:extLst>
+              <a:ext uri="{FF2B5EF4-FFF2-40B4-BE49-F238E27FC236}">
+                <a16:creationId xmlns:a16="http://schemas.microsoft.com/office/drawing/2014/main" id="{BB3B35CC-057B-48C1-880F-3306A6559175}"/>
+              </a:ext>
+            </a:extLst>
+          </p:cNvPr>
+          <p:cNvCxnSpPr>
+            <a:cxnSpLocks/>
+          </p:cNvCxnSpPr>
+          <p:nvPr/>
+        </p:nvCxnSpPr>
+        <p:spPr>
+          <a:xfrm>
+            <a:off x="738231" y="454803"/>
+            <a:ext cx="344203" cy="484764"/>
+          </a:xfrm>
+          <a:prstGeom prst="line">
+            <a:avLst/>
+          </a:prstGeom>
+        </p:spPr>
+        <p:style>
+          <a:lnRef idx="3">
+            <a:schemeClr val="dk1"/>
+          </a:lnRef>
+          <a:fillRef idx="0">
+            <a:schemeClr val="dk1"/>
+          </a:fillRef>
+          <a:effectRef idx="2">
+            <a:schemeClr val="dk1"/>
+          </a:effectRef>
+          <a:fontRef idx="minor">
+            <a:schemeClr val="tx1"/>
+          </a:fontRef>
+        </p:style>
+      </p:cxnSp>
+      <p:cxnSp>
+        <p:nvCxnSpPr>
+          <p:cNvPr id="32" name="Connecteur droit 31">
+            <a:extLst>
+              <a:ext uri="{FF2B5EF4-FFF2-40B4-BE49-F238E27FC236}">
+                <a16:creationId xmlns:a16="http://schemas.microsoft.com/office/drawing/2014/main" id="{4AD96496-1EB6-4E48-9BB2-5C255495C686}"/>
+              </a:ext>
+            </a:extLst>
+          </p:cNvPr>
+          <p:cNvCxnSpPr>
+            <a:cxnSpLocks/>
+          </p:cNvCxnSpPr>
+          <p:nvPr/>
+        </p:nvCxnSpPr>
+        <p:spPr>
+          <a:xfrm>
+            <a:off x="1082434" y="938268"/>
+            <a:ext cx="1146585" cy="0"/>
+          </a:xfrm>
+          <a:prstGeom prst="line">
+            <a:avLst/>
+          </a:prstGeom>
+        </p:spPr>
+        <p:style>
+          <a:lnRef idx="3">
+            <a:schemeClr val="dk1"/>
+          </a:lnRef>
+          <a:fillRef idx="0">
+            <a:schemeClr val="dk1"/>
+          </a:fillRef>
+          <a:effectRef idx="2">
+            <a:schemeClr val="dk1"/>
+          </a:effectRef>
+          <a:fontRef idx="minor">
+            <a:schemeClr val="tx1"/>
+          </a:fontRef>
+        </p:style>
+      </p:cxnSp>
+      <p:cxnSp>
+        <p:nvCxnSpPr>
+          <p:cNvPr id="51" name="Connecteur droit 50">
+            <a:extLst>
+              <a:ext uri="{FF2B5EF4-FFF2-40B4-BE49-F238E27FC236}">
+                <a16:creationId xmlns:a16="http://schemas.microsoft.com/office/drawing/2014/main" id="{C035BFA6-ECBF-4775-BA81-19D2CA41AA8D}"/>
+              </a:ext>
+            </a:extLst>
+          </p:cNvPr>
+          <p:cNvCxnSpPr>
+            <a:cxnSpLocks/>
+          </p:cNvCxnSpPr>
+          <p:nvPr/>
+        </p:nvCxnSpPr>
+        <p:spPr>
+          <a:xfrm>
+            <a:off x="9402704" y="465201"/>
+            <a:ext cx="344203" cy="495163"/>
+          </a:xfrm>
+          <a:prstGeom prst="line">
+            <a:avLst/>
+          </a:prstGeom>
+        </p:spPr>
+        <p:style>
+          <a:lnRef idx="3">
+            <a:schemeClr val="dk1"/>
+          </a:lnRef>
+          <a:fillRef idx="0">
+            <a:schemeClr val="dk1"/>
+          </a:fillRef>
+          <a:effectRef idx="2">
+            <a:schemeClr val="dk1"/>
+          </a:effectRef>
+          <a:fontRef idx="minor">
+            <a:schemeClr val="tx1"/>
+          </a:fontRef>
+        </p:style>
+      </p:cxnSp>
+      <p:cxnSp>
+        <p:nvCxnSpPr>
+          <p:cNvPr id="52" name="Connecteur droit 51">
+            <a:extLst>
+              <a:ext uri="{FF2B5EF4-FFF2-40B4-BE49-F238E27FC236}">
+                <a16:creationId xmlns:a16="http://schemas.microsoft.com/office/drawing/2014/main" id="{FA310BC7-694B-4984-99A2-61A1F4F6EBF9}"/>
+              </a:ext>
+            </a:extLst>
+          </p:cNvPr>
+          <p:cNvCxnSpPr>
+            <a:cxnSpLocks/>
+          </p:cNvCxnSpPr>
+          <p:nvPr/>
+        </p:nvCxnSpPr>
+        <p:spPr>
+          <a:xfrm flipH="1">
+            <a:off x="11370469" y="448308"/>
+            <a:ext cx="364332" cy="501657"/>
+          </a:xfrm>
+          <a:prstGeom prst="line">
+            <a:avLst/>
+          </a:prstGeom>
+        </p:spPr>
+        <p:style>
+          <a:lnRef idx="3">
+            <a:schemeClr val="dk1"/>
+          </a:lnRef>
+          <a:fillRef idx="0">
+            <a:schemeClr val="dk1"/>
+          </a:fillRef>
+          <a:effectRef idx="2">
+            <a:schemeClr val="dk1"/>
+          </a:effectRef>
+          <a:fontRef idx="minor">
+            <a:schemeClr val="tx1"/>
+          </a:fontRef>
+        </p:style>
+      </p:cxnSp>
+      <p:cxnSp>
+        <p:nvCxnSpPr>
+          <p:cNvPr id="53" name="Connecteur droit 52">
+            <a:extLst>
+              <a:ext uri="{FF2B5EF4-FFF2-40B4-BE49-F238E27FC236}">
+                <a16:creationId xmlns:a16="http://schemas.microsoft.com/office/drawing/2014/main" id="{BE0649BD-EE59-4DDA-960F-95B2572F9F13}"/>
+              </a:ext>
+            </a:extLst>
+          </p:cNvPr>
+          <p:cNvCxnSpPr>
+            <a:cxnSpLocks/>
+          </p:cNvCxnSpPr>
+          <p:nvPr/>
+        </p:nvCxnSpPr>
+        <p:spPr>
+          <a:xfrm>
+            <a:off x="9743203" y="949965"/>
+            <a:ext cx="1627266" cy="0"/>
+          </a:xfrm>
+          <a:prstGeom prst="line">
+            <a:avLst/>
+          </a:prstGeom>
+        </p:spPr>
+        <p:style>
+          <a:lnRef idx="3">
+            <a:schemeClr val="dk1"/>
+          </a:lnRef>
+          <a:fillRef idx="0">
+            <a:schemeClr val="dk1"/>
+          </a:fillRef>
+          <a:effectRef idx="2">
+            <a:schemeClr val="dk1"/>
+          </a:effectRef>
+          <a:fontRef idx="minor">
+            <a:schemeClr val="tx1"/>
+          </a:fontRef>
+        </p:style>
+      </p:cxnSp>
+      <p:cxnSp>
+        <p:nvCxnSpPr>
+          <p:cNvPr id="55" name="Connecteur droit 54">
+            <a:extLst>
+              <a:ext uri="{FF2B5EF4-FFF2-40B4-BE49-F238E27FC236}">
+                <a16:creationId xmlns:a16="http://schemas.microsoft.com/office/drawing/2014/main" id="{52AA9200-DAFA-4EEF-AC13-4C7CE82A59EC}"/>
+              </a:ext>
+            </a:extLst>
+          </p:cNvPr>
+          <p:cNvCxnSpPr>
+            <a:cxnSpLocks/>
+          </p:cNvCxnSpPr>
+          <p:nvPr/>
+        </p:nvCxnSpPr>
+        <p:spPr>
+          <a:xfrm>
+            <a:off x="11715750" y="454801"/>
+            <a:ext cx="476249" cy="10400"/>
+          </a:xfrm>
+          <a:prstGeom prst="line">
+            <a:avLst/>
+          </a:prstGeom>
+        </p:spPr>
+        <p:style>
+          <a:lnRef idx="3">
+            <a:schemeClr val="dk1"/>
+          </a:lnRef>
+          <a:fillRef idx="0">
+            <a:schemeClr val="dk1"/>
+          </a:fillRef>
+          <a:effectRef idx="2">
+            <a:schemeClr val="dk1"/>
+          </a:effectRef>
+          <a:fontRef idx="minor">
+            <a:schemeClr val="tx1"/>
+          </a:fontRef>
+        </p:style>
+      </p:cxnSp>
+      <p:cxnSp>
+        <p:nvCxnSpPr>
+          <p:cNvPr id="23" name="Connecteur droit 22">
+            <a:extLst>
+              <a:ext uri="{FF2B5EF4-FFF2-40B4-BE49-F238E27FC236}">
+                <a16:creationId xmlns:a16="http://schemas.microsoft.com/office/drawing/2014/main" id="{BCB092C8-0080-4E56-957E-0046D4C83988}"/>
+              </a:ext>
+            </a:extLst>
+          </p:cNvPr>
+          <p:cNvCxnSpPr>
+            <a:cxnSpLocks/>
+          </p:cNvCxnSpPr>
+          <p:nvPr/>
+        </p:nvCxnSpPr>
+        <p:spPr>
+          <a:xfrm flipH="1">
+            <a:off x="2216372" y="446356"/>
+            <a:ext cx="364332" cy="501657"/>
+          </a:xfrm>
+          <a:prstGeom prst="line">
+            <a:avLst/>
+          </a:prstGeom>
+        </p:spPr>
+        <p:style>
+          <a:lnRef idx="3">
+            <a:schemeClr val="dk1"/>
+          </a:lnRef>
+          <a:fillRef idx="0">
+            <a:schemeClr val="dk1"/>
+          </a:fillRef>
+          <a:effectRef idx="2">
+            <a:schemeClr val="dk1"/>
+          </a:effectRef>
+          <a:fontRef idx="minor">
+            <a:schemeClr val="tx1"/>
+          </a:fontRef>
+        </p:style>
+      </p:cxnSp>
+      <p:sp>
+        <p:nvSpPr>
+          <p:cNvPr id="2" name="ZoneTexte 1">
+            <a:extLst>
+              <a:ext uri="{FF2B5EF4-FFF2-40B4-BE49-F238E27FC236}">
+                <a16:creationId xmlns:a16="http://schemas.microsoft.com/office/drawing/2014/main" id="{674DD8AD-F715-49A9-B7B1-4A7DF94CD2F7}"/>
+              </a:ext>
+            </a:extLst>
+          </p:cNvPr>
+          <p:cNvSpPr txBox="1"/>
+          <p:nvPr/>
+        </p:nvSpPr>
+        <p:spPr>
+          <a:xfrm>
+            <a:off x="3422708" y="1384184"/>
+            <a:ext cx="5632597" cy="769441"/>
+          </a:xfrm>
+          <a:prstGeom prst="rect">
+            <a:avLst/>
+          </a:prstGeom>
+          <a:noFill/>
+        </p:spPr>
+        <p:txBody>
+          <a:bodyPr wrap="square" rtlCol="0">
+            <a:spAutoFit/>
+          </a:bodyPr>
+          <a:lstStyle/>
+          <a:p>
+            <a:r>
+              <a:rPr lang="fr-FR" sz="4400" dirty="0">
+                <a:latin typeface="Berlin Sans FB" panose="020E0602020502020306" pitchFamily="34" charset="0"/>
+              </a:rPr>
+              <a:t>Rôle des étudiants</a:t>
+            </a:r>
+          </a:p>
+        </p:txBody>
+      </p:sp>
+      <p:sp>
+        <p:nvSpPr>
+          <p:cNvPr id="3" name="ZoneTexte 2">
+            <a:extLst>
+              <a:ext uri="{FF2B5EF4-FFF2-40B4-BE49-F238E27FC236}">
+                <a16:creationId xmlns:a16="http://schemas.microsoft.com/office/drawing/2014/main" id="{DCCD1615-1755-47F7-AF0B-75E932931245}"/>
+              </a:ext>
+            </a:extLst>
+          </p:cNvPr>
+          <p:cNvSpPr txBox="1"/>
+          <p:nvPr/>
+        </p:nvSpPr>
+        <p:spPr>
+          <a:xfrm>
+            <a:off x="595618" y="2357306"/>
+            <a:ext cx="10774851" cy="3934437"/>
+          </a:xfrm>
+          <a:prstGeom prst="rect">
+            <a:avLst/>
+          </a:prstGeom>
+          <a:noFill/>
+        </p:spPr>
+        <p:txBody>
+          <a:bodyPr wrap="square" rtlCol="0">
+            <a:spAutoFit/>
+          </a:bodyPr>
+          <a:lstStyle/>
+          <a:p>
+            <a:endParaRPr lang="fr-FR" dirty="0"/>
+          </a:p>
+        </p:txBody>
+      </p:sp>
+    </p:spTree>
+    <p:extLst>
+      <p:ext uri="{BB962C8B-B14F-4D97-AF65-F5344CB8AC3E}">
+        <p14:creationId xmlns:p14="http://schemas.microsoft.com/office/powerpoint/2010/main" val="1323509659"/>
+      </p:ext>
+    </p:extLst>
+  </p:cSld>
+  <p:clrMapOvr>
+    <a:masterClrMapping/>
+  </p:clrMapOvr>
+  <mc:AlternateContent xmlns:mc="http://schemas.openxmlformats.org/markup-compatibility/2006">
+    <mc:Choice xmlns:p14="http://schemas.microsoft.com/office/powerpoint/2010/main" Requires="p14">
+      <p:transition spd="slow" p14:dur="3400">
+        <p14:reveal/>
+      </p:transition>
+    </mc:Choice>
+    <mc:Fallback>
+      <p:transition spd="slow">
+        <p:fade/>
+      </p:transition>
+    </mc:Fallback>
+  </mc:AlternateContent>
 </p:sld>
 </file>
 

--- a/oral_projet/diaporama_revue_1.pptx
+++ b/oral_projet/diaporama_revue_1.pptx
@@ -4365,13 +4365,13 @@
   <p:clrMapOvr>
     <a:masterClrMapping/>
   </p:clrMapOvr>
-  <mc:AlternateContent xmlns:mc="http://schemas.openxmlformats.org/markup-compatibility/2006">
-    <mc:Choice xmlns:p159="http://schemas.microsoft.com/office/powerpoint/2015/09/main" Requires="p159">
+  <mc:AlternateContent xmlns:mc="http://schemas.openxmlformats.org/markup-compatibility/2006" xmlns:p159="http://schemas.microsoft.com/office/powerpoint/2015/09/main">
+    <mc:Choice Requires="p159">
       <p:transition xmlns:p14="http://schemas.microsoft.com/office/powerpoint/2010/main" spd="slow" p14:dur="2000" advClick="0" advTm="1000">
         <p159:morph option="byObject"/>
       </p:transition>
     </mc:Choice>
-    <mc:Fallback>
+    <mc:Fallback xmlns="">
       <p:transition spd="slow" advClick="0" advTm="1000">
         <p:fade/>
       </p:transition>
@@ -4858,13 +4858,13 @@
   <p:clrMapOvr>
     <a:masterClrMapping/>
   </p:clrMapOvr>
-  <mc:AlternateContent xmlns:mc="http://schemas.openxmlformats.org/markup-compatibility/2006">
-    <mc:Choice xmlns:p14="http://schemas.microsoft.com/office/powerpoint/2010/main" Requires="p14">
+  <mc:AlternateContent xmlns:mc="http://schemas.openxmlformats.org/markup-compatibility/2006" xmlns:p14="http://schemas.microsoft.com/office/powerpoint/2010/main">
+    <mc:Choice Requires="p14">
       <p:transition spd="slow" p14:dur="3400">
         <p14:reveal/>
       </p:transition>
     </mc:Choice>
-    <mc:Fallback>
+    <mc:Fallback xmlns="">
       <p:transition spd="slow">
         <p:fade/>
       </p:transition>
@@ -5355,8 +5355,8 @@
         </p:nvSpPr>
         <p:spPr>
           <a:xfrm>
-            <a:off x="595618" y="2357306"/>
-            <a:ext cx="10774851" cy="3934437"/>
+            <a:off x="1156800" y="3143689"/>
+            <a:ext cx="2695434" cy="1200329"/>
           </a:xfrm>
           <a:prstGeom prst="rect">
             <a:avLst/>
@@ -5369,7 +5369,277 @@
           </a:bodyPr>
           <a:lstStyle/>
           <a:p>
+            <a:r>
+              <a:rPr lang="fr-FR" dirty="0"/>
+              <a:t>Etudiant 1 et chef du groupe : Steven</a:t>
+            </a:r>
+          </a:p>
+          <a:p>
             <a:endParaRPr lang="fr-FR" dirty="0"/>
+          </a:p>
+          <a:p>
+            <a:endParaRPr lang="fr-FR" dirty="0"/>
+          </a:p>
+        </p:txBody>
+      </p:sp>
+      <p:pic>
+        <p:nvPicPr>
+          <p:cNvPr id="5" name="Graphique 4" descr="Homme">
+            <a:extLst>
+              <a:ext uri="{FF2B5EF4-FFF2-40B4-BE49-F238E27FC236}">
+                <a16:creationId xmlns:a16="http://schemas.microsoft.com/office/drawing/2014/main" id="{5D686FEC-E0C7-47CC-8656-80B2ECA6AD95}"/>
+              </a:ext>
+            </a:extLst>
+          </p:cNvPr>
+          <p:cNvPicPr>
+            <a:picLocks noChangeAspect="1"/>
+          </p:cNvPicPr>
+          <p:nvPr/>
+        </p:nvPicPr>
+        <p:blipFill>
+          <a:blip r:embed="rId4">
+            <a:extLst>
+              <a:ext uri="{28A0092B-C50C-407E-A947-70E740481C1C}">
+                <a14:useLocalDpi xmlns:a14="http://schemas.microsoft.com/office/drawing/2010/main" val="0"/>
+              </a:ext>
+              <a:ext uri="{96DAC541-7B7A-43D3-8B79-37D633B846F1}">
+                <asvg:svgBlip xmlns:asvg="http://schemas.microsoft.com/office/drawing/2016/SVG/main" r:embed="rId5"/>
+              </a:ext>
+            </a:extLst>
+          </a:blip>
+          <a:stretch>
+            <a:fillRect/>
+          </a:stretch>
+        </p:blipFill>
+        <p:spPr>
+          <a:xfrm>
+            <a:off x="281031" y="2962470"/>
+            <a:ext cx="914400" cy="914400"/>
+          </a:xfrm>
+          <a:prstGeom prst="rect">
+            <a:avLst/>
+          </a:prstGeom>
+        </p:spPr>
+      </p:pic>
+      <p:pic>
+        <p:nvPicPr>
+          <p:cNvPr id="7" name="Graphique 6" descr="Homme">
+            <a:extLst>
+              <a:ext uri="{FF2B5EF4-FFF2-40B4-BE49-F238E27FC236}">
+                <a16:creationId xmlns:a16="http://schemas.microsoft.com/office/drawing/2014/main" id="{3F1DAEDE-C978-4A30-ADE4-E1C09F165B74}"/>
+              </a:ext>
+            </a:extLst>
+          </p:cNvPr>
+          <p:cNvPicPr>
+            <a:picLocks noChangeAspect="1"/>
+          </p:cNvPicPr>
+          <p:nvPr/>
+        </p:nvPicPr>
+        <p:blipFill>
+          <a:blip r:embed="rId4">
+            <a:extLst>
+              <a:ext uri="{28A0092B-C50C-407E-A947-70E740481C1C}">
+                <a14:useLocalDpi xmlns:a14="http://schemas.microsoft.com/office/drawing/2010/main" val="0"/>
+              </a:ext>
+              <a:ext uri="{96DAC541-7B7A-43D3-8B79-37D633B846F1}">
+                <asvg:svgBlip xmlns:asvg="http://schemas.microsoft.com/office/drawing/2016/SVG/main" r:embed="rId5"/>
+              </a:ext>
+            </a:extLst>
+          </a:blip>
+          <a:stretch>
+            <a:fillRect/>
+          </a:stretch>
+        </p:blipFill>
+        <p:spPr>
+          <a:xfrm>
+            <a:off x="7822163" y="2962470"/>
+            <a:ext cx="914400" cy="914400"/>
+          </a:xfrm>
+          <a:prstGeom prst="rect">
+            <a:avLst/>
+          </a:prstGeom>
+        </p:spPr>
+      </p:pic>
+      <p:pic>
+        <p:nvPicPr>
+          <p:cNvPr id="11" name="Graphique 10" descr="Homme">
+            <a:extLst>
+              <a:ext uri="{FF2B5EF4-FFF2-40B4-BE49-F238E27FC236}">
+                <a16:creationId xmlns:a16="http://schemas.microsoft.com/office/drawing/2014/main" id="{3D1F2BD8-2A52-4A51-B903-B49EC1DF010D}"/>
+              </a:ext>
+            </a:extLst>
+          </p:cNvPr>
+          <p:cNvPicPr>
+            <a:picLocks noChangeAspect="1"/>
+          </p:cNvPicPr>
+          <p:nvPr/>
+        </p:nvPicPr>
+        <p:blipFill>
+          <a:blip r:embed="rId4">
+            <a:extLst>
+              <a:ext uri="{28A0092B-C50C-407E-A947-70E740481C1C}">
+                <a14:useLocalDpi xmlns:a14="http://schemas.microsoft.com/office/drawing/2010/main" val="0"/>
+              </a:ext>
+              <a:ext uri="{96DAC541-7B7A-43D3-8B79-37D633B846F1}">
+                <asvg:svgBlip xmlns:asvg="http://schemas.microsoft.com/office/drawing/2016/SVG/main" r:embed="rId5"/>
+              </a:ext>
+            </a:extLst>
+          </a:blip>
+          <a:stretch>
+            <a:fillRect/>
+          </a:stretch>
+        </p:blipFill>
+        <p:spPr>
+          <a:xfrm>
+            <a:off x="281031" y="5229808"/>
+            <a:ext cx="914400" cy="914400"/>
+          </a:xfrm>
+          <a:prstGeom prst="rect">
+            <a:avLst/>
+          </a:prstGeom>
+        </p:spPr>
+      </p:pic>
+      <p:pic>
+        <p:nvPicPr>
+          <p:cNvPr id="13" name="Graphique 12" descr="Homme">
+            <a:extLst>
+              <a:ext uri="{FF2B5EF4-FFF2-40B4-BE49-F238E27FC236}">
+                <a16:creationId xmlns:a16="http://schemas.microsoft.com/office/drawing/2014/main" id="{496E86E9-0365-4241-B0E0-3139B1B41DA9}"/>
+              </a:ext>
+            </a:extLst>
+          </p:cNvPr>
+          <p:cNvPicPr>
+            <a:picLocks noChangeAspect="1"/>
+          </p:cNvPicPr>
+          <p:nvPr/>
+        </p:nvPicPr>
+        <p:blipFill>
+          <a:blip r:embed="rId4">
+            <a:extLst>
+              <a:ext uri="{28A0092B-C50C-407E-A947-70E740481C1C}">
+                <a14:useLocalDpi xmlns:a14="http://schemas.microsoft.com/office/drawing/2010/main" val="0"/>
+              </a:ext>
+              <a:ext uri="{96DAC541-7B7A-43D3-8B79-37D633B846F1}">
+                <asvg:svgBlip xmlns:asvg="http://schemas.microsoft.com/office/drawing/2016/SVG/main" r:embed="rId5"/>
+              </a:ext>
+            </a:extLst>
+          </a:blip>
+          <a:stretch>
+            <a:fillRect/>
+          </a:stretch>
+        </p:blipFill>
+        <p:spPr>
+          <a:xfrm>
+            <a:off x="7999445" y="5229808"/>
+            <a:ext cx="914400" cy="914400"/>
+          </a:xfrm>
+          <a:prstGeom prst="rect">
+            <a:avLst/>
+          </a:prstGeom>
+        </p:spPr>
+      </p:pic>
+      <p:sp>
+        <p:nvSpPr>
+          <p:cNvPr id="14" name="ZoneTexte 13">
+            <a:extLst>
+              <a:ext uri="{FF2B5EF4-FFF2-40B4-BE49-F238E27FC236}">
+                <a16:creationId xmlns:a16="http://schemas.microsoft.com/office/drawing/2014/main" id="{863FAC4E-CD11-44F8-9555-8D34A7409E4A}"/>
+              </a:ext>
+            </a:extLst>
+          </p:cNvPr>
+          <p:cNvSpPr txBox="1"/>
+          <p:nvPr/>
+        </p:nvSpPr>
+        <p:spPr>
+          <a:xfrm>
+            <a:off x="1151783" y="5363842"/>
+            <a:ext cx="2434177" cy="646331"/>
+          </a:xfrm>
+          <a:prstGeom prst="rect">
+            <a:avLst/>
+          </a:prstGeom>
+          <a:noFill/>
+        </p:spPr>
+        <p:txBody>
+          <a:bodyPr wrap="square" rtlCol="0">
+            <a:spAutoFit/>
+          </a:bodyPr>
+          <a:lstStyle/>
+          <a:p>
+            <a:r>
+              <a:rPr lang="fr-FR" dirty="0"/>
+              <a:t>Etudiant 2 et esclave 1 : Willy </a:t>
+            </a:r>
+          </a:p>
+        </p:txBody>
+      </p:sp>
+      <p:sp>
+        <p:nvSpPr>
+          <p:cNvPr id="15" name="ZoneTexte 14">
+            <a:extLst>
+              <a:ext uri="{FF2B5EF4-FFF2-40B4-BE49-F238E27FC236}">
+                <a16:creationId xmlns:a16="http://schemas.microsoft.com/office/drawing/2014/main" id="{7FF94F4B-10E1-4E4D-AD68-D90A8EAAB109}"/>
+              </a:ext>
+            </a:extLst>
+          </p:cNvPr>
+          <p:cNvSpPr txBox="1"/>
+          <p:nvPr/>
+        </p:nvSpPr>
+        <p:spPr>
+          <a:xfrm>
+            <a:off x="8736563" y="3107094"/>
+            <a:ext cx="2404188" cy="646331"/>
+          </a:xfrm>
+          <a:prstGeom prst="rect">
+            <a:avLst/>
+          </a:prstGeom>
+          <a:noFill/>
+        </p:spPr>
+        <p:txBody>
+          <a:bodyPr wrap="square" rtlCol="0">
+            <a:spAutoFit/>
+          </a:bodyPr>
+          <a:lstStyle/>
+          <a:p>
+            <a:r>
+              <a:rPr lang="fr-FR" dirty="0"/>
+              <a:t>Etudiant 3 et esclave 2 : Samuel</a:t>
+            </a:r>
+          </a:p>
+        </p:txBody>
+      </p:sp>
+      <p:sp>
+        <p:nvSpPr>
+          <p:cNvPr id="17" name="ZoneTexte 16">
+            <a:extLst>
+              <a:ext uri="{FF2B5EF4-FFF2-40B4-BE49-F238E27FC236}">
+                <a16:creationId xmlns:a16="http://schemas.microsoft.com/office/drawing/2014/main" id="{6832ED2D-AB77-4E11-94A7-1ABB51FE6ACA}"/>
+              </a:ext>
+            </a:extLst>
+          </p:cNvPr>
+          <p:cNvSpPr txBox="1"/>
+          <p:nvPr/>
+        </p:nvSpPr>
+        <p:spPr>
+          <a:xfrm>
+            <a:off x="8736563" y="5339257"/>
+            <a:ext cx="2633906" cy="646331"/>
+          </a:xfrm>
+          <a:prstGeom prst="rect">
+            <a:avLst/>
+          </a:prstGeom>
+          <a:noFill/>
+        </p:spPr>
+        <p:txBody>
+          <a:bodyPr wrap="square" rtlCol="0">
+            <a:spAutoFit/>
+          </a:bodyPr>
+          <a:lstStyle/>
+          <a:p>
+            <a:r>
+              <a:rPr lang="fr-FR" dirty="0"/>
+              <a:t>Etudiant 4 et esclave 3 : Dylan</a:t>
+            </a:r>
           </a:p>
         </p:txBody>
       </p:sp>
@@ -5383,13 +5653,13 @@
   <p:clrMapOvr>
     <a:masterClrMapping/>
   </p:clrMapOvr>
-  <mc:AlternateContent xmlns:mc="http://schemas.openxmlformats.org/markup-compatibility/2006">
-    <mc:Choice xmlns:p14="http://schemas.microsoft.com/office/powerpoint/2010/main" Requires="p14">
+  <mc:AlternateContent xmlns:mc="http://schemas.openxmlformats.org/markup-compatibility/2006" xmlns:p14="http://schemas.microsoft.com/office/powerpoint/2010/main">
+    <mc:Choice Requires="p14">
       <p:transition spd="slow" p14:dur="3400">
         <p14:reveal/>
       </p:transition>
     </mc:Choice>
-    <mc:Fallback>
+    <mc:Fallback xmlns="">
       <p:transition spd="slow">
         <p:fade/>
       </p:transition>

--- a/oral_projet/diaporama_revue_1.pptx
+++ b/oral_projet/diaporama_revue_1.pptx
@@ -5356,7 +5356,7 @@
         <p:spPr>
           <a:xfrm>
             <a:off x="1156800" y="3143689"/>
-            <a:ext cx="2695434" cy="1200329"/>
+            <a:ext cx="2695434" cy="2031325"/>
           </a:xfrm>
           <a:prstGeom prst="rect">
             <a:avLst/>
@@ -5372,6 +5372,15 @@
             <a:r>
               <a:rPr lang="fr-FR" dirty="0"/>
               <a:t>Etudiant 1 et chef du groupe : Steven</a:t>
+            </a:r>
+          </a:p>
+          <a:p>
+            <a:endParaRPr lang="fr-FR" dirty="0"/>
+          </a:p>
+          <a:p>
+            <a:r>
+              <a:rPr lang="fr-FR" dirty="0"/>
+              <a:t>Partie rapsberry acquisition</a:t>
             </a:r>
           </a:p>
           <a:p>
@@ -5553,7 +5562,7 @@
         <p:spPr>
           <a:xfrm>
             <a:off x="1151783" y="5363842"/>
-            <a:ext cx="2434177" cy="646331"/>
+            <a:ext cx="2434177" cy="1200329"/>
           </a:xfrm>
           <a:prstGeom prst="rect">
             <a:avLst/>
@@ -5568,7 +5577,16 @@
           <a:p>
             <a:r>
               <a:rPr lang="fr-FR" dirty="0"/>
-              <a:t>Etudiant 2 et esclave 1 : Willy </a:t>
+              <a:t>Etudiant 2 : Willy </a:t>
+            </a:r>
+          </a:p>
+          <a:p>
+            <a:endParaRPr lang="fr-FR" dirty="0"/>
+          </a:p>
+          <a:p>
+            <a:r>
+              <a:rPr lang="fr-FR" dirty="0"/>
+              <a:t>Partie Web avec Netbeans</a:t>
             </a:r>
           </a:p>
         </p:txBody>
@@ -5588,7 +5606,7 @@
         <p:spPr>
           <a:xfrm>
             <a:off x="8736563" y="3107094"/>
-            <a:ext cx="2404188" cy="646331"/>
+            <a:ext cx="2404188" cy="1754326"/>
           </a:xfrm>
           <a:prstGeom prst="rect">
             <a:avLst/>
@@ -5603,8 +5621,23 @@
           <a:p>
             <a:r>
               <a:rPr lang="fr-FR" dirty="0"/>
-              <a:t>Etudiant 3 et esclave 2 : Samuel</a:t>
-            </a:r>
+              <a:t>Etudiant 3 : Samuel</a:t>
+            </a:r>
+          </a:p>
+          <a:p>
+            <a:endParaRPr lang="fr-FR" dirty="0"/>
+          </a:p>
+          <a:p>
+            <a:r>
+              <a:rPr lang="fr-FR" dirty="0"/>
+              <a:t>Partie BDD avec le serveur Wamp</a:t>
+            </a:r>
+          </a:p>
+          <a:p>
+            <a:endParaRPr lang="fr-FR" dirty="0"/>
+          </a:p>
+          <a:p>
+            <a:endParaRPr lang="fr-FR" dirty="0"/>
           </a:p>
         </p:txBody>
       </p:sp>
@@ -5623,7 +5656,7 @@
         <p:spPr>
           <a:xfrm>
             <a:off x="8736563" y="5339257"/>
-            <a:ext cx="2633906" cy="646331"/>
+            <a:ext cx="2633906" cy="1200329"/>
           </a:xfrm>
           <a:prstGeom prst="rect">
             <a:avLst/>
@@ -5638,7 +5671,16 @@
           <a:p>
             <a:r>
               <a:rPr lang="fr-FR" dirty="0"/>
-              <a:t>Etudiant 4 et esclave 3 : Dylan</a:t>
+              <a:t>Etudiant 4 : Dylan</a:t>
+            </a:r>
+          </a:p>
+          <a:p>
+            <a:endParaRPr lang="fr-FR" dirty="0"/>
+          </a:p>
+          <a:p>
+            <a:r>
+              <a:rPr lang="fr-FR" dirty="0"/>
+              <a:t>Partie Application androïd avec androïd studio</a:t>
             </a:r>
           </a:p>
         </p:txBody>

--- a/oral_projet/diaporama_revue_1.pptx
+++ b/oral_projet/diaporama_revue_1.pptx
@@ -5356,7 +5356,7 @@
         <p:spPr>
           <a:xfrm>
             <a:off x="1156800" y="3143689"/>
-            <a:ext cx="2695434" cy="2031325"/>
+            <a:ext cx="2695434" cy="1754326"/>
           </a:xfrm>
           <a:prstGeom prst="rect">
             <a:avLst/>
@@ -5371,7 +5371,7 @@
           <a:p>
             <a:r>
               <a:rPr lang="fr-FR" dirty="0"/>
-              <a:t>Etudiant 1 et chef du groupe : Steven</a:t>
+              <a:t>Etudiant 1 : Steven</a:t>
             </a:r>
           </a:p>
           <a:p>
@@ -5685,6 +5685,159 @@
           </a:p>
         </p:txBody>
       </p:sp>
+      <p:pic>
+        <p:nvPicPr>
+          <p:cNvPr id="6" name="Graphique 5" descr="Smartphone">
+            <a:extLst>
+              <a:ext uri="{FF2B5EF4-FFF2-40B4-BE49-F238E27FC236}">
+                <a16:creationId xmlns:a16="http://schemas.microsoft.com/office/drawing/2014/main" id="{0D0625B4-41C5-4421-A48C-F0BC24A5ADC7}"/>
+              </a:ext>
+            </a:extLst>
+          </p:cNvPr>
+          <p:cNvPicPr>
+            <a:picLocks noChangeAspect="1"/>
+          </p:cNvPicPr>
+          <p:nvPr/>
+        </p:nvPicPr>
+        <p:blipFill>
+          <a:blip r:embed="rId6">
+            <a:extLst>
+              <a:ext uri="{28A0092B-C50C-407E-A947-70E740481C1C}">
+                <a14:useLocalDpi xmlns:a14="http://schemas.microsoft.com/office/drawing/2010/main" val="0"/>
+              </a:ext>
+              <a:ext uri="{96DAC541-7B7A-43D3-8B79-37D633B846F1}">
+                <asvg:svgBlip xmlns:asvg="http://schemas.microsoft.com/office/drawing/2016/SVG/main" r:embed="rId7"/>
+              </a:ext>
+            </a:extLst>
+          </a:blip>
+          <a:stretch>
+            <a:fillRect/>
+          </a:stretch>
+        </p:blipFill>
+        <p:spPr>
+          <a:xfrm>
+            <a:off x="7116147" y="5253135"/>
+            <a:ext cx="914400" cy="914400"/>
+          </a:xfrm>
+          <a:prstGeom prst="rect">
+            <a:avLst/>
+          </a:prstGeom>
+        </p:spPr>
+      </p:pic>
+      <p:pic>
+        <p:nvPicPr>
+          <p:cNvPr id="19" name="Graphique 18" descr="Écran">
+            <a:extLst>
+              <a:ext uri="{FF2B5EF4-FFF2-40B4-BE49-F238E27FC236}">
+                <a16:creationId xmlns:a16="http://schemas.microsoft.com/office/drawing/2014/main" id="{78E2476A-601F-4E19-B717-5F72414D7604}"/>
+              </a:ext>
+            </a:extLst>
+          </p:cNvPr>
+          <p:cNvPicPr>
+            <a:picLocks noChangeAspect="1"/>
+          </p:cNvPicPr>
+          <p:nvPr/>
+        </p:nvPicPr>
+        <p:blipFill>
+          <a:blip r:embed="rId8">
+            <a:extLst>
+              <a:ext uri="{28A0092B-C50C-407E-A947-70E740481C1C}">
+                <a14:useLocalDpi xmlns:a14="http://schemas.microsoft.com/office/drawing/2010/main" val="0"/>
+              </a:ext>
+              <a:ext uri="{96DAC541-7B7A-43D3-8B79-37D633B846F1}">
+                <asvg:svgBlip xmlns:asvg="http://schemas.microsoft.com/office/drawing/2016/SVG/main" r:embed="rId9"/>
+              </a:ext>
+            </a:extLst>
+          </a:blip>
+          <a:stretch>
+            <a:fillRect/>
+          </a:stretch>
+        </p:blipFill>
+        <p:spPr>
+          <a:xfrm>
+            <a:off x="3180395" y="5253135"/>
+            <a:ext cx="914400" cy="914400"/>
+          </a:xfrm>
+          <a:prstGeom prst="rect">
+            <a:avLst/>
+          </a:prstGeom>
+        </p:spPr>
+      </p:pic>
+      <p:pic>
+        <p:nvPicPr>
+          <p:cNvPr id="28" name="Image 27">
+            <a:extLst>
+              <a:ext uri="{FF2B5EF4-FFF2-40B4-BE49-F238E27FC236}">
+                <a16:creationId xmlns:a16="http://schemas.microsoft.com/office/drawing/2014/main" id="{384DB445-6E71-41B0-A5E4-30A7E35C5FF4}"/>
+              </a:ext>
+            </a:extLst>
+          </p:cNvPr>
+          <p:cNvPicPr>
+            <a:picLocks noChangeAspect="1"/>
+          </p:cNvPicPr>
+          <p:nvPr/>
+        </p:nvPicPr>
+        <p:blipFill>
+          <a:blip r:embed="rId10">
+            <a:extLst>
+              <a:ext uri="{28A0092B-C50C-407E-A947-70E740481C1C}">
+                <a14:useLocalDpi xmlns:a14="http://schemas.microsoft.com/office/drawing/2010/main" val="0"/>
+              </a:ext>
+            </a:extLst>
+          </a:blip>
+          <a:stretch>
+            <a:fillRect/>
+          </a:stretch>
+        </p:blipFill>
+        <p:spPr>
+          <a:xfrm>
+            <a:off x="3186780" y="3023938"/>
+            <a:ext cx="1010911" cy="1010911"/>
+          </a:xfrm>
+          <a:prstGeom prst="rect">
+            <a:avLst/>
+          </a:prstGeom>
+        </p:spPr>
+      </p:pic>
+      <p:pic>
+        <p:nvPicPr>
+          <p:cNvPr id="30" name="Graphique 29" descr="Ordinateur">
+            <a:extLst>
+              <a:ext uri="{FF2B5EF4-FFF2-40B4-BE49-F238E27FC236}">
+                <a16:creationId xmlns:a16="http://schemas.microsoft.com/office/drawing/2014/main" id="{3B4B0F51-5189-42E5-8B3E-38F13CCEBFD2}"/>
+              </a:ext>
+            </a:extLst>
+          </p:cNvPr>
+          <p:cNvPicPr>
+            <a:picLocks noChangeAspect="1"/>
+          </p:cNvPicPr>
+          <p:nvPr/>
+        </p:nvPicPr>
+        <p:blipFill>
+          <a:blip r:embed="rId11">
+            <a:extLst>
+              <a:ext uri="{28A0092B-C50C-407E-A947-70E740481C1C}">
+                <a14:useLocalDpi xmlns:a14="http://schemas.microsoft.com/office/drawing/2010/main" val="0"/>
+              </a:ext>
+              <a:ext uri="{96DAC541-7B7A-43D3-8B79-37D633B846F1}">
+                <asvg:svgBlip xmlns:asvg="http://schemas.microsoft.com/office/drawing/2016/SVG/main" r:embed="rId12"/>
+              </a:ext>
+            </a:extLst>
+          </a:blip>
+          <a:stretch>
+            <a:fillRect/>
+          </a:stretch>
+        </p:blipFill>
+        <p:spPr>
+          <a:xfrm>
+            <a:off x="6919938" y="3019273"/>
+            <a:ext cx="914400" cy="914400"/>
+          </a:xfrm>
+          <a:prstGeom prst="rect">
+            <a:avLst/>
+          </a:prstGeom>
+        </p:spPr>
+      </p:pic>
     </p:spTree>
     <p:extLst>
       <p:ext uri="{BB962C8B-B14F-4D97-AF65-F5344CB8AC3E}">

--- a/oral_projet/diaporama_revue_1.pptx
+++ b/oral_projet/diaporama_revue_1.pptx
@@ -9,7 +9,7 @@
   </p:notesMasterIdLst>
   <p:sldIdLst>
     <p:sldId id="256" r:id="rId2"/>
-    <p:sldId id="257" r:id="rId3"/>
+    <p:sldId id="259" r:id="rId3"/>
     <p:sldId id="258" r:id="rId4"/>
   </p:sldIdLst>
   <p:sldSz cx="12192000" cy="6858000"/>
@@ -4848,10 +4848,685 @@
           </a:p>
         </p:txBody>
       </p:sp>
+      <p:pic>
+        <p:nvPicPr>
+          <p:cNvPr id="9" name="Image 8">
+            <a:extLst>
+              <a:ext uri="{FF2B5EF4-FFF2-40B4-BE49-F238E27FC236}">
+                <a16:creationId xmlns:a16="http://schemas.microsoft.com/office/drawing/2014/main" id="{0F6F14B4-4360-483A-A366-B8BC1C433D45}"/>
+              </a:ext>
+            </a:extLst>
+          </p:cNvPr>
+          <p:cNvPicPr>
+            <a:picLocks noChangeAspect="1"/>
+          </p:cNvPicPr>
+          <p:nvPr/>
+        </p:nvPicPr>
+        <p:blipFill>
+          <a:blip r:embed="rId4">
+            <a:duotone>
+              <a:schemeClr val="accent2">
+                <a:shade val="45000"/>
+                <a:satMod val="135000"/>
+              </a:schemeClr>
+              <a:prstClr val="white"/>
+            </a:duotone>
+            <a:extLst>
+              <a:ext uri="{28A0092B-C50C-407E-A947-70E740481C1C}">
+                <a14:useLocalDpi xmlns:a14="http://schemas.microsoft.com/office/drawing/2010/main" val="0"/>
+              </a:ext>
+            </a:extLst>
+          </a:blip>
+          <a:stretch>
+            <a:fillRect/>
+          </a:stretch>
+        </p:blipFill>
+        <p:spPr>
+          <a:xfrm>
+            <a:off x="2003103" y="2553363"/>
+            <a:ext cx="325145" cy="325145"/>
+          </a:xfrm>
+          <a:prstGeom prst="rect">
+            <a:avLst/>
+          </a:prstGeom>
+        </p:spPr>
+      </p:pic>
+      <p:sp>
+        <p:nvSpPr>
+          <p:cNvPr id="11" name="ZoneTexte 10">
+            <a:extLst>
+              <a:ext uri="{FF2B5EF4-FFF2-40B4-BE49-F238E27FC236}">
+                <a16:creationId xmlns:a16="http://schemas.microsoft.com/office/drawing/2014/main" id="{2CA80E90-DA54-463B-A9BF-FCEFEDE559B8}"/>
+              </a:ext>
+            </a:extLst>
+          </p:cNvPr>
+          <p:cNvSpPr txBox="1"/>
+          <p:nvPr/>
+        </p:nvSpPr>
+        <p:spPr>
+          <a:xfrm>
+            <a:off x="2598862" y="2386341"/>
+            <a:ext cx="6223276" cy="646331"/>
+          </a:xfrm>
+          <a:prstGeom prst="rect">
+            <a:avLst/>
+          </a:prstGeom>
+          <a:noFill/>
+        </p:spPr>
+        <p:txBody>
+          <a:bodyPr wrap="square" rtlCol="0">
+            <a:spAutoFit/>
+          </a:bodyPr>
+          <a:lstStyle/>
+          <a:p>
+            <a:pPr algn="just"/>
+            <a:r>
+              <a:rPr lang="fr-FR" i="1" dirty="0">
+                <a:latin typeface="+mj-lt"/>
+              </a:rPr>
+              <a:t>Le Groupe Olivier est spécialisé dans la production de tomates et concombres sous serres verre dans la région nantaise.</a:t>
+            </a:r>
+          </a:p>
+        </p:txBody>
+      </p:sp>
+      <p:sp>
+        <p:nvSpPr>
+          <p:cNvPr id="21" name="ZoneTexte 20">
+            <a:extLst>
+              <a:ext uri="{FF2B5EF4-FFF2-40B4-BE49-F238E27FC236}">
+                <a16:creationId xmlns:a16="http://schemas.microsoft.com/office/drawing/2014/main" id="{A2AA1468-6861-4A75-810C-8AF0C9B7B556}"/>
+              </a:ext>
+            </a:extLst>
+          </p:cNvPr>
+          <p:cNvSpPr txBox="1"/>
+          <p:nvPr/>
+        </p:nvSpPr>
+        <p:spPr>
+          <a:xfrm>
+            <a:off x="416653" y="3170609"/>
+            <a:ext cx="11358694" cy="1754326"/>
+          </a:xfrm>
+          <a:prstGeom prst="rect">
+            <a:avLst/>
+          </a:prstGeom>
+          <a:noFill/>
+        </p:spPr>
+        <p:txBody>
+          <a:bodyPr wrap="square" rtlCol="0">
+            <a:spAutoFit/>
+          </a:bodyPr>
+          <a:lstStyle/>
+          <a:p>
+            <a:pPr algn="ctr"/>
+            <a:r>
+              <a:rPr lang="fr-FR" dirty="0">
+                <a:latin typeface="+mj-lt"/>
+              </a:rPr>
+              <a:t>Ainsi, l’entreprise voudrait superviser l’état de la serre, tout en récupérant et stockant l’ensemble des données suivantes :</a:t>
+            </a:r>
+          </a:p>
+          <a:p>
+            <a:pPr lvl="5"/>
+            <a:r>
+              <a:rPr lang="fr-FR" i="1" dirty="0">
+                <a:latin typeface="+mj-lt"/>
+              </a:rPr>
+              <a:t>L’intensité lumineuse</a:t>
+            </a:r>
+          </a:p>
+          <a:p>
+            <a:pPr lvl="5"/>
+            <a:r>
+              <a:rPr lang="fr-FR" i="1" dirty="0">
+                <a:latin typeface="+mj-lt"/>
+              </a:rPr>
+              <a:t>La pluviométrie</a:t>
+            </a:r>
+          </a:p>
+          <a:p>
+            <a:pPr lvl="5"/>
+            <a:r>
+              <a:rPr lang="fr-FR" i="1" dirty="0">
+                <a:latin typeface="+mj-lt"/>
+              </a:rPr>
+              <a:t>La force et la direction du vent</a:t>
+            </a:r>
+          </a:p>
+          <a:p>
+            <a:pPr lvl="5"/>
+            <a:r>
+              <a:rPr lang="fr-FR" i="1" dirty="0">
+                <a:latin typeface="+mj-lt"/>
+              </a:rPr>
+              <a:t>La température à l’intérieur de la serre</a:t>
+            </a:r>
+          </a:p>
+          <a:p>
+            <a:pPr lvl="5"/>
+            <a:r>
+              <a:rPr lang="fr-FR" i="1" dirty="0">
+                <a:latin typeface="+mj-lt"/>
+              </a:rPr>
+              <a:t>La température de l’eau des tuyaux de chauffage</a:t>
+            </a:r>
+          </a:p>
+        </p:txBody>
+      </p:sp>
+      <p:pic>
+        <p:nvPicPr>
+          <p:cNvPr id="13" name="Image 12">
+            <a:extLst>
+              <a:ext uri="{FF2B5EF4-FFF2-40B4-BE49-F238E27FC236}">
+                <a16:creationId xmlns:a16="http://schemas.microsoft.com/office/drawing/2014/main" id="{E9CB450B-671B-4A08-AECA-606B1B490A84}"/>
+              </a:ext>
+            </a:extLst>
+          </p:cNvPr>
+          <p:cNvPicPr>
+            <a:picLocks noChangeAspect="1"/>
+          </p:cNvPicPr>
+          <p:nvPr/>
+        </p:nvPicPr>
+        <p:blipFill>
+          <a:blip r:embed="rId5">
+            <a:duotone>
+              <a:schemeClr val="accent6">
+                <a:shade val="45000"/>
+                <a:satMod val="135000"/>
+              </a:schemeClr>
+              <a:prstClr val="white"/>
+            </a:duotone>
+            <a:extLst>
+              <a:ext uri="{28A0092B-C50C-407E-A947-70E740481C1C}">
+                <a14:useLocalDpi xmlns:a14="http://schemas.microsoft.com/office/drawing/2010/main" val="0"/>
+              </a:ext>
+            </a:extLst>
+          </a:blip>
+          <a:stretch>
+            <a:fillRect/>
+          </a:stretch>
+        </p:blipFill>
+        <p:spPr>
+          <a:xfrm>
+            <a:off x="2516748" y="3592821"/>
+            <a:ext cx="124309" cy="124309"/>
+          </a:xfrm>
+          <a:prstGeom prst="rect">
+            <a:avLst/>
+          </a:prstGeom>
+        </p:spPr>
+      </p:pic>
+      <p:pic>
+        <p:nvPicPr>
+          <p:cNvPr id="24" name="Image 23">
+            <a:extLst>
+              <a:ext uri="{FF2B5EF4-FFF2-40B4-BE49-F238E27FC236}">
+                <a16:creationId xmlns:a16="http://schemas.microsoft.com/office/drawing/2014/main" id="{E7D07084-514E-4AD1-92AD-6F485AC56BE8}"/>
+              </a:ext>
+            </a:extLst>
+          </p:cNvPr>
+          <p:cNvPicPr>
+            <a:picLocks noChangeAspect="1"/>
+          </p:cNvPicPr>
+          <p:nvPr/>
+        </p:nvPicPr>
+        <p:blipFill>
+          <a:blip r:embed="rId5">
+            <a:duotone>
+              <a:schemeClr val="accent6">
+                <a:shade val="45000"/>
+                <a:satMod val="135000"/>
+              </a:schemeClr>
+              <a:prstClr val="white"/>
+            </a:duotone>
+            <a:extLst>
+              <a:ext uri="{28A0092B-C50C-407E-A947-70E740481C1C}">
+                <a14:useLocalDpi xmlns:a14="http://schemas.microsoft.com/office/drawing/2010/main" val="0"/>
+              </a:ext>
+            </a:extLst>
+          </a:blip>
+          <a:stretch>
+            <a:fillRect/>
+          </a:stretch>
+        </p:blipFill>
+        <p:spPr>
+          <a:xfrm>
+            <a:off x="2517977" y="3855927"/>
+            <a:ext cx="124309" cy="124309"/>
+          </a:xfrm>
+          <a:prstGeom prst="rect">
+            <a:avLst/>
+          </a:prstGeom>
+        </p:spPr>
+      </p:pic>
+      <p:pic>
+        <p:nvPicPr>
+          <p:cNvPr id="25" name="Image 24">
+            <a:extLst>
+              <a:ext uri="{FF2B5EF4-FFF2-40B4-BE49-F238E27FC236}">
+                <a16:creationId xmlns:a16="http://schemas.microsoft.com/office/drawing/2014/main" id="{2BE9EB8A-90B5-4FCA-9550-B98A27AF7474}"/>
+              </a:ext>
+            </a:extLst>
+          </p:cNvPr>
+          <p:cNvPicPr>
+            <a:picLocks noChangeAspect="1"/>
+          </p:cNvPicPr>
+          <p:nvPr/>
+        </p:nvPicPr>
+        <p:blipFill>
+          <a:blip r:embed="rId5">
+            <a:duotone>
+              <a:schemeClr val="accent6">
+                <a:shade val="45000"/>
+                <a:satMod val="135000"/>
+              </a:schemeClr>
+              <a:prstClr val="white"/>
+            </a:duotone>
+            <a:extLst>
+              <a:ext uri="{28A0092B-C50C-407E-A947-70E740481C1C}">
+                <a14:useLocalDpi xmlns:a14="http://schemas.microsoft.com/office/drawing/2010/main" val="0"/>
+              </a:ext>
+            </a:extLst>
+          </a:blip>
+          <a:stretch>
+            <a:fillRect/>
+          </a:stretch>
+        </p:blipFill>
+        <p:spPr>
+          <a:xfrm>
+            <a:off x="2518549" y="4139342"/>
+            <a:ext cx="124309" cy="124309"/>
+          </a:xfrm>
+          <a:prstGeom prst="rect">
+            <a:avLst/>
+          </a:prstGeom>
+        </p:spPr>
+      </p:pic>
+      <p:pic>
+        <p:nvPicPr>
+          <p:cNvPr id="27" name="Image 26">
+            <a:extLst>
+              <a:ext uri="{FF2B5EF4-FFF2-40B4-BE49-F238E27FC236}">
+                <a16:creationId xmlns:a16="http://schemas.microsoft.com/office/drawing/2014/main" id="{48536EA0-A655-484B-9344-6480C35E430D}"/>
+              </a:ext>
+            </a:extLst>
+          </p:cNvPr>
+          <p:cNvPicPr>
+            <a:picLocks noChangeAspect="1"/>
+          </p:cNvPicPr>
+          <p:nvPr/>
+        </p:nvPicPr>
+        <p:blipFill>
+          <a:blip r:embed="rId5">
+            <a:duotone>
+              <a:schemeClr val="accent6">
+                <a:shade val="45000"/>
+                <a:satMod val="135000"/>
+              </a:schemeClr>
+              <a:prstClr val="white"/>
+            </a:duotone>
+            <a:extLst>
+              <a:ext uri="{28A0092B-C50C-407E-A947-70E740481C1C}">
+                <a14:useLocalDpi xmlns:a14="http://schemas.microsoft.com/office/drawing/2010/main" val="0"/>
+              </a:ext>
+            </a:extLst>
+          </a:blip>
+          <a:stretch>
+            <a:fillRect/>
+          </a:stretch>
+        </p:blipFill>
+        <p:spPr>
+          <a:xfrm>
+            <a:off x="2511067" y="4401588"/>
+            <a:ext cx="124309" cy="124309"/>
+          </a:xfrm>
+          <a:prstGeom prst="rect">
+            <a:avLst/>
+          </a:prstGeom>
+        </p:spPr>
+      </p:pic>
+      <p:pic>
+        <p:nvPicPr>
+          <p:cNvPr id="28" name="Image 27">
+            <a:extLst>
+              <a:ext uri="{FF2B5EF4-FFF2-40B4-BE49-F238E27FC236}">
+                <a16:creationId xmlns:a16="http://schemas.microsoft.com/office/drawing/2014/main" id="{46714A47-0025-41A2-8A6D-C200E5144DED}"/>
+              </a:ext>
+            </a:extLst>
+          </p:cNvPr>
+          <p:cNvPicPr>
+            <a:picLocks noChangeAspect="1"/>
+          </p:cNvPicPr>
+          <p:nvPr/>
+        </p:nvPicPr>
+        <p:blipFill>
+          <a:blip r:embed="rId5">
+            <a:duotone>
+              <a:schemeClr val="accent6">
+                <a:shade val="45000"/>
+                <a:satMod val="135000"/>
+              </a:schemeClr>
+              <a:prstClr val="white"/>
+            </a:duotone>
+            <a:extLst>
+              <a:ext uri="{28A0092B-C50C-407E-A947-70E740481C1C}">
+                <a14:useLocalDpi xmlns:a14="http://schemas.microsoft.com/office/drawing/2010/main" val="0"/>
+              </a:ext>
+            </a:extLst>
+          </a:blip>
+          <a:stretch>
+            <a:fillRect/>
+          </a:stretch>
+        </p:blipFill>
+        <p:spPr>
+          <a:xfrm>
+            <a:off x="2507223" y="4667670"/>
+            <a:ext cx="124309" cy="124309"/>
+          </a:xfrm>
+          <a:prstGeom prst="rect">
+            <a:avLst/>
+          </a:prstGeom>
+        </p:spPr>
+      </p:pic>
+      <p:pic>
+        <p:nvPicPr>
+          <p:cNvPr id="15" name="Image 14">
+            <a:extLst>
+              <a:ext uri="{FF2B5EF4-FFF2-40B4-BE49-F238E27FC236}">
+                <a16:creationId xmlns:a16="http://schemas.microsoft.com/office/drawing/2014/main" id="{CDC3D37B-A324-4A91-89E6-460E6D5F11C2}"/>
+              </a:ext>
+            </a:extLst>
+          </p:cNvPr>
+          <p:cNvPicPr>
+            <a:picLocks noChangeAspect="1"/>
+          </p:cNvPicPr>
+          <p:nvPr/>
+        </p:nvPicPr>
+        <p:blipFill>
+          <a:blip r:embed="rId6">
+            <a:extLst>
+              <a:ext uri="{28A0092B-C50C-407E-A947-70E740481C1C}">
+                <a14:useLocalDpi xmlns:a14="http://schemas.microsoft.com/office/drawing/2010/main" val="0"/>
+              </a:ext>
+            </a:extLst>
+          </a:blip>
+          <a:stretch>
+            <a:fillRect/>
+          </a:stretch>
+        </p:blipFill>
+        <p:spPr>
+          <a:xfrm>
+            <a:off x="1420331" y="5045402"/>
+            <a:ext cx="369332" cy="369332"/>
+          </a:xfrm>
+          <a:prstGeom prst="rect">
+            <a:avLst/>
+          </a:prstGeom>
+        </p:spPr>
+      </p:pic>
+      <p:sp>
+        <p:nvSpPr>
+          <p:cNvPr id="30" name="ZoneTexte 29">
+            <a:extLst>
+              <a:ext uri="{FF2B5EF4-FFF2-40B4-BE49-F238E27FC236}">
+                <a16:creationId xmlns:a16="http://schemas.microsoft.com/office/drawing/2014/main" id="{55A5D2D9-5E62-454C-B0DB-9062873956DF}"/>
+              </a:ext>
+            </a:extLst>
+          </p:cNvPr>
+          <p:cNvSpPr txBox="1"/>
+          <p:nvPr/>
+        </p:nvSpPr>
+        <p:spPr>
+          <a:xfrm>
+            <a:off x="1915261" y="5032370"/>
+            <a:ext cx="8361478" cy="369332"/>
+          </a:xfrm>
+          <a:prstGeom prst="rect">
+            <a:avLst/>
+          </a:prstGeom>
+          <a:noFill/>
+        </p:spPr>
+        <p:txBody>
+          <a:bodyPr wrap="square" rtlCol="0">
+            <a:spAutoFit/>
+          </a:bodyPr>
+          <a:lstStyle/>
+          <a:p>
+            <a:pPr algn="just"/>
+            <a:r>
+              <a:rPr lang="fr-FR" dirty="0">
+                <a:latin typeface="+mj-lt"/>
+              </a:rPr>
+              <a:t>La Raspberry récupérera automatiquement les données des mesures ci-dessus.</a:t>
+            </a:r>
+          </a:p>
+        </p:txBody>
+      </p:sp>
+      <p:sp>
+        <p:nvSpPr>
+          <p:cNvPr id="31" name="ZoneTexte 30">
+            <a:extLst>
+              <a:ext uri="{FF2B5EF4-FFF2-40B4-BE49-F238E27FC236}">
+                <a16:creationId xmlns:a16="http://schemas.microsoft.com/office/drawing/2014/main" id="{C9657971-4CEF-4260-90C5-06CF74718973}"/>
+              </a:ext>
+            </a:extLst>
+          </p:cNvPr>
+          <p:cNvSpPr txBox="1"/>
+          <p:nvPr/>
+        </p:nvSpPr>
+        <p:spPr>
+          <a:xfrm>
+            <a:off x="1905736" y="5407539"/>
+            <a:ext cx="8361478" cy="369332"/>
+          </a:xfrm>
+          <a:prstGeom prst="rect">
+            <a:avLst/>
+          </a:prstGeom>
+          <a:noFill/>
+        </p:spPr>
+        <p:txBody>
+          <a:bodyPr wrap="square" rtlCol="0">
+            <a:spAutoFit/>
+          </a:bodyPr>
+          <a:lstStyle/>
+          <a:p>
+            <a:pPr algn="just"/>
+            <a:r>
+              <a:rPr lang="fr-FR" dirty="0">
+                <a:latin typeface="+mj-lt"/>
+              </a:rPr>
+              <a:t>La base de données permettra la mémorisation des données sur plusieurs années.</a:t>
+            </a:r>
+          </a:p>
+        </p:txBody>
+      </p:sp>
+      <p:sp>
+        <p:nvSpPr>
+          <p:cNvPr id="33" name="ZoneTexte 32">
+            <a:extLst>
+              <a:ext uri="{FF2B5EF4-FFF2-40B4-BE49-F238E27FC236}">
+                <a16:creationId xmlns:a16="http://schemas.microsoft.com/office/drawing/2014/main" id="{573A5A66-19E9-4869-9A27-C9B54049B2D5}"/>
+              </a:ext>
+            </a:extLst>
+          </p:cNvPr>
+          <p:cNvSpPr txBox="1"/>
+          <p:nvPr/>
+        </p:nvSpPr>
+        <p:spPr>
+          <a:xfrm>
+            <a:off x="1915260" y="5762481"/>
+            <a:ext cx="8791567" cy="369332"/>
+          </a:xfrm>
+          <a:prstGeom prst="rect">
+            <a:avLst/>
+          </a:prstGeom>
+          <a:noFill/>
+        </p:spPr>
+        <p:txBody>
+          <a:bodyPr wrap="square" rtlCol="0">
+            <a:spAutoFit/>
+          </a:bodyPr>
+          <a:lstStyle/>
+          <a:p>
+            <a:pPr algn="just"/>
+            <a:r>
+              <a:rPr lang="fr-FR" dirty="0">
+                <a:latin typeface="+mj-lt"/>
+              </a:rPr>
+              <a:t>Sur l’application web, on consultera les mesures par des histogrammes en temps réel.</a:t>
+            </a:r>
+          </a:p>
+        </p:txBody>
+      </p:sp>
+      <p:sp>
+        <p:nvSpPr>
+          <p:cNvPr id="34" name="ZoneTexte 33">
+            <a:extLst>
+              <a:ext uri="{FF2B5EF4-FFF2-40B4-BE49-F238E27FC236}">
+                <a16:creationId xmlns:a16="http://schemas.microsoft.com/office/drawing/2014/main" id="{61246A66-C1D8-40BC-99EA-CF47F8CDCC51}"/>
+              </a:ext>
+            </a:extLst>
+          </p:cNvPr>
+          <p:cNvSpPr txBox="1"/>
+          <p:nvPr/>
+        </p:nvSpPr>
+        <p:spPr>
+          <a:xfrm>
+            <a:off x="1915261" y="6117423"/>
+            <a:ext cx="8361478" cy="369332"/>
+          </a:xfrm>
+          <a:prstGeom prst="rect">
+            <a:avLst/>
+          </a:prstGeom>
+          <a:noFill/>
+        </p:spPr>
+        <p:txBody>
+          <a:bodyPr wrap="square" rtlCol="0">
+            <a:spAutoFit/>
+          </a:bodyPr>
+          <a:lstStyle/>
+          <a:p>
+            <a:pPr algn="just"/>
+            <a:r>
+              <a:rPr lang="fr-FR" dirty="0">
+                <a:latin typeface="+mj-lt"/>
+              </a:rPr>
+              <a:t>L’application informera en temps réel l’état de fonctionnement du système.</a:t>
+            </a:r>
+          </a:p>
+        </p:txBody>
+      </p:sp>
+      <p:pic>
+        <p:nvPicPr>
+          <p:cNvPr id="18" name="Image 17">
+            <a:extLst>
+              <a:ext uri="{FF2B5EF4-FFF2-40B4-BE49-F238E27FC236}">
+                <a16:creationId xmlns:a16="http://schemas.microsoft.com/office/drawing/2014/main" id="{09EA7E86-A33B-478A-8382-5C4F4C455D18}"/>
+              </a:ext>
+            </a:extLst>
+          </p:cNvPr>
+          <p:cNvPicPr>
+            <a:picLocks noChangeAspect="1"/>
+          </p:cNvPicPr>
+          <p:nvPr/>
+        </p:nvPicPr>
+        <p:blipFill>
+          <a:blip r:embed="rId7">
+            <a:extLst>
+              <a:ext uri="{28A0092B-C50C-407E-A947-70E740481C1C}">
+                <a14:useLocalDpi xmlns:a14="http://schemas.microsoft.com/office/drawing/2010/main" val="0"/>
+              </a:ext>
+            </a:extLst>
+          </a:blip>
+          <a:stretch>
+            <a:fillRect/>
+          </a:stretch>
+        </p:blipFill>
+        <p:spPr>
+          <a:xfrm>
+            <a:off x="1459951" y="5447158"/>
+            <a:ext cx="290093" cy="290093"/>
+          </a:xfrm>
+          <a:prstGeom prst="rect">
+            <a:avLst/>
+          </a:prstGeom>
+        </p:spPr>
+      </p:pic>
+      <p:pic>
+        <p:nvPicPr>
+          <p:cNvPr id="22" name="Image 21" descr="Une image contenant moniteur, intérieur, assis, équipement électronique&#10;&#10;Description générée avec un niveau de confiance élevé">
+            <a:extLst>
+              <a:ext uri="{FF2B5EF4-FFF2-40B4-BE49-F238E27FC236}">
+                <a16:creationId xmlns:a16="http://schemas.microsoft.com/office/drawing/2014/main" id="{84174CA5-FC3F-41DB-9737-58325A5D4692}"/>
+              </a:ext>
+            </a:extLst>
+          </p:cNvPr>
+          <p:cNvPicPr>
+            <a:picLocks noChangeAspect="1"/>
+          </p:cNvPicPr>
+          <p:nvPr/>
+        </p:nvPicPr>
+        <p:blipFill>
+          <a:blip r:embed="rId8">
+            <a:extLst>
+              <a:ext uri="{28A0092B-C50C-407E-A947-70E740481C1C}">
+                <a14:useLocalDpi xmlns:a14="http://schemas.microsoft.com/office/drawing/2010/main" val="0"/>
+              </a:ext>
+            </a:extLst>
+          </a:blip>
+          <a:stretch>
+            <a:fillRect/>
+          </a:stretch>
+        </p:blipFill>
+        <p:spPr>
+          <a:xfrm>
+            <a:off x="1444803" y="5802100"/>
+            <a:ext cx="290094" cy="290094"/>
+          </a:xfrm>
+          <a:prstGeom prst="rect">
+            <a:avLst/>
+          </a:prstGeom>
+        </p:spPr>
+      </p:pic>
+      <p:pic>
+        <p:nvPicPr>
+          <p:cNvPr id="35" name="Image 34">
+            <a:extLst>
+              <a:ext uri="{FF2B5EF4-FFF2-40B4-BE49-F238E27FC236}">
+                <a16:creationId xmlns:a16="http://schemas.microsoft.com/office/drawing/2014/main" id="{8AE03452-C302-4FC9-8ADE-E4DCC88E6D31}"/>
+              </a:ext>
+            </a:extLst>
+          </p:cNvPr>
+          <p:cNvPicPr>
+            <a:picLocks noChangeAspect="1"/>
+          </p:cNvPicPr>
+          <p:nvPr/>
+        </p:nvPicPr>
+        <p:blipFill>
+          <a:blip r:embed="rId9">
+            <a:extLst>
+              <a:ext uri="{28A0092B-C50C-407E-A947-70E740481C1C}">
+                <a14:useLocalDpi xmlns:a14="http://schemas.microsoft.com/office/drawing/2010/main" val="0"/>
+              </a:ext>
+            </a:extLst>
+          </a:blip>
+          <a:stretch>
+            <a:fillRect/>
+          </a:stretch>
+        </p:blipFill>
+        <p:spPr>
+          <a:xfrm>
+            <a:off x="1510158" y="6157043"/>
+            <a:ext cx="291135" cy="291135"/>
+          </a:xfrm>
+          <a:prstGeom prst="rect">
+            <a:avLst/>
+          </a:prstGeom>
+        </p:spPr>
+      </p:pic>
     </p:spTree>
     <p:extLst>
       <p:ext uri="{BB962C8B-B14F-4D97-AF65-F5344CB8AC3E}">
-        <p14:creationId xmlns:p14="http://schemas.microsoft.com/office/powerpoint/2010/main" val="2675700515"/>
+        <p14:creationId xmlns:p14="http://schemas.microsoft.com/office/powerpoint/2010/main" val="3514073518"/>
       </p:ext>
     </p:extLst>
   </p:cSld>

--- a/oral_projet/diaporama_revue_1.pptx
+++ b/oral_projet/diaporama_revue_1.pptx
@@ -5255,166 +5255,14 @@
         </p:blipFill>
         <p:spPr>
           <a:xfrm>
-            <a:off x="1420331" y="5045402"/>
-            <a:ext cx="369332" cy="369332"/>
+            <a:off x="2261399" y="5055914"/>
+            <a:ext cx="729950" cy="729950"/>
           </a:xfrm>
           <a:prstGeom prst="rect">
             <a:avLst/>
           </a:prstGeom>
         </p:spPr>
       </p:pic>
-      <p:sp>
-        <p:nvSpPr>
-          <p:cNvPr id="30" name="ZoneTexte 29">
-            <a:extLst>
-              <a:ext uri="{FF2B5EF4-FFF2-40B4-BE49-F238E27FC236}">
-                <a16:creationId xmlns:a16="http://schemas.microsoft.com/office/drawing/2014/main" id="{55A5D2D9-5E62-454C-B0DB-9062873956DF}"/>
-              </a:ext>
-            </a:extLst>
-          </p:cNvPr>
-          <p:cNvSpPr txBox="1"/>
-          <p:nvPr/>
-        </p:nvSpPr>
-        <p:spPr>
-          <a:xfrm>
-            <a:off x="1915261" y="5032370"/>
-            <a:ext cx="8361478" cy="369332"/>
-          </a:xfrm>
-          <a:prstGeom prst="rect">
-            <a:avLst/>
-          </a:prstGeom>
-          <a:noFill/>
-        </p:spPr>
-        <p:txBody>
-          <a:bodyPr wrap="square" rtlCol="0">
-            <a:spAutoFit/>
-          </a:bodyPr>
-          <a:lstStyle/>
-          <a:p>
-            <a:pPr algn="just"/>
-            <a:r>
-              <a:rPr lang="fr-FR" dirty="0">
-                <a:latin typeface="+mj-lt"/>
-              </a:rPr>
-              <a:t>La Raspberry récupérera automatiquement les données des mesures ci-dessus.</a:t>
-            </a:r>
-          </a:p>
-        </p:txBody>
-      </p:sp>
-      <p:sp>
-        <p:nvSpPr>
-          <p:cNvPr id="31" name="ZoneTexte 30">
-            <a:extLst>
-              <a:ext uri="{FF2B5EF4-FFF2-40B4-BE49-F238E27FC236}">
-                <a16:creationId xmlns:a16="http://schemas.microsoft.com/office/drawing/2014/main" id="{C9657971-4CEF-4260-90C5-06CF74718973}"/>
-              </a:ext>
-            </a:extLst>
-          </p:cNvPr>
-          <p:cNvSpPr txBox="1"/>
-          <p:nvPr/>
-        </p:nvSpPr>
-        <p:spPr>
-          <a:xfrm>
-            <a:off x="1905736" y="5407539"/>
-            <a:ext cx="8361478" cy="369332"/>
-          </a:xfrm>
-          <a:prstGeom prst="rect">
-            <a:avLst/>
-          </a:prstGeom>
-          <a:noFill/>
-        </p:spPr>
-        <p:txBody>
-          <a:bodyPr wrap="square" rtlCol="0">
-            <a:spAutoFit/>
-          </a:bodyPr>
-          <a:lstStyle/>
-          <a:p>
-            <a:pPr algn="just"/>
-            <a:r>
-              <a:rPr lang="fr-FR" dirty="0">
-                <a:latin typeface="+mj-lt"/>
-              </a:rPr>
-              <a:t>La base de données permettra la mémorisation des données sur plusieurs années.</a:t>
-            </a:r>
-          </a:p>
-        </p:txBody>
-      </p:sp>
-      <p:sp>
-        <p:nvSpPr>
-          <p:cNvPr id="33" name="ZoneTexte 32">
-            <a:extLst>
-              <a:ext uri="{FF2B5EF4-FFF2-40B4-BE49-F238E27FC236}">
-                <a16:creationId xmlns:a16="http://schemas.microsoft.com/office/drawing/2014/main" id="{573A5A66-19E9-4869-9A27-C9B54049B2D5}"/>
-              </a:ext>
-            </a:extLst>
-          </p:cNvPr>
-          <p:cNvSpPr txBox="1"/>
-          <p:nvPr/>
-        </p:nvSpPr>
-        <p:spPr>
-          <a:xfrm>
-            <a:off x="1915260" y="5762481"/>
-            <a:ext cx="8791567" cy="369332"/>
-          </a:xfrm>
-          <a:prstGeom prst="rect">
-            <a:avLst/>
-          </a:prstGeom>
-          <a:noFill/>
-        </p:spPr>
-        <p:txBody>
-          <a:bodyPr wrap="square" rtlCol="0">
-            <a:spAutoFit/>
-          </a:bodyPr>
-          <a:lstStyle/>
-          <a:p>
-            <a:pPr algn="just"/>
-            <a:r>
-              <a:rPr lang="fr-FR" dirty="0">
-                <a:latin typeface="+mj-lt"/>
-              </a:rPr>
-              <a:t>Sur l’application web, on consultera les mesures par des histogrammes en temps réel.</a:t>
-            </a:r>
-          </a:p>
-        </p:txBody>
-      </p:sp>
-      <p:sp>
-        <p:nvSpPr>
-          <p:cNvPr id="34" name="ZoneTexte 33">
-            <a:extLst>
-              <a:ext uri="{FF2B5EF4-FFF2-40B4-BE49-F238E27FC236}">
-                <a16:creationId xmlns:a16="http://schemas.microsoft.com/office/drawing/2014/main" id="{61246A66-C1D8-40BC-99EA-CF47F8CDCC51}"/>
-              </a:ext>
-            </a:extLst>
-          </p:cNvPr>
-          <p:cNvSpPr txBox="1"/>
-          <p:nvPr/>
-        </p:nvSpPr>
-        <p:spPr>
-          <a:xfrm>
-            <a:off x="1915261" y="6117423"/>
-            <a:ext cx="8361478" cy="369332"/>
-          </a:xfrm>
-          <a:prstGeom prst="rect">
-            <a:avLst/>
-          </a:prstGeom>
-          <a:noFill/>
-        </p:spPr>
-        <p:txBody>
-          <a:bodyPr wrap="square" rtlCol="0">
-            <a:spAutoFit/>
-          </a:bodyPr>
-          <a:lstStyle/>
-          <a:p>
-            <a:pPr algn="just"/>
-            <a:r>
-              <a:rPr lang="fr-FR" dirty="0">
-                <a:latin typeface="+mj-lt"/>
-              </a:rPr>
-              <a:t>L’application informera en temps réel l’état de fonctionnement du système.</a:t>
-            </a:r>
-          </a:p>
-        </p:txBody>
-      </p:sp>
       <p:pic>
         <p:nvPicPr>
           <p:cNvPr id="18" name="Image 17">
@@ -5443,8 +5291,8 @@
         </p:blipFill>
         <p:spPr>
           <a:xfrm>
-            <a:off x="1459951" y="5447158"/>
-            <a:ext cx="290093" cy="290093"/>
+            <a:off x="8024450" y="5033448"/>
+            <a:ext cx="715646" cy="715646"/>
           </a:xfrm>
           <a:prstGeom prst="rect">
             <a:avLst/>
@@ -5479,8 +5327,8 @@
         </p:blipFill>
         <p:spPr>
           <a:xfrm>
-            <a:off x="1444803" y="5802100"/>
-            <a:ext cx="290094" cy="290094"/>
+            <a:off x="2275703" y="5774110"/>
+            <a:ext cx="715646" cy="715646"/>
           </a:xfrm>
           <a:prstGeom prst="rect">
             <a:avLst/>
@@ -5515,8 +5363,8 @@
         </p:blipFill>
         <p:spPr>
           <a:xfrm>
-            <a:off x="1510158" y="6157043"/>
-            <a:ext cx="291135" cy="291135"/>
+            <a:off x="8168976" y="5785864"/>
+            <a:ext cx="715646" cy="715646"/>
           </a:xfrm>
           <a:prstGeom prst="rect">
             <a:avLst/>

--- a/oral_projet/diaporama_revue_1.pptx
+++ b/oral_projet/diaporama_revue_1.pptx
@@ -687,6 +687,18 @@
   <p:clrMapOvr>
     <a:masterClrMapping/>
   </p:clrMapOvr>
+  <mc:AlternateContent xmlns:mc="http://schemas.openxmlformats.org/markup-compatibility/2006">
+    <mc:Choice xmlns:p14="http://schemas.microsoft.com/office/powerpoint/2010/main" Requires="p14">
+      <p:transition spd="slow" advClick="0" advTm="1000">
+        <p14:reveal/>
+      </p:transition>
+    </mc:Choice>
+    <mc:Fallback>
+      <p:transition spd="slow" advClick="0" advTm="1000">
+        <p:fade/>
+      </p:transition>
+    </mc:Fallback>
+  </mc:AlternateContent>
 </p:sldLayout>
 </file>
 
@@ -885,6 +897,18 @@
   <p:clrMapOvr>
     <a:masterClrMapping/>
   </p:clrMapOvr>
+  <mc:AlternateContent xmlns:mc="http://schemas.openxmlformats.org/markup-compatibility/2006">
+    <mc:Choice xmlns:p14="http://schemas.microsoft.com/office/powerpoint/2010/main" Requires="p14">
+      <p:transition spd="slow" advClick="0" advTm="1000">
+        <p14:reveal/>
+      </p:transition>
+    </mc:Choice>
+    <mc:Fallback>
+      <p:transition spd="slow" advClick="0" advTm="1000">
+        <p:fade/>
+      </p:transition>
+    </mc:Fallback>
+  </mc:AlternateContent>
 </p:sldLayout>
 </file>
 
@@ -1093,6 +1117,18 @@
   <p:clrMapOvr>
     <a:masterClrMapping/>
   </p:clrMapOvr>
+  <mc:AlternateContent xmlns:mc="http://schemas.openxmlformats.org/markup-compatibility/2006">
+    <mc:Choice xmlns:p14="http://schemas.microsoft.com/office/powerpoint/2010/main" Requires="p14">
+      <p:transition spd="slow" advClick="0" advTm="1000">
+        <p14:reveal/>
+      </p:transition>
+    </mc:Choice>
+    <mc:Fallback>
+      <p:transition spd="slow" advClick="0" advTm="1000">
+        <p:fade/>
+      </p:transition>
+    </mc:Fallback>
+  </mc:AlternateContent>
 </p:sldLayout>
 </file>
 
@@ -1291,6 +1327,18 @@
   <p:clrMapOvr>
     <a:masterClrMapping/>
   </p:clrMapOvr>
+  <mc:AlternateContent xmlns:mc="http://schemas.openxmlformats.org/markup-compatibility/2006">
+    <mc:Choice xmlns:p14="http://schemas.microsoft.com/office/powerpoint/2010/main" Requires="p14">
+      <p:transition spd="slow" advClick="0" advTm="1000">
+        <p14:reveal/>
+      </p:transition>
+    </mc:Choice>
+    <mc:Fallback>
+      <p:transition spd="slow" advClick="0" advTm="1000">
+        <p:fade/>
+      </p:transition>
+    </mc:Fallback>
+  </mc:AlternateContent>
 </p:sldLayout>
 </file>
 
@@ -1566,6 +1614,18 @@
   <p:clrMapOvr>
     <a:masterClrMapping/>
   </p:clrMapOvr>
+  <mc:AlternateContent xmlns:mc="http://schemas.openxmlformats.org/markup-compatibility/2006">
+    <mc:Choice xmlns:p14="http://schemas.microsoft.com/office/powerpoint/2010/main" Requires="p14">
+      <p:transition spd="slow" advClick="0" advTm="1000">
+        <p14:reveal/>
+      </p:transition>
+    </mc:Choice>
+    <mc:Fallback>
+      <p:transition spd="slow" advClick="0" advTm="1000">
+        <p:fade/>
+      </p:transition>
+    </mc:Fallback>
+  </mc:AlternateContent>
 </p:sldLayout>
 </file>
 
@@ -1831,6 +1891,18 @@
   <p:clrMapOvr>
     <a:masterClrMapping/>
   </p:clrMapOvr>
+  <mc:AlternateContent xmlns:mc="http://schemas.openxmlformats.org/markup-compatibility/2006">
+    <mc:Choice xmlns:p14="http://schemas.microsoft.com/office/powerpoint/2010/main" Requires="p14">
+      <p:transition spd="slow" advClick="0" advTm="1000">
+        <p14:reveal/>
+      </p:transition>
+    </mc:Choice>
+    <mc:Fallback>
+      <p:transition spd="slow" advClick="0" advTm="1000">
+        <p:fade/>
+      </p:transition>
+    </mc:Fallback>
+  </mc:AlternateContent>
 </p:sldLayout>
 </file>
 
@@ -2243,6 +2315,18 @@
   <p:clrMapOvr>
     <a:masterClrMapping/>
   </p:clrMapOvr>
+  <mc:AlternateContent xmlns:mc="http://schemas.openxmlformats.org/markup-compatibility/2006">
+    <mc:Choice xmlns:p14="http://schemas.microsoft.com/office/powerpoint/2010/main" Requires="p14">
+      <p:transition spd="slow" advClick="0" advTm="1000">
+        <p14:reveal/>
+      </p:transition>
+    </mc:Choice>
+    <mc:Fallback>
+      <p:transition spd="slow" advClick="0" advTm="1000">
+        <p:fade/>
+      </p:transition>
+    </mc:Fallback>
+  </mc:AlternateContent>
 </p:sldLayout>
 </file>
 
@@ -2384,6 +2468,18 @@
   <p:clrMapOvr>
     <a:masterClrMapping/>
   </p:clrMapOvr>
+  <mc:AlternateContent xmlns:mc="http://schemas.openxmlformats.org/markup-compatibility/2006">
+    <mc:Choice xmlns:p14="http://schemas.microsoft.com/office/powerpoint/2010/main" Requires="p14">
+      <p:transition spd="slow" advClick="0" advTm="1000">
+        <p14:reveal/>
+      </p:transition>
+    </mc:Choice>
+    <mc:Fallback>
+      <p:transition spd="slow" advClick="0" advTm="1000">
+        <p:fade/>
+      </p:transition>
+    </mc:Fallback>
+  </mc:AlternateContent>
 </p:sldLayout>
 </file>
 
@@ -2497,6 +2593,18 @@
   <p:clrMapOvr>
     <a:masterClrMapping/>
   </p:clrMapOvr>
+  <mc:AlternateContent xmlns:mc="http://schemas.openxmlformats.org/markup-compatibility/2006">
+    <mc:Choice xmlns:p14="http://schemas.microsoft.com/office/powerpoint/2010/main" Requires="p14">
+      <p:transition spd="slow" advClick="0" advTm="1000">
+        <p14:reveal/>
+      </p:transition>
+    </mc:Choice>
+    <mc:Fallback>
+      <p:transition spd="slow" advClick="0" advTm="1000">
+        <p:fade/>
+      </p:transition>
+    </mc:Fallback>
+  </mc:AlternateContent>
 </p:sldLayout>
 </file>
 
@@ -2808,6 +2916,18 @@
   <p:clrMapOvr>
     <a:masterClrMapping/>
   </p:clrMapOvr>
+  <mc:AlternateContent xmlns:mc="http://schemas.openxmlformats.org/markup-compatibility/2006">
+    <mc:Choice xmlns:p14="http://schemas.microsoft.com/office/powerpoint/2010/main" Requires="p14">
+      <p:transition spd="slow" advClick="0" advTm="1000">
+        <p14:reveal/>
+      </p:transition>
+    </mc:Choice>
+    <mc:Fallback>
+      <p:transition spd="slow" advClick="0" advTm="1000">
+        <p:fade/>
+      </p:transition>
+    </mc:Fallback>
+  </mc:AlternateContent>
 </p:sldLayout>
 </file>
 
@@ -3096,6 +3216,18 @@
   <p:clrMapOvr>
     <a:masterClrMapping/>
   </p:clrMapOvr>
+  <mc:AlternateContent xmlns:mc="http://schemas.openxmlformats.org/markup-compatibility/2006">
+    <mc:Choice xmlns:p14="http://schemas.microsoft.com/office/powerpoint/2010/main" Requires="p14">
+      <p:transition spd="slow" advClick="0" advTm="1000">
+        <p14:reveal/>
+      </p:transition>
+    </mc:Choice>
+    <mc:Fallback>
+      <p:transition spd="slow" advClick="0" advTm="1000">
+        <p:fade/>
+      </p:transition>
+    </mc:Fallback>
+  </mc:AlternateContent>
 </p:sldLayout>
 </file>
 
@@ -3384,6 +3516,18 @@
     <p:sldLayoutId id="2147483658" r:id="rId10"/>
     <p:sldLayoutId id="2147483659" r:id="rId11"/>
   </p:sldLayoutIdLst>
+  <mc:AlternateContent xmlns:mc="http://schemas.openxmlformats.org/markup-compatibility/2006">
+    <mc:Choice xmlns:p14="http://schemas.microsoft.com/office/powerpoint/2010/main" Requires="p14">
+      <p:transition spd="slow" advClick="0" advTm="1000">
+        <p14:reveal/>
+      </p:transition>
+    </mc:Choice>
+    <mc:Fallback>
+      <p:transition spd="slow" advClick="0" advTm="1000">
+        <p:fade/>
+      </p:transition>
+    </mc:Fallback>
+  </mc:AlternateContent>
   <p:txStyles>
     <p:titleStyle>
       <a:lvl1pPr algn="l" defTabSz="914400" rtl="0" eaLnBrk="1" latinLnBrk="0" hangingPunct="1">
@@ -4365,13 +4509,13 @@
   <p:clrMapOvr>
     <a:masterClrMapping/>
   </p:clrMapOvr>
-  <mc:AlternateContent xmlns:mc="http://schemas.openxmlformats.org/markup-compatibility/2006" xmlns:p159="http://schemas.microsoft.com/office/powerpoint/2015/09/main">
-    <mc:Choice Requires="p159">
-      <p:transition xmlns:p14="http://schemas.microsoft.com/office/powerpoint/2010/main" spd="slow" p14:dur="2000" advClick="0" advTm="1000">
-        <p159:morph option="byObject"/>
+  <mc:AlternateContent xmlns:mc="http://schemas.openxmlformats.org/markup-compatibility/2006">
+    <mc:Choice xmlns:p14="http://schemas.microsoft.com/office/powerpoint/2010/main" Requires="p14">
+      <p:transition spd="slow" advClick="0" advTm="1000">
+        <p14:reveal/>
       </p:transition>
     </mc:Choice>
-    <mc:Fallback xmlns="">
+    <mc:Fallback>
       <p:transition spd="slow" advClick="0" advTm="1000">
         <p:fade/>
       </p:transition>
@@ -5381,14 +5525,14 @@
   <p:clrMapOvr>
     <a:masterClrMapping/>
   </p:clrMapOvr>
-  <mc:AlternateContent xmlns:mc="http://schemas.openxmlformats.org/markup-compatibility/2006" xmlns:p14="http://schemas.microsoft.com/office/powerpoint/2010/main">
-    <mc:Choice Requires="p14">
-      <p:transition spd="slow" p14:dur="3400">
+  <mc:AlternateContent xmlns:mc="http://schemas.openxmlformats.org/markup-compatibility/2006">
+    <mc:Choice xmlns:p14="http://schemas.microsoft.com/office/powerpoint/2010/main" Requires="p14">
+      <p:transition spd="slow" advClick="0" advTm="1000">
         <p14:reveal/>
       </p:transition>
     </mc:Choice>
-    <mc:Fallback xmlns="">
-      <p:transition spd="slow">
+    <mc:Fallback>
+      <p:transition spd="slow" advClick="0" advTm="1000">
         <p:fade/>
       </p:transition>
     </mc:Fallback>
@@ -6371,14 +6515,14 @@
   <p:clrMapOvr>
     <a:masterClrMapping/>
   </p:clrMapOvr>
-  <mc:AlternateContent xmlns:mc="http://schemas.openxmlformats.org/markup-compatibility/2006" xmlns:p14="http://schemas.microsoft.com/office/powerpoint/2010/main">
-    <mc:Choice Requires="p14">
-      <p:transition spd="slow" p14:dur="3400">
+  <mc:AlternateContent xmlns:mc="http://schemas.openxmlformats.org/markup-compatibility/2006">
+    <mc:Choice xmlns:p14="http://schemas.microsoft.com/office/powerpoint/2010/main" Requires="p14">
+      <p:transition spd="slow" advClick="0" advTm="1000">
         <p14:reveal/>
       </p:transition>
     </mc:Choice>
-    <mc:Fallback xmlns="">
-      <p:transition spd="slow">
+    <mc:Fallback>
+      <p:transition spd="slow" advClick="0" advTm="1000">
         <p:fade/>
       </p:transition>
     </mc:Fallback>

--- a/oral_projet/diaporama_revue_1.pptx
+++ b/oral_projet/diaporama_revue_1.pptx
@@ -687,13 +687,13 @@
   <p:clrMapOvr>
     <a:masterClrMapping/>
   </p:clrMapOvr>
-  <mc:AlternateContent xmlns:mc="http://schemas.openxmlformats.org/markup-compatibility/2006">
-    <mc:Choice xmlns:p14="http://schemas.microsoft.com/office/powerpoint/2010/main" Requires="p14">
+  <mc:AlternateContent xmlns:mc="http://schemas.openxmlformats.org/markup-compatibility/2006" xmlns:p14="http://schemas.microsoft.com/office/powerpoint/2010/main">
+    <mc:Choice Requires="p14">
       <p:transition spd="slow" advClick="0" advTm="1000">
         <p14:reveal/>
       </p:transition>
     </mc:Choice>
-    <mc:Fallback>
+    <mc:Fallback xmlns="">
       <p:transition spd="slow" advClick="0" advTm="1000">
         <p:fade/>
       </p:transition>
@@ -897,13 +897,13 @@
   <p:clrMapOvr>
     <a:masterClrMapping/>
   </p:clrMapOvr>
-  <mc:AlternateContent xmlns:mc="http://schemas.openxmlformats.org/markup-compatibility/2006">
-    <mc:Choice xmlns:p14="http://schemas.microsoft.com/office/powerpoint/2010/main" Requires="p14">
+  <mc:AlternateContent xmlns:mc="http://schemas.openxmlformats.org/markup-compatibility/2006" xmlns:p14="http://schemas.microsoft.com/office/powerpoint/2010/main">
+    <mc:Choice Requires="p14">
       <p:transition spd="slow" advClick="0" advTm="1000">
         <p14:reveal/>
       </p:transition>
     </mc:Choice>
-    <mc:Fallback>
+    <mc:Fallback xmlns="">
       <p:transition spd="slow" advClick="0" advTm="1000">
         <p:fade/>
       </p:transition>
@@ -1117,13 +1117,13 @@
   <p:clrMapOvr>
     <a:masterClrMapping/>
   </p:clrMapOvr>
-  <mc:AlternateContent xmlns:mc="http://schemas.openxmlformats.org/markup-compatibility/2006">
-    <mc:Choice xmlns:p14="http://schemas.microsoft.com/office/powerpoint/2010/main" Requires="p14">
+  <mc:AlternateContent xmlns:mc="http://schemas.openxmlformats.org/markup-compatibility/2006" xmlns:p14="http://schemas.microsoft.com/office/powerpoint/2010/main">
+    <mc:Choice Requires="p14">
       <p:transition spd="slow" advClick="0" advTm="1000">
         <p14:reveal/>
       </p:transition>
     </mc:Choice>
-    <mc:Fallback>
+    <mc:Fallback xmlns="">
       <p:transition spd="slow" advClick="0" advTm="1000">
         <p:fade/>
       </p:transition>
@@ -1327,13 +1327,13 @@
   <p:clrMapOvr>
     <a:masterClrMapping/>
   </p:clrMapOvr>
-  <mc:AlternateContent xmlns:mc="http://schemas.openxmlformats.org/markup-compatibility/2006">
-    <mc:Choice xmlns:p14="http://schemas.microsoft.com/office/powerpoint/2010/main" Requires="p14">
+  <mc:AlternateContent xmlns:mc="http://schemas.openxmlformats.org/markup-compatibility/2006" xmlns:p14="http://schemas.microsoft.com/office/powerpoint/2010/main">
+    <mc:Choice Requires="p14">
       <p:transition spd="slow" advClick="0" advTm="1000">
         <p14:reveal/>
       </p:transition>
     </mc:Choice>
-    <mc:Fallback>
+    <mc:Fallback xmlns="">
       <p:transition spd="slow" advClick="0" advTm="1000">
         <p:fade/>
       </p:transition>
@@ -1614,13 +1614,13 @@
   <p:clrMapOvr>
     <a:masterClrMapping/>
   </p:clrMapOvr>
-  <mc:AlternateContent xmlns:mc="http://schemas.openxmlformats.org/markup-compatibility/2006">
-    <mc:Choice xmlns:p14="http://schemas.microsoft.com/office/powerpoint/2010/main" Requires="p14">
+  <mc:AlternateContent xmlns:mc="http://schemas.openxmlformats.org/markup-compatibility/2006" xmlns:p14="http://schemas.microsoft.com/office/powerpoint/2010/main">
+    <mc:Choice Requires="p14">
       <p:transition spd="slow" advClick="0" advTm="1000">
         <p14:reveal/>
       </p:transition>
     </mc:Choice>
-    <mc:Fallback>
+    <mc:Fallback xmlns="">
       <p:transition spd="slow" advClick="0" advTm="1000">
         <p:fade/>
       </p:transition>
@@ -1891,13 +1891,13 @@
   <p:clrMapOvr>
     <a:masterClrMapping/>
   </p:clrMapOvr>
-  <mc:AlternateContent xmlns:mc="http://schemas.openxmlformats.org/markup-compatibility/2006">
-    <mc:Choice xmlns:p14="http://schemas.microsoft.com/office/powerpoint/2010/main" Requires="p14">
+  <mc:AlternateContent xmlns:mc="http://schemas.openxmlformats.org/markup-compatibility/2006" xmlns:p14="http://schemas.microsoft.com/office/powerpoint/2010/main">
+    <mc:Choice Requires="p14">
       <p:transition spd="slow" advClick="0" advTm="1000">
         <p14:reveal/>
       </p:transition>
     </mc:Choice>
-    <mc:Fallback>
+    <mc:Fallback xmlns="">
       <p:transition spd="slow" advClick="0" advTm="1000">
         <p:fade/>
       </p:transition>
@@ -2315,13 +2315,13 @@
   <p:clrMapOvr>
     <a:masterClrMapping/>
   </p:clrMapOvr>
-  <mc:AlternateContent xmlns:mc="http://schemas.openxmlformats.org/markup-compatibility/2006">
-    <mc:Choice xmlns:p14="http://schemas.microsoft.com/office/powerpoint/2010/main" Requires="p14">
+  <mc:AlternateContent xmlns:mc="http://schemas.openxmlformats.org/markup-compatibility/2006" xmlns:p14="http://schemas.microsoft.com/office/powerpoint/2010/main">
+    <mc:Choice Requires="p14">
       <p:transition spd="slow" advClick="0" advTm="1000">
         <p14:reveal/>
       </p:transition>
     </mc:Choice>
-    <mc:Fallback>
+    <mc:Fallback xmlns="">
       <p:transition spd="slow" advClick="0" advTm="1000">
         <p:fade/>
       </p:transition>
@@ -2468,13 +2468,13 @@
   <p:clrMapOvr>
     <a:masterClrMapping/>
   </p:clrMapOvr>
-  <mc:AlternateContent xmlns:mc="http://schemas.openxmlformats.org/markup-compatibility/2006">
-    <mc:Choice xmlns:p14="http://schemas.microsoft.com/office/powerpoint/2010/main" Requires="p14">
+  <mc:AlternateContent xmlns:mc="http://schemas.openxmlformats.org/markup-compatibility/2006" xmlns:p14="http://schemas.microsoft.com/office/powerpoint/2010/main">
+    <mc:Choice Requires="p14">
       <p:transition spd="slow" advClick="0" advTm="1000">
         <p14:reveal/>
       </p:transition>
     </mc:Choice>
-    <mc:Fallback>
+    <mc:Fallback xmlns="">
       <p:transition spd="slow" advClick="0" advTm="1000">
         <p:fade/>
       </p:transition>
@@ -2593,13 +2593,13 @@
   <p:clrMapOvr>
     <a:masterClrMapping/>
   </p:clrMapOvr>
-  <mc:AlternateContent xmlns:mc="http://schemas.openxmlformats.org/markup-compatibility/2006">
-    <mc:Choice xmlns:p14="http://schemas.microsoft.com/office/powerpoint/2010/main" Requires="p14">
+  <mc:AlternateContent xmlns:mc="http://schemas.openxmlformats.org/markup-compatibility/2006" xmlns:p14="http://schemas.microsoft.com/office/powerpoint/2010/main">
+    <mc:Choice Requires="p14">
       <p:transition spd="slow" advClick="0" advTm="1000">
         <p14:reveal/>
       </p:transition>
     </mc:Choice>
-    <mc:Fallback>
+    <mc:Fallback xmlns="">
       <p:transition spd="slow" advClick="0" advTm="1000">
         <p:fade/>
       </p:transition>
@@ -2916,13 +2916,13 @@
   <p:clrMapOvr>
     <a:masterClrMapping/>
   </p:clrMapOvr>
-  <mc:AlternateContent xmlns:mc="http://schemas.openxmlformats.org/markup-compatibility/2006">
-    <mc:Choice xmlns:p14="http://schemas.microsoft.com/office/powerpoint/2010/main" Requires="p14">
+  <mc:AlternateContent xmlns:mc="http://schemas.openxmlformats.org/markup-compatibility/2006" xmlns:p14="http://schemas.microsoft.com/office/powerpoint/2010/main">
+    <mc:Choice Requires="p14">
       <p:transition spd="slow" advClick="0" advTm="1000">
         <p14:reveal/>
       </p:transition>
     </mc:Choice>
-    <mc:Fallback>
+    <mc:Fallback xmlns="">
       <p:transition spd="slow" advClick="0" advTm="1000">
         <p:fade/>
       </p:transition>
@@ -3216,13 +3216,13 @@
   <p:clrMapOvr>
     <a:masterClrMapping/>
   </p:clrMapOvr>
-  <mc:AlternateContent xmlns:mc="http://schemas.openxmlformats.org/markup-compatibility/2006">
-    <mc:Choice xmlns:p14="http://schemas.microsoft.com/office/powerpoint/2010/main" Requires="p14">
+  <mc:AlternateContent xmlns:mc="http://schemas.openxmlformats.org/markup-compatibility/2006" xmlns:p14="http://schemas.microsoft.com/office/powerpoint/2010/main">
+    <mc:Choice Requires="p14">
       <p:transition spd="slow" advClick="0" advTm="1000">
         <p14:reveal/>
       </p:transition>
     </mc:Choice>
-    <mc:Fallback>
+    <mc:Fallback xmlns="">
       <p:transition spd="slow" advClick="0" advTm="1000">
         <p:fade/>
       </p:transition>
@@ -3516,13 +3516,13 @@
     <p:sldLayoutId id="2147483658" r:id="rId10"/>
     <p:sldLayoutId id="2147483659" r:id="rId11"/>
   </p:sldLayoutIdLst>
-  <mc:AlternateContent xmlns:mc="http://schemas.openxmlformats.org/markup-compatibility/2006">
-    <mc:Choice xmlns:p14="http://schemas.microsoft.com/office/powerpoint/2010/main" Requires="p14">
+  <mc:AlternateContent xmlns:mc="http://schemas.openxmlformats.org/markup-compatibility/2006" xmlns:p14="http://schemas.microsoft.com/office/powerpoint/2010/main">
+    <mc:Choice Requires="p14">
       <p:transition spd="slow" advClick="0" advTm="1000">
         <p14:reveal/>
       </p:transition>
     </mc:Choice>
-    <mc:Fallback>
+    <mc:Fallback xmlns="">
       <p:transition spd="slow" advClick="0" advTm="1000">
         <p:fade/>
       </p:transition>
@@ -4509,13 +4509,13 @@
   <p:clrMapOvr>
     <a:masterClrMapping/>
   </p:clrMapOvr>
-  <mc:AlternateContent xmlns:mc="http://schemas.openxmlformats.org/markup-compatibility/2006">
-    <mc:Choice xmlns:p14="http://schemas.microsoft.com/office/powerpoint/2010/main" Requires="p14">
+  <mc:AlternateContent xmlns:mc="http://schemas.openxmlformats.org/markup-compatibility/2006" xmlns:p14="http://schemas.microsoft.com/office/powerpoint/2010/main">
+    <mc:Choice Requires="p14">
       <p:transition spd="slow" advClick="0" advTm="1000">
         <p14:reveal/>
       </p:transition>
     </mc:Choice>
-    <mc:Fallback>
+    <mc:Fallback xmlns="">
       <p:transition spd="slow" advClick="0" advTm="1000">
         <p:fade/>
       </p:transition>
@@ -5087,8 +5087,8 @@
         </p:nvSpPr>
         <p:spPr>
           <a:xfrm>
-            <a:off x="416653" y="3170609"/>
-            <a:ext cx="11358694" cy="1754326"/>
+            <a:off x="760243" y="3825329"/>
+            <a:ext cx="4968740" cy="2031325"/>
           </a:xfrm>
           <a:prstGeom prst="rect">
             <a:avLst/>
@@ -5101,7 +5101,6 @@
           </a:bodyPr>
           <a:lstStyle/>
           <a:p>
-            <a:pPr algn="ctr"/>
             <a:r>
               <a:rPr lang="fr-FR" dirty="0">
                 <a:latin typeface="+mj-lt"/>
@@ -5111,57 +5110,36 @@
           </a:p>
           <a:p>
             <a:pPr lvl="5"/>
-            <a:r>
-              <a:rPr lang="fr-FR" i="1" dirty="0">
-                <a:latin typeface="+mj-lt"/>
-              </a:rPr>
-              <a:t>L’intensité lumineuse</a:t>
-            </a:r>
+            <a:endParaRPr lang="fr-FR" i="1" dirty="0">
+              <a:latin typeface="+mj-lt"/>
+            </a:endParaRPr>
           </a:p>
           <a:p>
             <a:pPr lvl="5"/>
-            <a:r>
-              <a:rPr lang="fr-FR" i="1" dirty="0">
-                <a:latin typeface="+mj-lt"/>
-              </a:rPr>
-              <a:t>La pluviométrie</a:t>
-            </a:r>
+            <a:endParaRPr lang="fr-FR" i="1" dirty="0">
+              <a:latin typeface="+mj-lt"/>
+            </a:endParaRPr>
           </a:p>
           <a:p>
             <a:pPr lvl="5"/>
-            <a:r>
-              <a:rPr lang="fr-FR" i="1" dirty="0">
-                <a:latin typeface="+mj-lt"/>
-              </a:rPr>
-              <a:t>La force et la direction du vent</a:t>
-            </a:r>
+            <a:endParaRPr lang="fr-FR" i="1" dirty="0">
+              <a:latin typeface="+mj-lt"/>
+            </a:endParaRPr>
           </a:p>
           <a:p>
             <a:pPr lvl="5"/>
-            <a:r>
-              <a:rPr lang="fr-FR" i="1" dirty="0">
-                <a:latin typeface="+mj-lt"/>
-              </a:rPr>
-              <a:t>La température à l’intérieur de la serre</a:t>
-            </a:r>
-          </a:p>
-          <a:p>
-            <a:pPr lvl="5"/>
-            <a:r>
-              <a:rPr lang="fr-FR" i="1" dirty="0">
-                <a:latin typeface="+mj-lt"/>
-              </a:rPr>
-              <a:t>La température de l’eau des tuyaux de chauffage</a:t>
-            </a:r>
+            <a:endParaRPr lang="fr-FR" i="1" dirty="0">
+              <a:latin typeface="+mj-lt"/>
+            </a:endParaRPr>
           </a:p>
         </p:txBody>
       </p:sp>
       <p:pic>
         <p:nvPicPr>
-          <p:cNvPr id="13" name="Image 12">
-            <a:extLst>
-              <a:ext uri="{FF2B5EF4-FFF2-40B4-BE49-F238E27FC236}">
-                <a16:creationId xmlns:a16="http://schemas.microsoft.com/office/drawing/2014/main" id="{E9CB450B-671B-4A08-AECA-606B1B490A84}"/>
+          <p:cNvPr id="15" name="Image 14">
+            <a:extLst>
+              <a:ext uri="{FF2B5EF4-FFF2-40B4-BE49-F238E27FC236}">
+                <a16:creationId xmlns:a16="http://schemas.microsoft.com/office/drawing/2014/main" id="{CDC3D37B-A324-4A91-89E6-460E6D5F11C2}"/>
               </a:ext>
             </a:extLst>
           </p:cNvPr>
@@ -5172,6 +5150,294 @@
         </p:nvPicPr>
         <p:blipFill>
           <a:blip r:embed="rId5">
+            <a:extLst>
+              <a:ext uri="{28A0092B-C50C-407E-A947-70E740481C1C}">
+                <a14:useLocalDpi xmlns:a14="http://schemas.microsoft.com/office/drawing/2010/main" val="0"/>
+              </a:ext>
+            </a:extLst>
+          </a:blip>
+          <a:stretch>
+            <a:fillRect/>
+          </a:stretch>
+        </p:blipFill>
+        <p:spPr>
+          <a:xfrm>
+            <a:off x="9545924" y="3784352"/>
+            <a:ext cx="746916" cy="746916"/>
+          </a:xfrm>
+          <a:prstGeom prst="rect">
+            <a:avLst/>
+          </a:prstGeom>
+        </p:spPr>
+      </p:pic>
+      <p:pic>
+        <p:nvPicPr>
+          <p:cNvPr id="18" name="Image 17">
+            <a:extLst>
+              <a:ext uri="{FF2B5EF4-FFF2-40B4-BE49-F238E27FC236}">
+                <a16:creationId xmlns:a16="http://schemas.microsoft.com/office/drawing/2014/main" id="{09EA7E86-A33B-478A-8382-5C4F4C455D18}"/>
+              </a:ext>
+            </a:extLst>
+          </p:cNvPr>
+          <p:cNvPicPr>
+            <a:picLocks noChangeAspect="1"/>
+          </p:cNvPicPr>
+          <p:nvPr/>
+        </p:nvPicPr>
+        <p:blipFill>
+          <a:blip r:embed="rId6">
+            <a:extLst>
+              <a:ext uri="{28A0092B-C50C-407E-A947-70E740481C1C}">
+                <a14:useLocalDpi xmlns:a14="http://schemas.microsoft.com/office/drawing/2010/main" val="0"/>
+              </a:ext>
+            </a:extLst>
+          </a:blip>
+          <a:stretch>
+            <a:fillRect/>
+          </a:stretch>
+        </p:blipFill>
+        <p:spPr>
+          <a:xfrm>
+            <a:off x="7714057" y="3825329"/>
+            <a:ext cx="715646" cy="715646"/>
+          </a:xfrm>
+          <a:prstGeom prst="rect">
+            <a:avLst/>
+          </a:prstGeom>
+        </p:spPr>
+      </p:pic>
+      <p:pic>
+        <p:nvPicPr>
+          <p:cNvPr id="22" name="Image 21" descr="Une image contenant moniteur, intérieur, assis, équipement électronique&#10;&#10;Description générée avec un niveau de confiance élevé">
+            <a:extLst>
+              <a:ext uri="{FF2B5EF4-FFF2-40B4-BE49-F238E27FC236}">
+                <a16:creationId xmlns:a16="http://schemas.microsoft.com/office/drawing/2014/main" id="{84174CA5-FC3F-41DB-9737-58325A5D4692}"/>
+              </a:ext>
+            </a:extLst>
+          </p:cNvPr>
+          <p:cNvPicPr>
+            <a:picLocks noChangeAspect="1"/>
+          </p:cNvPicPr>
+          <p:nvPr/>
+        </p:nvPicPr>
+        <p:blipFill>
+          <a:blip r:embed="rId7">
+            <a:extLst>
+              <a:ext uri="{28A0092B-C50C-407E-A947-70E740481C1C}">
+                <a14:useLocalDpi xmlns:a14="http://schemas.microsoft.com/office/drawing/2010/main" val="0"/>
+              </a:ext>
+            </a:extLst>
+          </a:blip>
+          <a:stretch>
+            <a:fillRect/>
+          </a:stretch>
+        </p:blipFill>
+        <p:spPr>
+          <a:xfrm>
+            <a:off x="9546587" y="5048682"/>
+            <a:ext cx="746253" cy="746253"/>
+          </a:xfrm>
+          <a:prstGeom prst="rect">
+            <a:avLst/>
+          </a:prstGeom>
+        </p:spPr>
+      </p:pic>
+      <p:pic>
+        <p:nvPicPr>
+          <p:cNvPr id="35" name="Image 34">
+            <a:extLst>
+              <a:ext uri="{FF2B5EF4-FFF2-40B4-BE49-F238E27FC236}">
+                <a16:creationId xmlns:a16="http://schemas.microsoft.com/office/drawing/2014/main" id="{8AE03452-C302-4FC9-8ADE-E4DCC88E6D31}"/>
+              </a:ext>
+            </a:extLst>
+          </p:cNvPr>
+          <p:cNvPicPr>
+            <a:picLocks noChangeAspect="1"/>
+          </p:cNvPicPr>
+          <p:nvPr/>
+        </p:nvPicPr>
+        <p:blipFill>
+          <a:blip r:embed="rId8">
+            <a:extLst>
+              <a:ext uri="{28A0092B-C50C-407E-A947-70E740481C1C}">
+                <a14:useLocalDpi xmlns:a14="http://schemas.microsoft.com/office/drawing/2010/main" val="0"/>
+              </a:ext>
+            </a:extLst>
+          </a:blip>
+          <a:stretch>
+            <a:fillRect/>
+          </a:stretch>
+        </p:blipFill>
+        <p:spPr>
+          <a:xfrm>
+            <a:off x="7811153" y="5048682"/>
+            <a:ext cx="715646" cy="715646"/>
+          </a:xfrm>
+          <a:prstGeom prst="rect">
+            <a:avLst/>
+          </a:prstGeom>
+        </p:spPr>
+      </p:pic>
+      <p:pic>
+        <p:nvPicPr>
+          <p:cNvPr id="4" name="Image 3" descr="Une image contenant transport&#10;&#10;Description générée avec un niveau de confiance très élevé">
+            <a:extLst>
+              <a:ext uri="{FF2B5EF4-FFF2-40B4-BE49-F238E27FC236}">
+                <a16:creationId xmlns:a16="http://schemas.microsoft.com/office/drawing/2014/main" id="{46E4EC80-F44C-4E58-9B98-8F6BD325C855}"/>
+              </a:ext>
+            </a:extLst>
+          </p:cNvPr>
+          <p:cNvPicPr>
+            <a:picLocks noChangeAspect="1"/>
+          </p:cNvPicPr>
+          <p:nvPr/>
+        </p:nvPicPr>
+        <p:blipFill>
+          <a:blip r:embed="rId9">
+            <a:extLst>
+              <a:ext uri="{28A0092B-C50C-407E-A947-70E740481C1C}">
+                <a14:useLocalDpi xmlns:a14="http://schemas.microsoft.com/office/drawing/2010/main" val="0"/>
+              </a:ext>
+            </a:extLst>
+          </a:blip>
+          <a:stretch>
+            <a:fillRect/>
+          </a:stretch>
+        </p:blipFill>
+        <p:spPr>
+          <a:xfrm>
+            <a:off x="1655726" y="4951415"/>
+            <a:ext cx="715646" cy="715646"/>
+          </a:xfrm>
+          <a:prstGeom prst="rect">
+            <a:avLst/>
+          </a:prstGeom>
+        </p:spPr>
+      </p:pic>
+      <p:pic>
+        <p:nvPicPr>
+          <p:cNvPr id="6" name="Image 5">
+            <a:extLst>
+              <a:ext uri="{FF2B5EF4-FFF2-40B4-BE49-F238E27FC236}">
+                <a16:creationId xmlns:a16="http://schemas.microsoft.com/office/drawing/2014/main" id="{9559CB17-04B8-4E71-853C-4289064A5E0E}"/>
+              </a:ext>
+            </a:extLst>
+          </p:cNvPr>
+          <p:cNvPicPr>
+            <a:picLocks noChangeAspect="1"/>
+          </p:cNvPicPr>
+          <p:nvPr/>
+        </p:nvPicPr>
+        <p:blipFill>
+          <a:blip r:embed="rId10">
+            <a:extLst>
+              <a:ext uri="{28A0092B-C50C-407E-A947-70E740481C1C}">
+                <a14:useLocalDpi xmlns:a14="http://schemas.microsoft.com/office/drawing/2010/main" val="0"/>
+              </a:ext>
+            </a:extLst>
+          </a:blip>
+          <a:stretch>
+            <a:fillRect/>
+          </a:stretch>
+        </p:blipFill>
+        <p:spPr>
+          <a:xfrm>
+            <a:off x="2456086" y="5015891"/>
+            <a:ext cx="625703" cy="625703"/>
+          </a:xfrm>
+          <a:prstGeom prst="rect">
+            <a:avLst/>
+          </a:prstGeom>
+        </p:spPr>
+      </p:pic>
+      <p:pic>
+        <p:nvPicPr>
+          <p:cNvPr id="12" name="Image 11">
+            <a:extLst>
+              <a:ext uri="{FF2B5EF4-FFF2-40B4-BE49-F238E27FC236}">
+                <a16:creationId xmlns:a16="http://schemas.microsoft.com/office/drawing/2014/main" id="{FB8AA444-0D9F-4B93-BDB2-107F7AF53BDA}"/>
+              </a:ext>
+            </a:extLst>
+          </p:cNvPr>
+          <p:cNvPicPr>
+            <a:picLocks noChangeAspect="1"/>
+          </p:cNvPicPr>
+          <p:nvPr/>
+        </p:nvPicPr>
+        <p:blipFill>
+          <a:blip r:embed="rId11">
+            <a:extLst>
+              <a:ext uri="{28A0092B-C50C-407E-A947-70E740481C1C}">
+                <a14:useLocalDpi xmlns:a14="http://schemas.microsoft.com/office/drawing/2010/main" val="0"/>
+              </a:ext>
+            </a:extLst>
+          </a:blip>
+          <a:stretch>
+            <a:fillRect/>
+          </a:stretch>
+        </p:blipFill>
+        <p:spPr>
+          <a:xfrm>
+            <a:off x="3198898" y="4965162"/>
+            <a:ext cx="700822" cy="700822"/>
+          </a:xfrm>
+          <a:prstGeom prst="rect">
+            <a:avLst/>
+          </a:prstGeom>
+        </p:spPr>
+      </p:pic>
+      <p:pic>
+        <p:nvPicPr>
+          <p:cNvPr id="17" name="Image 16">
+            <a:extLst>
+              <a:ext uri="{FF2B5EF4-FFF2-40B4-BE49-F238E27FC236}">
+                <a16:creationId xmlns:a16="http://schemas.microsoft.com/office/drawing/2014/main" id="{4D5E85D9-422D-4373-B3D9-2BA91273C5EF}"/>
+              </a:ext>
+            </a:extLst>
+          </p:cNvPr>
+          <p:cNvPicPr>
+            <a:picLocks noChangeAspect="1"/>
+          </p:cNvPicPr>
+          <p:nvPr/>
+        </p:nvPicPr>
+        <p:blipFill>
+          <a:blip r:embed="rId12">
+            <a:extLst>
+              <a:ext uri="{28A0092B-C50C-407E-A947-70E740481C1C}">
+                <a14:useLocalDpi xmlns:a14="http://schemas.microsoft.com/office/drawing/2010/main" val="0"/>
+              </a:ext>
+            </a:extLst>
+          </a:blip>
+          <a:stretch>
+            <a:fillRect/>
+          </a:stretch>
+        </p:blipFill>
+        <p:spPr>
+          <a:xfrm>
+            <a:off x="3899720" y="4959449"/>
+            <a:ext cx="700821" cy="700821"/>
+          </a:xfrm>
+          <a:prstGeom prst="rect">
+            <a:avLst/>
+          </a:prstGeom>
+        </p:spPr>
+      </p:pic>
+      <p:pic>
+        <p:nvPicPr>
+          <p:cNvPr id="29" name="Image 28">
+            <a:extLst>
+              <a:ext uri="{FF2B5EF4-FFF2-40B4-BE49-F238E27FC236}">
+                <a16:creationId xmlns:a16="http://schemas.microsoft.com/office/drawing/2014/main" id="{F60290BE-6B87-4EE5-98EE-25BEEBC14452}"/>
+              </a:ext>
+            </a:extLst>
+          </p:cNvPr>
+          <p:cNvPicPr>
+            <a:picLocks noChangeAspect="1"/>
+          </p:cNvPicPr>
+          <p:nvPr/>
+        </p:nvPicPr>
+        <p:blipFill>
+          <a:blip r:embed="rId13">
             <a:duotone>
               <a:schemeClr val="accent6">
                 <a:shade val="45000"/>
@@ -5191,324 +5457,8 @@
         </p:blipFill>
         <p:spPr>
           <a:xfrm>
-            <a:off x="2516748" y="3592821"/>
-            <a:ext cx="124309" cy="124309"/>
-          </a:xfrm>
-          <a:prstGeom prst="rect">
-            <a:avLst/>
-          </a:prstGeom>
-        </p:spPr>
-      </p:pic>
-      <p:pic>
-        <p:nvPicPr>
-          <p:cNvPr id="24" name="Image 23">
-            <a:extLst>
-              <a:ext uri="{FF2B5EF4-FFF2-40B4-BE49-F238E27FC236}">
-                <a16:creationId xmlns:a16="http://schemas.microsoft.com/office/drawing/2014/main" id="{E7D07084-514E-4AD1-92AD-6F485AC56BE8}"/>
-              </a:ext>
-            </a:extLst>
-          </p:cNvPr>
-          <p:cNvPicPr>
-            <a:picLocks noChangeAspect="1"/>
-          </p:cNvPicPr>
-          <p:nvPr/>
-        </p:nvPicPr>
-        <p:blipFill>
-          <a:blip r:embed="rId5">
-            <a:duotone>
-              <a:schemeClr val="accent6">
-                <a:shade val="45000"/>
-                <a:satMod val="135000"/>
-              </a:schemeClr>
-              <a:prstClr val="white"/>
-            </a:duotone>
-            <a:extLst>
-              <a:ext uri="{28A0092B-C50C-407E-A947-70E740481C1C}">
-                <a14:useLocalDpi xmlns:a14="http://schemas.microsoft.com/office/drawing/2010/main" val="0"/>
-              </a:ext>
-            </a:extLst>
-          </a:blip>
-          <a:stretch>
-            <a:fillRect/>
-          </a:stretch>
-        </p:blipFill>
-        <p:spPr>
-          <a:xfrm>
-            <a:off x="2517977" y="3855927"/>
-            <a:ext cx="124309" cy="124309"/>
-          </a:xfrm>
-          <a:prstGeom prst="rect">
-            <a:avLst/>
-          </a:prstGeom>
-        </p:spPr>
-      </p:pic>
-      <p:pic>
-        <p:nvPicPr>
-          <p:cNvPr id="25" name="Image 24">
-            <a:extLst>
-              <a:ext uri="{FF2B5EF4-FFF2-40B4-BE49-F238E27FC236}">
-                <a16:creationId xmlns:a16="http://schemas.microsoft.com/office/drawing/2014/main" id="{2BE9EB8A-90B5-4FCA-9550-B98A27AF7474}"/>
-              </a:ext>
-            </a:extLst>
-          </p:cNvPr>
-          <p:cNvPicPr>
-            <a:picLocks noChangeAspect="1"/>
-          </p:cNvPicPr>
-          <p:nvPr/>
-        </p:nvPicPr>
-        <p:blipFill>
-          <a:blip r:embed="rId5">
-            <a:duotone>
-              <a:schemeClr val="accent6">
-                <a:shade val="45000"/>
-                <a:satMod val="135000"/>
-              </a:schemeClr>
-              <a:prstClr val="white"/>
-            </a:duotone>
-            <a:extLst>
-              <a:ext uri="{28A0092B-C50C-407E-A947-70E740481C1C}">
-                <a14:useLocalDpi xmlns:a14="http://schemas.microsoft.com/office/drawing/2010/main" val="0"/>
-              </a:ext>
-            </a:extLst>
-          </a:blip>
-          <a:stretch>
-            <a:fillRect/>
-          </a:stretch>
-        </p:blipFill>
-        <p:spPr>
-          <a:xfrm>
-            <a:off x="2518549" y="4139342"/>
-            <a:ext cx="124309" cy="124309"/>
-          </a:xfrm>
-          <a:prstGeom prst="rect">
-            <a:avLst/>
-          </a:prstGeom>
-        </p:spPr>
-      </p:pic>
-      <p:pic>
-        <p:nvPicPr>
-          <p:cNvPr id="27" name="Image 26">
-            <a:extLst>
-              <a:ext uri="{FF2B5EF4-FFF2-40B4-BE49-F238E27FC236}">
-                <a16:creationId xmlns:a16="http://schemas.microsoft.com/office/drawing/2014/main" id="{48536EA0-A655-484B-9344-6480C35E430D}"/>
-              </a:ext>
-            </a:extLst>
-          </p:cNvPr>
-          <p:cNvPicPr>
-            <a:picLocks noChangeAspect="1"/>
-          </p:cNvPicPr>
-          <p:nvPr/>
-        </p:nvPicPr>
-        <p:blipFill>
-          <a:blip r:embed="rId5">
-            <a:duotone>
-              <a:schemeClr val="accent6">
-                <a:shade val="45000"/>
-                <a:satMod val="135000"/>
-              </a:schemeClr>
-              <a:prstClr val="white"/>
-            </a:duotone>
-            <a:extLst>
-              <a:ext uri="{28A0092B-C50C-407E-A947-70E740481C1C}">
-                <a14:useLocalDpi xmlns:a14="http://schemas.microsoft.com/office/drawing/2010/main" val="0"/>
-              </a:ext>
-            </a:extLst>
-          </a:blip>
-          <a:stretch>
-            <a:fillRect/>
-          </a:stretch>
-        </p:blipFill>
-        <p:spPr>
-          <a:xfrm>
-            <a:off x="2511067" y="4401588"/>
-            <a:ext cx="124309" cy="124309"/>
-          </a:xfrm>
-          <a:prstGeom prst="rect">
-            <a:avLst/>
-          </a:prstGeom>
-        </p:spPr>
-      </p:pic>
-      <p:pic>
-        <p:nvPicPr>
-          <p:cNvPr id="28" name="Image 27">
-            <a:extLst>
-              <a:ext uri="{FF2B5EF4-FFF2-40B4-BE49-F238E27FC236}">
-                <a16:creationId xmlns:a16="http://schemas.microsoft.com/office/drawing/2014/main" id="{46714A47-0025-41A2-8A6D-C200E5144DED}"/>
-              </a:ext>
-            </a:extLst>
-          </p:cNvPr>
-          <p:cNvPicPr>
-            <a:picLocks noChangeAspect="1"/>
-          </p:cNvPicPr>
-          <p:nvPr/>
-        </p:nvPicPr>
-        <p:blipFill>
-          <a:blip r:embed="rId5">
-            <a:duotone>
-              <a:schemeClr val="accent6">
-                <a:shade val="45000"/>
-                <a:satMod val="135000"/>
-              </a:schemeClr>
-              <a:prstClr val="white"/>
-            </a:duotone>
-            <a:extLst>
-              <a:ext uri="{28A0092B-C50C-407E-A947-70E740481C1C}">
-                <a14:useLocalDpi xmlns:a14="http://schemas.microsoft.com/office/drawing/2010/main" val="0"/>
-              </a:ext>
-            </a:extLst>
-          </a:blip>
-          <a:stretch>
-            <a:fillRect/>
-          </a:stretch>
-        </p:blipFill>
-        <p:spPr>
-          <a:xfrm>
-            <a:off x="2507223" y="4667670"/>
-            <a:ext cx="124309" cy="124309"/>
-          </a:xfrm>
-          <a:prstGeom prst="rect">
-            <a:avLst/>
-          </a:prstGeom>
-        </p:spPr>
-      </p:pic>
-      <p:pic>
-        <p:nvPicPr>
-          <p:cNvPr id="15" name="Image 14">
-            <a:extLst>
-              <a:ext uri="{FF2B5EF4-FFF2-40B4-BE49-F238E27FC236}">
-                <a16:creationId xmlns:a16="http://schemas.microsoft.com/office/drawing/2014/main" id="{CDC3D37B-A324-4A91-89E6-460E6D5F11C2}"/>
-              </a:ext>
-            </a:extLst>
-          </p:cNvPr>
-          <p:cNvPicPr>
-            <a:picLocks noChangeAspect="1"/>
-          </p:cNvPicPr>
-          <p:nvPr/>
-        </p:nvPicPr>
-        <p:blipFill>
-          <a:blip r:embed="rId6">
-            <a:extLst>
-              <a:ext uri="{28A0092B-C50C-407E-A947-70E740481C1C}">
-                <a14:useLocalDpi xmlns:a14="http://schemas.microsoft.com/office/drawing/2010/main" val="0"/>
-              </a:ext>
-            </a:extLst>
-          </a:blip>
-          <a:stretch>
-            <a:fillRect/>
-          </a:stretch>
-        </p:blipFill>
-        <p:spPr>
-          <a:xfrm>
-            <a:off x="2261399" y="5055914"/>
-            <a:ext cx="729950" cy="729950"/>
-          </a:xfrm>
-          <a:prstGeom prst="rect">
-            <a:avLst/>
-          </a:prstGeom>
-        </p:spPr>
-      </p:pic>
-      <p:pic>
-        <p:nvPicPr>
-          <p:cNvPr id="18" name="Image 17">
-            <a:extLst>
-              <a:ext uri="{FF2B5EF4-FFF2-40B4-BE49-F238E27FC236}">
-                <a16:creationId xmlns:a16="http://schemas.microsoft.com/office/drawing/2014/main" id="{09EA7E86-A33B-478A-8382-5C4F4C455D18}"/>
-              </a:ext>
-            </a:extLst>
-          </p:cNvPr>
-          <p:cNvPicPr>
-            <a:picLocks noChangeAspect="1"/>
-          </p:cNvPicPr>
-          <p:nvPr/>
-        </p:nvPicPr>
-        <p:blipFill>
-          <a:blip r:embed="rId7">
-            <a:extLst>
-              <a:ext uri="{28A0092B-C50C-407E-A947-70E740481C1C}">
-                <a14:useLocalDpi xmlns:a14="http://schemas.microsoft.com/office/drawing/2010/main" val="0"/>
-              </a:ext>
-            </a:extLst>
-          </a:blip>
-          <a:stretch>
-            <a:fillRect/>
-          </a:stretch>
-        </p:blipFill>
-        <p:spPr>
-          <a:xfrm>
-            <a:off x="8024450" y="5033448"/>
-            <a:ext cx="715646" cy="715646"/>
-          </a:xfrm>
-          <a:prstGeom prst="rect">
-            <a:avLst/>
-          </a:prstGeom>
-        </p:spPr>
-      </p:pic>
-      <p:pic>
-        <p:nvPicPr>
-          <p:cNvPr id="22" name="Image 21" descr="Une image contenant moniteur, intérieur, assis, équipement électronique&#10;&#10;Description générée avec un niveau de confiance élevé">
-            <a:extLst>
-              <a:ext uri="{FF2B5EF4-FFF2-40B4-BE49-F238E27FC236}">
-                <a16:creationId xmlns:a16="http://schemas.microsoft.com/office/drawing/2014/main" id="{84174CA5-FC3F-41DB-9737-58325A5D4692}"/>
-              </a:ext>
-            </a:extLst>
-          </p:cNvPr>
-          <p:cNvPicPr>
-            <a:picLocks noChangeAspect="1"/>
-          </p:cNvPicPr>
-          <p:nvPr/>
-        </p:nvPicPr>
-        <p:blipFill>
-          <a:blip r:embed="rId8">
-            <a:extLst>
-              <a:ext uri="{28A0092B-C50C-407E-A947-70E740481C1C}">
-                <a14:useLocalDpi xmlns:a14="http://schemas.microsoft.com/office/drawing/2010/main" val="0"/>
-              </a:ext>
-            </a:extLst>
-          </a:blip>
-          <a:stretch>
-            <a:fillRect/>
-          </a:stretch>
-        </p:blipFill>
-        <p:spPr>
-          <a:xfrm>
-            <a:off x="2275703" y="5774110"/>
-            <a:ext cx="715646" cy="715646"/>
-          </a:xfrm>
-          <a:prstGeom prst="rect">
-            <a:avLst/>
-          </a:prstGeom>
-        </p:spPr>
-      </p:pic>
-      <p:pic>
-        <p:nvPicPr>
-          <p:cNvPr id="35" name="Image 34">
-            <a:extLst>
-              <a:ext uri="{FF2B5EF4-FFF2-40B4-BE49-F238E27FC236}">
-                <a16:creationId xmlns:a16="http://schemas.microsoft.com/office/drawing/2014/main" id="{8AE03452-C302-4FC9-8ADE-E4DCC88E6D31}"/>
-              </a:ext>
-            </a:extLst>
-          </p:cNvPr>
-          <p:cNvPicPr>
-            <a:picLocks noChangeAspect="1"/>
-          </p:cNvPicPr>
-          <p:nvPr/>
-        </p:nvPicPr>
-        <p:blipFill>
-          <a:blip r:embed="rId9">
-            <a:extLst>
-              <a:ext uri="{28A0092B-C50C-407E-A947-70E740481C1C}">
-                <a14:useLocalDpi xmlns:a14="http://schemas.microsoft.com/office/drawing/2010/main" val="0"/>
-              </a:ext>
-            </a:extLst>
-          </a:blip>
-          <a:stretch>
-            <a:fillRect/>
-          </a:stretch>
-        </p:blipFill>
-        <p:spPr>
-          <a:xfrm>
-            <a:off x="8168976" y="5785864"/>
-            <a:ext cx="715646" cy="715646"/>
+            <a:off x="319510" y="4086168"/>
+            <a:ext cx="301274" cy="301274"/>
           </a:xfrm>
           <a:prstGeom prst="rect">
             <a:avLst/>
@@ -5525,13 +5475,13 @@
   <p:clrMapOvr>
     <a:masterClrMapping/>
   </p:clrMapOvr>
-  <mc:AlternateContent xmlns:mc="http://schemas.openxmlformats.org/markup-compatibility/2006">
-    <mc:Choice xmlns:p14="http://schemas.microsoft.com/office/powerpoint/2010/main" Requires="p14">
+  <mc:AlternateContent xmlns:mc="http://schemas.openxmlformats.org/markup-compatibility/2006" xmlns:p14="http://schemas.microsoft.com/office/powerpoint/2010/main">
+    <mc:Choice Requires="p14">
       <p:transition spd="slow" advClick="0" advTm="1000">
         <p14:reveal/>
       </p:transition>
     </mc:Choice>
-    <mc:Fallback>
+    <mc:Fallback xmlns="">
       <p:transition spd="slow" advClick="0" advTm="1000">
         <p:fade/>
       </p:transition>
@@ -6046,7 +5996,9 @@
           </a:p>
           <a:p>
             <a:r>
-              <a:rPr lang="fr-FR" dirty="0"/>
+              <a:rPr lang="fr-FR" dirty="0">
+                <a:latin typeface="+mj-lt"/>
+              </a:rPr>
               <a:t>Partie rapsberry acquisition</a:t>
             </a:r>
           </a:p>
@@ -6248,11 +6200,15 @@
             </a:r>
           </a:p>
           <a:p>
-            <a:endParaRPr lang="fr-FR" dirty="0"/>
-          </a:p>
-          <a:p>
-            <a:r>
-              <a:rPr lang="fr-FR" dirty="0"/>
+            <a:endParaRPr lang="fr-FR" dirty="0">
+              <a:latin typeface="+mj-lt"/>
+            </a:endParaRPr>
+          </a:p>
+          <a:p>
+            <a:r>
+              <a:rPr lang="fr-FR" dirty="0">
+                <a:latin typeface="+mj-lt"/>
+              </a:rPr>
               <a:t>Partie Web avec Netbeans</a:t>
             </a:r>
           </a:p>
@@ -6296,7 +6252,9 @@
           </a:p>
           <a:p>
             <a:r>
-              <a:rPr lang="fr-FR" dirty="0"/>
+              <a:rPr lang="fr-FR" dirty="0">
+                <a:latin typeface="+mj-lt"/>
+              </a:rPr>
               <a:t>Partie BDD avec le serveur Wamp</a:t>
             </a:r>
           </a:p>
@@ -6346,7 +6304,9 @@
           </a:p>
           <a:p>
             <a:r>
-              <a:rPr lang="fr-FR" dirty="0"/>
+              <a:rPr lang="fr-FR" dirty="0">
+                <a:latin typeface="+mj-lt"/>
+              </a:rPr>
               <a:t>Partie Application androïd avec androïd studio</a:t>
             </a:r>
           </a:p>
@@ -6515,13 +6475,13 @@
   <p:clrMapOvr>
     <a:masterClrMapping/>
   </p:clrMapOvr>
-  <mc:AlternateContent xmlns:mc="http://schemas.openxmlformats.org/markup-compatibility/2006">
-    <mc:Choice xmlns:p14="http://schemas.microsoft.com/office/powerpoint/2010/main" Requires="p14">
+  <mc:AlternateContent xmlns:mc="http://schemas.openxmlformats.org/markup-compatibility/2006" xmlns:p14="http://schemas.microsoft.com/office/powerpoint/2010/main">
+    <mc:Choice Requires="p14">
       <p:transition spd="slow" advClick="0" advTm="1000">
         <p14:reveal/>
       </p:transition>
     </mc:Choice>
-    <mc:Fallback>
+    <mc:Fallback xmlns="">
       <p:transition spd="slow" advClick="0" advTm="1000">
         <p:fade/>
       </p:transition>

--- a/oral_projet/diaporama_revue_1.pptx
+++ b/oral_projet/diaporama_revue_1.pptx
@@ -5,12 +5,13 @@
     <p:sldMasterId id="2147483648" r:id="rId1"/>
   </p:sldMasterIdLst>
   <p:notesMasterIdLst>
-    <p:notesMasterId r:id="rId5"/>
+    <p:notesMasterId r:id="rId6"/>
   </p:notesMasterIdLst>
   <p:sldIdLst>
     <p:sldId id="256" r:id="rId2"/>
     <p:sldId id="259" r:id="rId3"/>
     <p:sldId id="258" r:id="rId4"/>
+    <p:sldId id="260" r:id="rId5"/>
   </p:sldIdLst>
   <p:sldSz cx="12192000" cy="6858000"/>
   <p:notesSz cx="6858000" cy="9144000"/>
@@ -4955,12 +4956,352 @@
           </a:fontRef>
         </p:style>
       </p:cxnSp>
-      <p:sp>
-        <p:nvSpPr>
-          <p:cNvPr id="2" name="ZoneTexte 1">
-            <a:extLst>
-              <a:ext uri="{FF2B5EF4-FFF2-40B4-BE49-F238E27FC236}">
-                <a16:creationId xmlns:a16="http://schemas.microsoft.com/office/drawing/2014/main" id="{674DD8AD-F715-49A9-B7B1-4A7DF94CD2F7}"/>
+      <p:pic>
+        <p:nvPicPr>
+          <p:cNvPr id="57" name="Image 56">
+            <a:extLst>
+              <a:ext uri="{FF2B5EF4-FFF2-40B4-BE49-F238E27FC236}">
+                <a16:creationId xmlns:a16="http://schemas.microsoft.com/office/drawing/2014/main" id="{12B16FB2-5844-4B92-AE69-9BAC858C22BB}"/>
+              </a:ext>
+            </a:extLst>
+          </p:cNvPr>
+          <p:cNvPicPr>
+            <a:picLocks noChangeAspect="1"/>
+          </p:cNvPicPr>
+          <p:nvPr/>
+        </p:nvPicPr>
+        <p:blipFill>
+          <a:blip r:embed="rId3">
+            <a:extLst>
+              <a:ext uri="{28A0092B-C50C-407E-A947-70E740481C1C}">
+                <a14:useLocalDpi xmlns:a14="http://schemas.microsoft.com/office/drawing/2010/main" val="0"/>
+              </a:ext>
+            </a:extLst>
+          </a:blip>
+          <a:stretch>
+            <a:fillRect/>
+          </a:stretch>
+        </p:blipFill>
+        <p:spPr>
+          <a:xfrm>
+            <a:off x="9681085" y="238153"/>
+            <a:ext cx="1802101" cy="569807"/>
+          </a:xfrm>
+          <a:prstGeom prst="rect">
+            <a:avLst/>
+          </a:prstGeom>
+        </p:spPr>
+      </p:pic>
+      <p:cxnSp>
+        <p:nvCxnSpPr>
+          <p:cNvPr id="58" name="Connecteur droit 57">
+            <a:extLst>
+              <a:ext uri="{FF2B5EF4-FFF2-40B4-BE49-F238E27FC236}">
+                <a16:creationId xmlns:a16="http://schemas.microsoft.com/office/drawing/2014/main" id="{01599350-F8B0-4FDC-B003-981189A8D654}"/>
+              </a:ext>
+            </a:extLst>
+          </p:cNvPr>
+          <p:cNvCxnSpPr>
+            <a:cxnSpLocks/>
+          </p:cNvCxnSpPr>
+          <p:nvPr/>
+        </p:nvCxnSpPr>
+        <p:spPr>
+          <a:xfrm>
+            <a:off x="2573222" y="454803"/>
+            <a:ext cx="6829482" cy="10398"/>
+          </a:xfrm>
+          <a:prstGeom prst="line">
+            <a:avLst/>
+          </a:prstGeom>
+        </p:spPr>
+        <p:style>
+          <a:lnRef idx="3">
+            <a:schemeClr val="dk1"/>
+          </a:lnRef>
+          <a:fillRef idx="0">
+            <a:schemeClr val="dk1"/>
+          </a:fillRef>
+          <a:effectRef idx="2">
+            <a:schemeClr val="dk1"/>
+          </a:effectRef>
+          <a:fontRef idx="minor">
+            <a:schemeClr val="tx1"/>
+          </a:fontRef>
+        </p:style>
+      </p:cxnSp>
+      <p:cxnSp>
+        <p:nvCxnSpPr>
+          <p:cNvPr id="59" name="Connecteur droit 58">
+            <a:extLst>
+              <a:ext uri="{FF2B5EF4-FFF2-40B4-BE49-F238E27FC236}">
+                <a16:creationId xmlns:a16="http://schemas.microsoft.com/office/drawing/2014/main" id="{BC6E6150-6054-4785-84EC-0C46D82034C2}"/>
+              </a:ext>
+            </a:extLst>
+          </p:cNvPr>
+          <p:cNvCxnSpPr>
+            <a:cxnSpLocks/>
+          </p:cNvCxnSpPr>
+          <p:nvPr/>
+        </p:nvCxnSpPr>
+        <p:spPr>
+          <a:xfrm>
+            <a:off x="738231" y="454803"/>
+            <a:ext cx="344203" cy="484764"/>
+          </a:xfrm>
+          <a:prstGeom prst="line">
+            <a:avLst/>
+          </a:prstGeom>
+        </p:spPr>
+        <p:style>
+          <a:lnRef idx="3">
+            <a:schemeClr val="dk1"/>
+          </a:lnRef>
+          <a:fillRef idx="0">
+            <a:schemeClr val="dk1"/>
+          </a:fillRef>
+          <a:effectRef idx="2">
+            <a:schemeClr val="dk1"/>
+          </a:effectRef>
+          <a:fontRef idx="minor">
+            <a:schemeClr val="tx1"/>
+          </a:fontRef>
+        </p:style>
+      </p:cxnSp>
+      <p:cxnSp>
+        <p:nvCxnSpPr>
+          <p:cNvPr id="60" name="Connecteur droit 59">
+            <a:extLst>
+              <a:ext uri="{FF2B5EF4-FFF2-40B4-BE49-F238E27FC236}">
+                <a16:creationId xmlns:a16="http://schemas.microsoft.com/office/drawing/2014/main" id="{CBC9961A-8EC2-4287-A398-BCA4138D409D}"/>
+              </a:ext>
+            </a:extLst>
+          </p:cNvPr>
+          <p:cNvCxnSpPr>
+            <a:cxnSpLocks/>
+          </p:cNvCxnSpPr>
+          <p:nvPr/>
+        </p:nvCxnSpPr>
+        <p:spPr>
+          <a:xfrm>
+            <a:off x="1082434" y="938268"/>
+            <a:ext cx="1146585" cy="0"/>
+          </a:xfrm>
+          <a:prstGeom prst="line">
+            <a:avLst/>
+          </a:prstGeom>
+        </p:spPr>
+        <p:style>
+          <a:lnRef idx="3">
+            <a:schemeClr val="dk1"/>
+          </a:lnRef>
+          <a:fillRef idx="0">
+            <a:schemeClr val="dk1"/>
+          </a:fillRef>
+          <a:effectRef idx="2">
+            <a:schemeClr val="dk1"/>
+          </a:effectRef>
+          <a:fontRef idx="minor">
+            <a:schemeClr val="tx1"/>
+          </a:fontRef>
+        </p:style>
+      </p:cxnSp>
+      <p:cxnSp>
+        <p:nvCxnSpPr>
+          <p:cNvPr id="61" name="Connecteur droit 60">
+            <a:extLst>
+              <a:ext uri="{FF2B5EF4-FFF2-40B4-BE49-F238E27FC236}">
+                <a16:creationId xmlns:a16="http://schemas.microsoft.com/office/drawing/2014/main" id="{152B7C45-2543-4665-BC07-4DB71CA9F337}"/>
+              </a:ext>
+            </a:extLst>
+          </p:cNvPr>
+          <p:cNvCxnSpPr>
+            <a:cxnSpLocks/>
+          </p:cNvCxnSpPr>
+          <p:nvPr/>
+        </p:nvCxnSpPr>
+        <p:spPr>
+          <a:xfrm>
+            <a:off x="9402704" y="465201"/>
+            <a:ext cx="344203" cy="495163"/>
+          </a:xfrm>
+          <a:prstGeom prst="line">
+            <a:avLst/>
+          </a:prstGeom>
+        </p:spPr>
+        <p:style>
+          <a:lnRef idx="3">
+            <a:schemeClr val="dk1"/>
+          </a:lnRef>
+          <a:fillRef idx="0">
+            <a:schemeClr val="dk1"/>
+          </a:fillRef>
+          <a:effectRef idx="2">
+            <a:schemeClr val="dk1"/>
+          </a:effectRef>
+          <a:fontRef idx="minor">
+            <a:schemeClr val="tx1"/>
+          </a:fontRef>
+        </p:style>
+      </p:cxnSp>
+      <p:cxnSp>
+        <p:nvCxnSpPr>
+          <p:cNvPr id="62" name="Connecteur droit 61">
+            <a:extLst>
+              <a:ext uri="{FF2B5EF4-FFF2-40B4-BE49-F238E27FC236}">
+                <a16:creationId xmlns:a16="http://schemas.microsoft.com/office/drawing/2014/main" id="{00A84DC3-A112-46A3-B71C-04D85339323D}"/>
+              </a:ext>
+            </a:extLst>
+          </p:cNvPr>
+          <p:cNvCxnSpPr>
+            <a:cxnSpLocks/>
+          </p:cNvCxnSpPr>
+          <p:nvPr/>
+        </p:nvCxnSpPr>
+        <p:spPr>
+          <a:xfrm flipH="1">
+            <a:off x="11370469" y="448308"/>
+            <a:ext cx="364332" cy="501657"/>
+          </a:xfrm>
+          <a:prstGeom prst="line">
+            <a:avLst/>
+          </a:prstGeom>
+        </p:spPr>
+        <p:style>
+          <a:lnRef idx="3">
+            <a:schemeClr val="dk1"/>
+          </a:lnRef>
+          <a:fillRef idx="0">
+            <a:schemeClr val="dk1"/>
+          </a:fillRef>
+          <a:effectRef idx="2">
+            <a:schemeClr val="dk1"/>
+          </a:effectRef>
+          <a:fontRef idx="minor">
+            <a:schemeClr val="tx1"/>
+          </a:fontRef>
+        </p:style>
+      </p:cxnSp>
+      <p:cxnSp>
+        <p:nvCxnSpPr>
+          <p:cNvPr id="63" name="Connecteur droit 62">
+            <a:extLst>
+              <a:ext uri="{FF2B5EF4-FFF2-40B4-BE49-F238E27FC236}">
+                <a16:creationId xmlns:a16="http://schemas.microsoft.com/office/drawing/2014/main" id="{C50788C6-8F68-44EC-AB54-94C1D2FE554D}"/>
+              </a:ext>
+            </a:extLst>
+          </p:cNvPr>
+          <p:cNvCxnSpPr>
+            <a:cxnSpLocks/>
+          </p:cNvCxnSpPr>
+          <p:nvPr/>
+        </p:nvCxnSpPr>
+        <p:spPr>
+          <a:xfrm>
+            <a:off x="9743203" y="949965"/>
+            <a:ext cx="1627266" cy="0"/>
+          </a:xfrm>
+          <a:prstGeom prst="line">
+            <a:avLst/>
+          </a:prstGeom>
+        </p:spPr>
+        <p:style>
+          <a:lnRef idx="3">
+            <a:schemeClr val="dk1"/>
+          </a:lnRef>
+          <a:fillRef idx="0">
+            <a:schemeClr val="dk1"/>
+          </a:fillRef>
+          <a:effectRef idx="2">
+            <a:schemeClr val="dk1"/>
+          </a:effectRef>
+          <a:fontRef idx="minor">
+            <a:schemeClr val="tx1"/>
+          </a:fontRef>
+        </p:style>
+      </p:cxnSp>
+      <p:cxnSp>
+        <p:nvCxnSpPr>
+          <p:cNvPr id="64" name="Connecteur droit 63">
+            <a:extLst>
+              <a:ext uri="{FF2B5EF4-FFF2-40B4-BE49-F238E27FC236}">
+                <a16:creationId xmlns:a16="http://schemas.microsoft.com/office/drawing/2014/main" id="{BC4D4E5F-5636-45CB-873C-EC085AB307A3}"/>
+              </a:ext>
+            </a:extLst>
+          </p:cNvPr>
+          <p:cNvCxnSpPr>
+            <a:cxnSpLocks/>
+          </p:cNvCxnSpPr>
+          <p:nvPr/>
+        </p:nvCxnSpPr>
+        <p:spPr>
+          <a:xfrm>
+            <a:off x="11715750" y="454801"/>
+            <a:ext cx="476249" cy="10400"/>
+          </a:xfrm>
+          <a:prstGeom prst="line">
+            <a:avLst/>
+          </a:prstGeom>
+        </p:spPr>
+        <p:style>
+          <a:lnRef idx="3">
+            <a:schemeClr val="dk1"/>
+          </a:lnRef>
+          <a:fillRef idx="0">
+            <a:schemeClr val="dk1"/>
+          </a:fillRef>
+          <a:effectRef idx="2">
+            <a:schemeClr val="dk1"/>
+          </a:effectRef>
+          <a:fontRef idx="minor">
+            <a:schemeClr val="tx1"/>
+          </a:fontRef>
+        </p:style>
+      </p:cxnSp>
+      <p:cxnSp>
+        <p:nvCxnSpPr>
+          <p:cNvPr id="65" name="Connecteur droit 64">
+            <a:extLst>
+              <a:ext uri="{FF2B5EF4-FFF2-40B4-BE49-F238E27FC236}">
+                <a16:creationId xmlns:a16="http://schemas.microsoft.com/office/drawing/2014/main" id="{E6F6B4C5-0E3B-46C9-859D-EE774175D36F}"/>
+              </a:ext>
+            </a:extLst>
+          </p:cNvPr>
+          <p:cNvCxnSpPr>
+            <a:cxnSpLocks/>
+          </p:cNvCxnSpPr>
+          <p:nvPr/>
+        </p:nvCxnSpPr>
+        <p:spPr>
+          <a:xfrm flipH="1">
+            <a:off x="2216372" y="446356"/>
+            <a:ext cx="364332" cy="501657"/>
+          </a:xfrm>
+          <a:prstGeom prst="line">
+            <a:avLst/>
+          </a:prstGeom>
+        </p:spPr>
+        <p:style>
+          <a:lnRef idx="3">
+            <a:schemeClr val="dk1"/>
+          </a:lnRef>
+          <a:fillRef idx="0">
+            <a:schemeClr val="dk1"/>
+          </a:fillRef>
+          <a:effectRef idx="2">
+            <a:schemeClr val="dk1"/>
+          </a:effectRef>
+          <a:fontRef idx="minor">
+            <a:schemeClr val="tx1"/>
+          </a:fontRef>
+        </p:style>
+      </p:cxnSp>
+      <p:sp>
+        <p:nvSpPr>
+          <p:cNvPr id="66" name="ZoneTexte 65">
+            <a:extLst>
+              <a:ext uri="{FF2B5EF4-FFF2-40B4-BE49-F238E27FC236}">
+                <a16:creationId xmlns:a16="http://schemas.microsoft.com/office/drawing/2014/main" id="{833EBC5D-B999-4108-84B0-672550933C1B}"/>
               </a:ext>
             </a:extLst>
           </p:cNvPr>
@@ -4994,10 +5335,10 @@
       </p:sp>
       <p:pic>
         <p:nvPicPr>
-          <p:cNvPr id="9" name="Image 8">
-            <a:extLst>
-              <a:ext uri="{FF2B5EF4-FFF2-40B4-BE49-F238E27FC236}">
-                <a16:creationId xmlns:a16="http://schemas.microsoft.com/office/drawing/2014/main" id="{0F6F14B4-4360-483A-A366-B8BC1C433D45}"/>
+          <p:cNvPr id="67" name="Image 66">
+            <a:extLst>
+              <a:ext uri="{FF2B5EF4-FFF2-40B4-BE49-F238E27FC236}">
+                <a16:creationId xmlns:a16="http://schemas.microsoft.com/office/drawing/2014/main" id="{A566DD53-EBF4-4DD6-821C-713526EBA995}"/>
               </a:ext>
             </a:extLst>
           </p:cNvPr>
@@ -5037,10 +5378,10 @@
       </p:pic>
       <p:sp>
         <p:nvSpPr>
-          <p:cNvPr id="11" name="ZoneTexte 10">
-            <a:extLst>
-              <a:ext uri="{FF2B5EF4-FFF2-40B4-BE49-F238E27FC236}">
-                <a16:creationId xmlns:a16="http://schemas.microsoft.com/office/drawing/2014/main" id="{2CA80E90-DA54-463B-A9BF-FCEFEDE559B8}"/>
+          <p:cNvPr id="68" name="ZoneTexte 67">
+            <a:extLst>
+              <a:ext uri="{FF2B5EF4-FFF2-40B4-BE49-F238E27FC236}">
+                <a16:creationId xmlns:a16="http://schemas.microsoft.com/office/drawing/2014/main" id="{4411CF1A-4F62-4662-9940-BD11D2B94D6C}"/>
               </a:ext>
             </a:extLst>
           </p:cNvPr>
@@ -5075,10 +5416,10 @@
       </p:sp>
       <p:sp>
         <p:nvSpPr>
-          <p:cNvPr id="21" name="ZoneTexte 20">
-            <a:extLst>
-              <a:ext uri="{FF2B5EF4-FFF2-40B4-BE49-F238E27FC236}">
-                <a16:creationId xmlns:a16="http://schemas.microsoft.com/office/drawing/2014/main" id="{A2AA1468-6861-4A75-810C-8AF0C9B7B556}"/>
+          <p:cNvPr id="69" name="ZoneTexte 68">
+            <a:extLst>
+              <a:ext uri="{FF2B5EF4-FFF2-40B4-BE49-F238E27FC236}">
+                <a16:creationId xmlns:a16="http://schemas.microsoft.com/office/drawing/2014/main" id="{E4526E46-B0D5-4A5A-B0F3-EA799F16F673}"/>
               </a:ext>
             </a:extLst>
           </p:cNvPr>
@@ -5136,10 +5477,10 @@
       </p:sp>
       <p:pic>
         <p:nvPicPr>
-          <p:cNvPr id="15" name="Image 14">
-            <a:extLst>
-              <a:ext uri="{FF2B5EF4-FFF2-40B4-BE49-F238E27FC236}">
-                <a16:creationId xmlns:a16="http://schemas.microsoft.com/office/drawing/2014/main" id="{CDC3D37B-A324-4A91-89E6-460E6D5F11C2}"/>
+          <p:cNvPr id="70" name="Image 69">
+            <a:extLst>
+              <a:ext uri="{FF2B5EF4-FFF2-40B4-BE49-F238E27FC236}">
+                <a16:creationId xmlns:a16="http://schemas.microsoft.com/office/drawing/2014/main" id="{C90AB44C-7361-4F95-A216-32F1C2ADB808}"/>
               </a:ext>
             </a:extLst>
           </p:cNvPr>
@@ -5172,10 +5513,10 @@
       </p:pic>
       <p:pic>
         <p:nvPicPr>
-          <p:cNvPr id="18" name="Image 17">
-            <a:extLst>
-              <a:ext uri="{FF2B5EF4-FFF2-40B4-BE49-F238E27FC236}">
-                <a16:creationId xmlns:a16="http://schemas.microsoft.com/office/drawing/2014/main" id="{09EA7E86-A33B-478A-8382-5C4F4C455D18}"/>
+          <p:cNvPr id="71" name="Image 70">
+            <a:extLst>
+              <a:ext uri="{FF2B5EF4-FFF2-40B4-BE49-F238E27FC236}">
+                <a16:creationId xmlns:a16="http://schemas.microsoft.com/office/drawing/2014/main" id="{0D14ED53-4375-40C8-89A4-4A68FF1A6CA4}"/>
               </a:ext>
             </a:extLst>
           </p:cNvPr>
@@ -5208,10 +5549,10 @@
       </p:pic>
       <p:pic>
         <p:nvPicPr>
-          <p:cNvPr id="22" name="Image 21" descr="Une image contenant moniteur, intérieur, assis, équipement électronique&#10;&#10;Description générée avec un niveau de confiance élevé">
-            <a:extLst>
-              <a:ext uri="{FF2B5EF4-FFF2-40B4-BE49-F238E27FC236}">
-                <a16:creationId xmlns:a16="http://schemas.microsoft.com/office/drawing/2014/main" id="{84174CA5-FC3F-41DB-9737-58325A5D4692}"/>
+          <p:cNvPr id="72" name="Image 71" descr="Une image contenant moniteur, intérieur, assis, équipement électronique&#10;&#10;Description générée avec un niveau de confiance élevé">
+            <a:extLst>
+              <a:ext uri="{FF2B5EF4-FFF2-40B4-BE49-F238E27FC236}">
+                <a16:creationId xmlns:a16="http://schemas.microsoft.com/office/drawing/2014/main" id="{E5159D37-0A2D-4418-B858-7C0D9D9B631C}"/>
               </a:ext>
             </a:extLst>
           </p:cNvPr>
@@ -5244,10 +5585,10 @@
       </p:pic>
       <p:pic>
         <p:nvPicPr>
-          <p:cNvPr id="35" name="Image 34">
-            <a:extLst>
-              <a:ext uri="{FF2B5EF4-FFF2-40B4-BE49-F238E27FC236}">
-                <a16:creationId xmlns:a16="http://schemas.microsoft.com/office/drawing/2014/main" id="{8AE03452-C302-4FC9-8ADE-E4DCC88E6D31}"/>
+          <p:cNvPr id="73" name="Image 72">
+            <a:extLst>
+              <a:ext uri="{FF2B5EF4-FFF2-40B4-BE49-F238E27FC236}">
+                <a16:creationId xmlns:a16="http://schemas.microsoft.com/office/drawing/2014/main" id="{56CF429D-E569-4ED2-B478-464875DA697F}"/>
               </a:ext>
             </a:extLst>
           </p:cNvPr>
@@ -5280,10 +5621,10 @@
       </p:pic>
       <p:pic>
         <p:nvPicPr>
-          <p:cNvPr id="4" name="Image 3" descr="Une image contenant transport&#10;&#10;Description générée avec un niveau de confiance très élevé">
-            <a:extLst>
-              <a:ext uri="{FF2B5EF4-FFF2-40B4-BE49-F238E27FC236}">
-                <a16:creationId xmlns:a16="http://schemas.microsoft.com/office/drawing/2014/main" id="{46E4EC80-F44C-4E58-9B98-8F6BD325C855}"/>
+          <p:cNvPr id="74" name="Image 73" descr="Une image contenant transport&#10;&#10;Description générée avec un niveau de confiance très élevé">
+            <a:extLst>
+              <a:ext uri="{FF2B5EF4-FFF2-40B4-BE49-F238E27FC236}">
+                <a16:creationId xmlns:a16="http://schemas.microsoft.com/office/drawing/2014/main" id="{95C04719-05EA-4C57-B637-AACF9A4852FC}"/>
               </a:ext>
             </a:extLst>
           </p:cNvPr>
@@ -5316,10 +5657,10 @@
       </p:pic>
       <p:pic>
         <p:nvPicPr>
-          <p:cNvPr id="6" name="Image 5">
-            <a:extLst>
-              <a:ext uri="{FF2B5EF4-FFF2-40B4-BE49-F238E27FC236}">
-                <a16:creationId xmlns:a16="http://schemas.microsoft.com/office/drawing/2014/main" id="{9559CB17-04B8-4E71-853C-4289064A5E0E}"/>
+          <p:cNvPr id="75" name="Image 74">
+            <a:extLst>
+              <a:ext uri="{FF2B5EF4-FFF2-40B4-BE49-F238E27FC236}">
+                <a16:creationId xmlns:a16="http://schemas.microsoft.com/office/drawing/2014/main" id="{B78F48F8-4055-499C-BF0F-94ECEDBE8D0B}"/>
               </a:ext>
             </a:extLst>
           </p:cNvPr>
@@ -5352,10 +5693,10 @@
       </p:pic>
       <p:pic>
         <p:nvPicPr>
-          <p:cNvPr id="12" name="Image 11">
-            <a:extLst>
-              <a:ext uri="{FF2B5EF4-FFF2-40B4-BE49-F238E27FC236}">
-                <a16:creationId xmlns:a16="http://schemas.microsoft.com/office/drawing/2014/main" id="{FB8AA444-0D9F-4B93-BDB2-107F7AF53BDA}"/>
+          <p:cNvPr id="76" name="Image 75">
+            <a:extLst>
+              <a:ext uri="{FF2B5EF4-FFF2-40B4-BE49-F238E27FC236}">
+                <a16:creationId xmlns:a16="http://schemas.microsoft.com/office/drawing/2014/main" id="{1241D4F3-FE0F-4740-B7DB-B3C6DDAD2BA6}"/>
               </a:ext>
             </a:extLst>
           </p:cNvPr>
@@ -5388,10 +5729,10 @@
       </p:pic>
       <p:pic>
         <p:nvPicPr>
-          <p:cNvPr id="17" name="Image 16">
-            <a:extLst>
-              <a:ext uri="{FF2B5EF4-FFF2-40B4-BE49-F238E27FC236}">
-                <a16:creationId xmlns:a16="http://schemas.microsoft.com/office/drawing/2014/main" id="{4D5E85D9-422D-4373-B3D9-2BA91273C5EF}"/>
+          <p:cNvPr id="77" name="Image 76">
+            <a:extLst>
+              <a:ext uri="{FF2B5EF4-FFF2-40B4-BE49-F238E27FC236}">
+                <a16:creationId xmlns:a16="http://schemas.microsoft.com/office/drawing/2014/main" id="{8187467A-0EEA-4DAD-92BC-0ED1DBFFBCC7}"/>
               </a:ext>
             </a:extLst>
           </p:cNvPr>
@@ -5424,10 +5765,10 @@
       </p:pic>
       <p:pic>
         <p:nvPicPr>
-          <p:cNvPr id="29" name="Image 28">
-            <a:extLst>
-              <a:ext uri="{FF2B5EF4-FFF2-40B4-BE49-F238E27FC236}">
-                <a16:creationId xmlns:a16="http://schemas.microsoft.com/office/drawing/2014/main" id="{F60290BE-6B87-4EE5-98EE-25BEEBC14452}"/>
+          <p:cNvPr id="78" name="Image 77">
+            <a:extLst>
+              <a:ext uri="{FF2B5EF4-FFF2-40B4-BE49-F238E27FC236}">
+                <a16:creationId xmlns:a16="http://schemas.microsoft.com/office/drawing/2014/main" id="{8F01A4F0-6D9D-4647-B1F1-C8C3E9CAC373}"/>
               </a:ext>
             </a:extLst>
           </p:cNvPr>
@@ -5996,9 +6337,7 @@
           </a:p>
           <a:p>
             <a:r>
-              <a:rPr lang="fr-FR" dirty="0">
-                <a:latin typeface="+mj-lt"/>
-              </a:rPr>
+              <a:rPr lang="fr-FR" dirty="0"/>
               <a:t>Partie rapsberry acquisition</a:t>
             </a:r>
           </a:p>
@@ -6200,15 +6539,11 @@
             </a:r>
           </a:p>
           <a:p>
-            <a:endParaRPr lang="fr-FR" dirty="0">
-              <a:latin typeface="+mj-lt"/>
-            </a:endParaRPr>
-          </a:p>
-          <a:p>
-            <a:r>
-              <a:rPr lang="fr-FR" dirty="0">
-                <a:latin typeface="+mj-lt"/>
-              </a:rPr>
+            <a:endParaRPr lang="fr-FR" dirty="0"/>
+          </a:p>
+          <a:p>
+            <a:r>
+              <a:rPr lang="fr-FR" dirty="0"/>
               <a:t>Partie Web avec Netbeans</a:t>
             </a:r>
           </a:p>
@@ -6252,9 +6587,7 @@
           </a:p>
           <a:p>
             <a:r>
-              <a:rPr lang="fr-FR" dirty="0">
-                <a:latin typeface="+mj-lt"/>
-              </a:rPr>
+              <a:rPr lang="fr-FR" dirty="0"/>
               <a:t>Partie BDD avec le serveur Wamp</a:t>
             </a:r>
           </a:p>
@@ -6304,9 +6637,7 @@
           </a:p>
           <a:p>
             <a:r>
-              <a:rPr lang="fr-FR" dirty="0">
-                <a:latin typeface="+mj-lt"/>
-              </a:rPr>
+              <a:rPr lang="fr-FR" dirty="0"/>
               <a:t>Partie Application androïd avec androïd studio</a:t>
             </a:r>
           </a:p>
@@ -6314,10 +6645,10 @@
       </p:sp>
       <p:pic>
         <p:nvPicPr>
-          <p:cNvPr id="6" name="Graphique 5" descr="Smartphone">
-            <a:extLst>
-              <a:ext uri="{FF2B5EF4-FFF2-40B4-BE49-F238E27FC236}">
-                <a16:creationId xmlns:a16="http://schemas.microsoft.com/office/drawing/2014/main" id="{0D0625B4-41C5-4421-A48C-F0BC24A5ADC7}"/>
+          <p:cNvPr id="27" name="Image 26" descr="Une image contenant moniteur, intérieur, assis, équipement électronique&#10;&#10;Description générée avec un niveau de confiance élevé">
+            <a:extLst>
+              <a:ext uri="{FF2B5EF4-FFF2-40B4-BE49-F238E27FC236}">
+                <a16:creationId xmlns:a16="http://schemas.microsoft.com/office/drawing/2014/main" id="{B6EC8198-D126-44D7-8F4B-D3D9110D7FC4}"/>
               </a:ext>
             </a:extLst>
           </p:cNvPr>
@@ -6331,9 +6662,6 @@
             <a:extLst>
               <a:ext uri="{28A0092B-C50C-407E-A947-70E740481C1C}">
                 <a14:useLocalDpi xmlns:a14="http://schemas.microsoft.com/office/drawing/2010/main" val="0"/>
-              </a:ext>
-              <a:ext uri="{96DAC541-7B7A-43D3-8B79-37D633B846F1}">
-                <asvg:svgBlip xmlns:asvg="http://schemas.microsoft.com/office/drawing/2016/SVG/main" r:embed="rId7"/>
               </a:ext>
             </a:extLst>
           </a:blip>
@@ -6343,8 +6671,8 @@
         </p:blipFill>
         <p:spPr>
           <a:xfrm>
-            <a:off x="7116147" y="5253135"/>
-            <a:ext cx="914400" cy="914400"/>
+            <a:off x="3156101" y="5441548"/>
+            <a:ext cx="885508" cy="885508"/>
           </a:xfrm>
           <a:prstGeom prst="rect">
             <a:avLst/>
@@ -6353,10 +6681,10 @@
       </p:pic>
       <p:pic>
         <p:nvPicPr>
-          <p:cNvPr id="19" name="Graphique 18" descr="Écran">
-            <a:extLst>
-              <a:ext uri="{FF2B5EF4-FFF2-40B4-BE49-F238E27FC236}">
-                <a16:creationId xmlns:a16="http://schemas.microsoft.com/office/drawing/2014/main" id="{78E2476A-601F-4E19-B717-5F72414D7604}"/>
+          <p:cNvPr id="29" name="Image 28">
+            <a:extLst>
+              <a:ext uri="{FF2B5EF4-FFF2-40B4-BE49-F238E27FC236}">
+                <a16:creationId xmlns:a16="http://schemas.microsoft.com/office/drawing/2014/main" id="{A30184B6-9240-4D20-B2A0-857E1B72DC81}"/>
               </a:ext>
             </a:extLst>
           </p:cNvPr>
@@ -6366,13 +6694,10 @@
           <p:nvPr/>
         </p:nvPicPr>
         <p:blipFill>
-          <a:blip r:embed="rId8">
+          <a:blip r:embed="rId7">
             <a:extLst>
               <a:ext uri="{28A0092B-C50C-407E-A947-70E740481C1C}">
                 <a14:useLocalDpi xmlns:a14="http://schemas.microsoft.com/office/drawing/2010/main" val="0"/>
-              </a:ext>
-              <a:ext uri="{96DAC541-7B7A-43D3-8B79-37D633B846F1}">
-                <asvg:svgBlip xmlns:asvg="http://schemas.microsoft.com/office/drawing/2016/SVG/main" r:embed="rId9"/>
               </a:ext>
             </a:extLst>
           </a:blip>
@@ -6382,8 +6707,8 @@
         </p:blipFill>
         <p:spPr>
           <a:xfrm>
-            <a:off x="3180395" y="5253135"/>
-            <a:ext cx="914400" cy="914400"/>
+            <a:off x="7355100" y="5491966"/>
+            <a:ext cx="715646" cy="715646"/>
           </a:xfrm>
           <a:prstGeom prst="rect">
             <a:avLst/>
@@ -6392,10 +6717,10 @@
       </p:pic>
       <p:pic>
         <p:nvPicPr>
-          <p:cNvPr id="28" name="Image 27">
-            <a:extLst>
-              <a:ext uri="{FF2B5EF4-FFF2-40B4-BE49-F238E27FC236}">
-                <a16:creationId xmlns:a16="http://schemas.microsoft.com/office/drawing/2014/main" id="{384DB445-6E71-41B0-A5E4-30A7E35C5FF4}"/>
+          <p:cNvPr id="31" name="Image 30">
+            <a:extLst>
+              <a:ext uri="{FF2B5EF4-FFF2-40B4-BE49-F238E27FC236}">
+                <a16:creationId xmlns:a16="http://schemas.microsoft.com/office/drawing/2014/main" id="{61AE4316-C586-49EC-B2DB-6F52702C83C5}"/>
               </a:ext>
             </a:extLst>
           </p:cNvPr>
@@ -6405,7 +6730,7 @@
           <p:nvPr/>
         </p:nvPicPr>
         <p:blipFill>
-          <a:blip r:embed="rId10">
+          <a:blip r:embed="rId8">
             <a:extLst>
               <a:ext uri="{28A0092B-C50C-407E-A947-70E740481C1C}">
                 <a14:useLocalDpi xmlns:a14="http://schemas.microsoft.com/office/drawing/2010/main" val="0"/>
@@ -6418,8 +6743,8 @@
         </p:blipFill>
         <p:spPr>
           <a:xfrm>
-            <a:off x="3186780" y="3023938"/>
-            <a:ext cx="1010911" cy="1010911"/>
+            <a:off x="3311659" y="3254307"/>
+            <a:ext cx="729950" cy="729950"/>
           </a:xfrm>
           <a:prstGeom prst="rect">
             <a:avLst/>
@@ -6428,10 +6753,10 @@
       </p:pic>
       <p:pic>
         <p:nvPicPr>
-          <p:cNvPr id="30" name="Graphique 29" descr="Ordinateur">
-            <a:extLst>
-              <a:ext uri="{FF2B5EF4-FFF2-40B4-BE49-F238E27FC236}">
-                <a16:creationId xmlns:a16="http://schemas.microsoft.com/office/drawing/2014/main" id="{3B4B0F51-5189-42E5-8B3E-38F13CCEBFD2}"/>
+          <p:cNvPr id="33" name="Image 32">
+            <a:extLst>
+              <a:ext uri="{FF2B5EF4-FFF2-40B4-BE49-F238E27FC236}">
+                <a16:creationId xmlns:a16="http://schemas.microsoft.com/office/drawing/2014/main" id="{73EEA239-206F-481C-B216-8B7BC114274A}"/>
               </a:ext>
             </a:extLst>
           </p:cNvPr>
@@ -6441,13 +6766,10 @@
           <p:nvPr/>
         </p:nvPicPr>
         <p:blipFill>
-          <a:blip r:embed="rId11">
+          <a:blip r:embed="rId9">
             <a:extLst>
               <a:ext uri="{28A0092B-C50C-407E-A947-70E740481C1C}">
                 <a14:useLocalDpi xmlns:a14="http://schemas.microsoft.com/office/drawing/2010/main" val="0"/>
-              </a:ext>
-              <a:ext uri="{96DAC541-7B7A-43D3-8B79-37D633B846F1}">
-                <asvg:svgBlip xmlns:asvg="http://schemas.microsoft.com/office/drawing/2016/SVG/main" r:embed="rId12"/>
               </a:ext>
             </a:extLst>
           </a:blip>
@@ -6457,8 +6779,8 @@
         </p:blipFill>
         <p:spPr>
           <a:xfrm>
-            <a:off x="6919938" y="3019273"/>
-            <a:ext cx="914400" cy="914400"/>
+            <a:off x="7106517" y="3143689"/>
+            <a:ext cx="715646" cy="715646"/>
           </a:xfrm>
           <a:prstGeom prst="rect">
             <a:avLst/>
@@ -6469,6 +6791,790 @@
     <p:extLst>
       <p:ext uri="{BB962C8B-B14F-4D97-AF65-F5344CB8AC3E}">
         <p14:creationId xmlns:p14="http://schemas.microsoft.com/office/powerpoint/2010/main" val="1323509659"/>
+      </p:ext>
+    </p:extLst>
+  </p:cSld>
+  <p:clrMapOvr>
+    <a:masterClrMapping/>
+  </p:clrMapOvr>
+  <mc:AlternateContent xmlns:mc="http://schemas.openxmlformats.org/markup-compatibility/2006">
+    <mc:Choice xmlns:p14="http://schemas.microsoft.com/office/powerpoint/2010/main" Requires="p14">
+      <p:transition spd="slow">
+        <p14:reveal/>
+      </p:transition>
+    </mc:Choice>
+    <mc:Fallback>
+      <p:transition spd="slow">
+        <p:fade/>
+      </p:transition>
+    </mc:Fallback>
+  </mc:AlternateContent>
+</p:sld>
+</file>
+
+<file path=ppt/slides/slide4.xml><?xml version="1.0" encoding="utf-8"?>
+<p:sld xmlns:a="http://schemas.openxmlformats.org/drawingml/2006/main" xmlns:r="http://schemas.openxmlformats.org/officeDocument/2006/relationships" xmlns:p="http://schemas.openxmlformats.org/presentationml/2006/main">
+  <p:cSld>
+    <p:spTree>
+      <p:nvGrpSpPr>
+        <p:cNvPr id="1" name=""/>
+        <p:cNvGrpSpPr/>
+        <p:nvPr/>
+      </p:nvGrpSpPr>
+      <p:grpSpPr>
+        <a:xfrm>
+          <a:off x="0" y="0"/>
+          <a:ext cx="0" cy="0"/>
+          <a:chOff x="0" y="0"/>
+          <a:chExt cx="0" cy="0"/>
+        </a:xfrm>
+      </p:grpSpPr>
+      <p:pic>
+        <p:nvPicPr>
+          <p:cNvPr id="8" name="Image 7">
+            <a:extLst>
+              <a:ext uri="{FF2B5EF4-FFF2-40B4-BE49-F238E27FC236}">
+                <a16:creationId xmlns:a16="http://schemas.microsoft.com/office/drawing/2014/main" id="{2BB825C5-31DA-4A56-85EA-536DBF510A31}"/>
+              </a:ext>
+            </a:extLst>
+          </p:cNvPr>
+          <p:cNvPicPr>
+            <a:picLocks noChangeAspect="1"/>
+          </p:cNvPicPr>
+          <p:nvPr/>
+        </p:nvPicPr>
+        <p:blipFill>
+          <a:blip r:embed="rId2">
+            <a:extLst>
+              <a:ext uri="{28A0092B-C50C-407E-A947-70E740481C1C}">
+                <a14:useLocalDpi xmlns:a14="http://schemas.microsoft.com/office/drawing/2010/main" val="0"/>
+              </a:ext>
+            </a:extLst>
+          </a:blip>
+          <a:stretch>
+            <a:fillRect/>
+          </a:stretch>
+        </p:blipFill>
+        <p:spPr>
+          <a:xfrm>
+            <a:off x="1068751" y="66457"/>
+            <a:ext cx="1259497" cy="776690"/>
+          </a:xfrm>
+          <a:prstGeom prst="rect">
+            <a:avLst/>
+          </a:prstGeom>
+        </p:spPr>
+      </p:pic>
+      <p:pic>
+        <p:nvPicPr>
+          <p:cNvPr id="10" name="Image 9">
+            <a:extLst>
+              <a:ext uri="{FF2B5EF4-FFF2-40B4-BE49-F238E27FC236}">
+                <a16:creationId xmlns:a16="http://schemas.microsoft.com/office/drawing/2014/main" id="{8EE7436F-49F2-41E0-93E4-D247B4705294}"/>
+              </a:ext>
+            </a:extLst>
+          </p:cNvPr>
+          <p:cNvPicPr>
+            <a:picLocks noChangeAspect="1"/>
+          </p:cNvPicPr>
+          <p:nvPr/>
+        </p:nvPicPr>
+        <p:blipFill>
+          <a:blip r:embed="rId3">
+            <a:extLst>
+              <a:ext uri="{28A0092B-C50C-407E-A947-70E740481C1C}">
+                <a14:useLocalDpi xmlns:a14="http://schemas.microsoft.com/office/drawing/2010/main" val="0"/>
+              </a:ext>
+            </a:extLst>
+          </a:blip>
+          <a:stretch>
+            <a:fillRect/>
+          </a:stretch>
+        </p:blipFill>
+        <p:spPr>
+          <a:xfrm>
+            <a:off x="9681085" y="238153"/>
+            <a:ext cx="1802101" cy="569807"/>
+          </a:xfrm>
+          <a:prstGeom prst="rect">
+            <a:avLst/>
+          </a:prstGeom>
+        </p:spPr>
+      </p:pic>
+      <p:cxnSp>
+        <p:nvCxnSpPr>
+          <p:cNvPr id="16" name="Connecteur droit 15">
+            <a:extLst>
+              <a:ext uri="{FF2B5EF4-FFF2-40B4-BE49-F238E27FC236}">
+                <a16:creationId xmlns:a16="http://schemas.microsoft.com/office/drawing/2014/main" id="{7319284A-BD6F-4A96-8E2B-E0A4B52E53C6}"/>
+              </a:ext>
+            </a:extLst>
+          </p:cNvPr>
+          <p:cNvCxnSpPr>
+            <a:cxnSpLocks/>
+          </p:cNvCxnSpPr>
+          <p:nvPr/>
+        </p:nvCxnSpPr>
+        <p:spPr>
+          <a:xfrm flipV="1">
+            <a:off x="0" y="454803"/>
+            <a:ext cx="738231" cy="1798"/>
+          </a:xfrm>
+          <a:prstGeom prst="line">
+            <a:avLst/>
+          </a:prstGeom>
+        </p:spPr>
+        <p:style>
+          <a:lnRef idx="3">
+            <a:schemeClr val="dk1"/>
+          </a:lnRef>
+          <a:fillRef idx="0">
+            <a:schemeClr val="dk1"/>
+          </a:fillRef>
+          <a:effectRef idx="2">
+            <a:schemeClr val="dk1"/>
+          </a:effectRef>
+          <a:fontRef idx="minor">
+            <a:schemeClr val="tx1"/>
+          </a:fontRef>
+        </p:style>
+      </p:cxnSp>
+      <p:cxnSp>
+        <p:nvCxnSpPr>
+          <p:cNvPr id="20" name="Connecteur droit 19">
+            <a:extLst>
+              <a:ext uri="{FF2B5EF4-FFF2-40B4-BE49-F238E27FC236}">
+                <a16:creationId xmlns:a16="http://schemas.microsoft.com/office/drawing/2014/main" id="{08874CF7-F149-4C81-B61E-74E18342BA8A}"/>
+              </a:ext>
+            </a:extLst>
+          </p:cNvPr>
+          <p:cNvCxnSpPr>
+            <a:cxnSpLocks/>
+          </p:cNvCxnSpPr>
+          <p:nvPr/>
+        </p:nvCxnSpPr>
+        <p:spPr>
+          <a:xfrm>
+            <a:off x="2573222" y="454803"/>
+            <a:ext cx="6829482" cy="10398"/>
+          </a:xfrm>
+          <a:prstGeom prst="line">
+            <a:avLst/>
+          </a:prstGeom>
+        </p:spPr>
+        <p:style>
+          <a:lnRef idx="3">
+            <a:schemeClr val="dk1"/>
+          </a:lnRef>
+          <a:fillRef idx="0">
+            <a:schemeClr val="dk1"/>
+          </a:fillRef>
+          <a:effectRef idx="2">
+            <a:schemeClr val="dk1"/>
+          </a:effectRef>
+          <a:fontRef idx="minor">
+            <a:schemeClr val="tx1"/>
+          </a:fontRef>
+        </p:style>
+      </p:cxnSp>
+      <p:cxnSp>
+        <p:nvCxnSpPr>
+          <p:cNvPr id="26" name="Connecteur droit 25">
+            <a:extLst>
+              <a:ext uri="{FF2B5EF4-FFF2-40B4-BE49-F238E27FC236}">
+                <a16:creationId xmlns:a16="http://schemas.microsoft.com/office/drawing/2014/main" id="{BB3B35CC-057B-48C1-880F-3306A6559175}"/>
+              </a:ext>
+            </a:extLst>
+          </p:cNvPr>
+          <p:cNvCxnSpPr>
+            <a:cxnSpLocks/>
+          </p:cNvCxnSpPr>
+          <p:nvPr/>
+        </p:nvCxnSpPr>
+        <p:spPr>
+          <a:xfrm>
+            <a:off x="738231" y="454803"/>
+            <a:ext cx="344203" cy="484764"/>
+          </a:xfrm>
+          <a:prstGeom prst="line">
+            <a:avLst/>
+          </a:prstGeom>
+        </p:spPr>
+        <p:style>
+          <a:lnRef idx="3">
+            <a:schemeClr val="dk1"/>
+          </a:lnRef>
+          <a:fillRef idx="0">
+            <a:schemeClr val="dk1"/>
+          </a:fillRef>
+          <a:effectRef idx="2">
+            <a:schemeClr val="dk1"/>
+          </a:effectRef>
+          <a:fontRef idx="minor">
+            <a:schemeClr val="tx1"/>
+          </a:fontRef>
+        </p:style>
+      </p:cxnSp>
+      <p:cxnSp>
+        <p:nvCxnSpPr>
+          <p:cNvPr id="32" name="Connecteur droit 31">
+            <a:extLst>
+              <a:ext uri="{FF2B5EF4-FFF2-40B4-BE49-F238E27FC236}">
+                <a16:creationId xmlns:a16="http://schemas.microsoft.com/office/drawing/2014/main" id="{4AD96496-1EB6-4E48-9BB2-5C255495C686}"/>
+              </a:ext>
+            </a:extLst>
+          </p:cNvPr>
+          <p:cNvCxnSpPr>
+            <a:cxnSpLocks/>
+          </p:cNvCxnSpPr>
+          <p:nvPr/>
+        </p:nvCxnSpPr>
+        <p:spPr>
+          <a:xfrm>
+            <a:off x="1082434" y="938268"/>
+            <a:ext cx="1146585" cy="0"/>
+          </a:xfrm>
+          <a:prstGeom prst="line">
+            <a:avLst/>
+          </a:prstGeom>
+        </p:spPr>
+        <p:style>
+          <a:lnRef idx="3">
+            <a:schemeClr val="dk1"/>
+          </a:lnRef>
+          <a:fillRef idx="0">
+            <a:schemeClr val="dk1"/>
+          </a:fillRef>
+          <a:effectRef idx="2">
+            <a:schemeClr val="dk1"/>
+          </a:effectRef>
+          <a:fontRef idx="minor">
+            <a:schemeClr val="tx1"/>
+          </a:fontRef>
+        </p:style>
+      </p:cxnSp>
+      <p:cxnSp>
+        <p:nvCxnSpPr>
+          <p:cNvPr id="51" name="Connecteur droit 50">
+            <a:extLst>
+              <a:ext uri="{FF2B5EF4-FFF2-40B4-BE49-F238E27FC236}">
+                <a16:creationId xmlns:a16="http://schemas.microsoft.com/office/drawing/2014/main" id="{C035BFA6-ECBF-4775-BA81-19D2CA41AA8D}"/>
+              </a:ext>
+            </a:extLst>
+          </p:cNvPr>
+          <p:cNvCxnSpPr>
+            <a:cxnSpLocks/>
+          </p:cNvCxnSpPr>
+          <p:nvPr/>
+        </p:nvCxnSpPr>
+        <p:spPr>
+          <a:xfrm>
+            <a:off x="9402704" y="465201"/>
+            <a:ext cx="344203" cy="495163"/>
+          </a:xfrm>
+          <a:prstGeom prst="line">
+            <a:avLst/>
+          </a:prstGeom>
+        </p:spPr>
+        <p:style>
+          <a:lnRef idx="3">
+            <a:schemeClr val="dk1"/>
+          </a:lnRef>
+          <a:fillRef idx="0">
+            <a:schemeClr val="dk1"/>
+          </a:fillRef>
+          <a:effectRef idx="2">
+            <a:schemeClr val="dk1"/>
+          </a:effectRef>
+          <a:fontRef idx="minor">
+            <a:schemeClr val="tx1"/>
+          </a:fontRef>
+        </p:style>
+      </p:cxnSp>
+      <p:cxnSp>
+        <p:nvCxnSpPr>
+          <p:cNvPr id="52" name="Connecteur droit 51">
+            <a:extLst>
+              <a:ext uri="{FF2B5EF4-FFF2-40B4-BE49-F238E27FC236}">
+                <a16:creationId xmlns:a16="http://schemas.microsoft.com/office/drawing/2014/main" id="{FA310BC7-694B-4984-99A2-61A1F4F6EBF9}"/>
+              </a:ext>
+            </a:extLst>
+          </p:cNvPr>
+          <p:cNvCxnSpPr>
+            <a:cxnSpLocks/>
+          </p:cNvCxnSpPr>
+          <p:nvPr/>
+        </p:nvCxnSpPr>
+        <p:spPr>
+          <a:xfrm flipH="1">
+            <a:off x="11370469" y="448308"/>
+            <a:ext cx="364332" cy="501657"/>
+          </a:xfrm>
+          <a:prstGeom prst="line">
+            <a:avLst/>
+          </a:prstGeom>
+        </p:spPr>
+        <p:style>
+          <a:lnRef idx="3">
+            <a:schemeClr val="dk1"/>
+          </a:lnRef>
+          <a:fillRef idx="0">
+            <a:schemeClr val="dk1"/>
+          </a:fillRef>
+          <a:effectRef idx="2">
+            <a:schemeClr val="dk1"/>
+          </a:effectRef>
+          <a:fontRef idx="minor">
+            <a:schemeClr val="tx1"/>
+          </a:fontRef>
+        </p:style>
+      </p:cxnSp>
+      <p:cxnSp>
+        <p:nvCxnSpPr>
+          <p:cNvPr id="53" name="Connecteur droit 52">
+            <a:extLst>
+              <a:ext uri="{FF2B5EF4-FFF2-40B4-BE49-F238E27FC236}">
+                <a16:creationId xmlns:a16="http://schemas.microsoft.com/office/drawing/2014/main" id="{BE0649BD-EE59-4DDA-960F-95B2572F9F13}"/>
+              </a:ext>
+            </a:extLst>
+          </p:cNvPr>
+          <p:cNvCxnSpPr>
+            <a:cxnSpLocks/>
+          </p:cNvCxnSpPr>
+          <p:nvPr/>
+        </p:nvCxnSpPr>
+        <p:spPr>
+          <a:xfrm>
+            <a:off x="9743203" y="949965"/>
+            <a:ext cx="1627266" cy="0"/>
+          </a:xfrm>
+          <a:prstGeom prst="line">
+            <a:avLst/>
+          </a:prstGeom>
+        </p:spPr>
+        <p:style>
+          <a:lnRef idx="3">
+            <a:schemeClr val="dk1"/>
+          </a:lnRef>
+          <a:fillRef idx="0">
+            <a:schemeClr val="dk1"/>
+          </a:fillRef>
+          <a:effectRef idx="2">
+            <a:schemeClr val="dk1"/>
+          </a:effectRef>
+          <a:fontRef idx="minor">
+            <a:schemeClr val="tx1"/>
+          </a:fontRef>
+        </p:style>
+      </p:cxnSp>
+      <p:cxnSp>
+        <p:nvCxnSpPr>
+          <p:cNvPr id="55" name="Connecteur droit 54">
+            <a:extLst>
+              <a:ext uri="{FF2B5EF4-FFF2-40B4-BE49-F238E27FC236}">
+                <a16:creationId xmlns:a16="http://schemas.microsoft.com/office/drawing/2014/main" id="{52AA9200-DAFA-4EEF-AC13-4C7CE82A59EC}"/>
+              </a:ext>
+            </a:extLst>
+          </p:cNvPr>
+          <p:cNvCxnSpPr>
+            <a:cxnSpLocks/>
+          </p:cNvCxnSpPr>
+          <p:nvPr/>
+        </p:nvCxnSpPr>
+        <p:spPr>
+          <a:xfrm>
+            <a:off x="11715750" y="454801"/>
+            <a:ext cx="476249" cy="10400"/>
+          </a:xfrm>
+          <a:prstGeom prst="line">
+            <a:avLst/>
+          </a:prstGeom>
+        </p:spPr>
+        <p:style>
+          <a:lnRef idx="3">
+            <a:schemeClr val="dk1"/>
+          </a:lnRef>
+          <a:fillRef idx="0">
+            <a:schemeClr val="dk1"/>
+          </a:fillRef>
+          <a:effectRef idx="2">
+            <a:schemeClr val="dk1"/>
+          </a:effectRef>
+          <a:fontRef idx="minor">
+            <a:schemeClr val="tx1"/>
+          </a:fontRef>
+        </p:style>
+      </p:cxnSp>
+      <p:cxnSp>
+        <p:nvCxnSpPr>
+          <p:cNvPr id="23" name="Connecteur droit 22">
+            <a:extLst>
+              <a:ext uri="{FF2B5EF4-FFF2-40B4-BE49-F238E27FC236}">
+                <a16:creationId xmlns:a16="http://schemas.microsoft.com/office/drawing/2014/main" id="{BCB092C8-0080-4E56-957E-0046D4C83988}"/>
+              </a:ext>
+            </a:extLst>
+          </p:cNvPr>
+          <p:cNvCxnSpPr>
+            <a:cxnSpLocks/>
+          </p:cNvCxnSpPr>
+          <p:nvPr/>
+        </p:nvCxnSpPr>
+        <p:spPr>
+          <a:xfrm flipH="1">
+            <a:off x="2216372" y="446356"/>
+            <a:ext cx="364332" cy="501657"/>
+          </a:xfrm>
+          <a:prstGeom prst="line">
+            <a:avLst/>
+          </a:prstGeom>
+        </p:spPr>
+        <p:style>
+          <a:lnRef idx="3">
+            <a:schemeClr val="dk1"/>
+          </a:lnRef>
+          <a:fillRef idx="0">
+            <a:schemeClr val="dk1"/>
+          </a:fillRef>
+          <a:effectRef idx="2">
+            <a:schemeClr val="dk1"/>
+          </a:effectRef>
+          <a:fontRef idx="minor">
+            <a:schemeClr val="tx1"/>
+          </a:fontRef>
+        </p:style>
+      </p:cxnSp>
+      <p:sp>
+        <p:nvSpPr>
+          <p:cNvPr id="3" name="ZoneTexte 2">
+            <a:extLst>
+              <a:ext uri="{FF2B5EF4-FFF2-40B4-BE49-F238E27FC236}">
+                <a16:creationId xmlns:a16="http://schemas.microsoft.com/office/drawing/2014/main" id="{DCCD1615-1755-47F7-AF0B-75E932931245}"/>
+              </a:ext>
+            </a:extLst>
+          </p:cNvPr>
+          <p:cNvSpPr txBox="1"/>
+          <p:nvPr/>
+        </p:nvSpPr>
+        <p:spPr>
+          <a:xfrm>
+            <a:off x="1156800" y="3143689"/>
+            <a:ext cx="2695434" cy="646331"/>
+          </a:xfrm>
+          <a:prstGeom prst="rect">
+            <a:avLst/>
+          </a:prstGeom>
+          <a:noFill/>
+        </p:spPr>
+        <p:txBody>
+          <a:bodyPr wrap="square" rtlCol="0">
+            <a:spAutoFit/>
+          </a:bodyPr>
+          <a:lstStyle/>
+          <a:p>
+            <a:endParaRPr lang="fr-FR" dirty="0"/>
+          </a:p>
+          <a:p>
+            <a:endParaRPr lang="fr-FR" dirty="0"/>
+          </a:p>
+        </p:txBody>
+      </p:sp>
+      <p:sp>
+        <p:nvSpPr>
+          <p:cNvPr id="9" name="ZoneTexte 8">
+            <a:extLst>
+              <a:ext uri="{FF2B5EF4-FFF2-40B4-BE49-F238E27FC236}">
+                <a16:creationId xmlns:a16="http://schemas.microsoft.com/office/drawing/2014/main" id="{82010251-0AD2-4DAA-8E6B-7CA6A2301A9E}"/>
+              </a:ext>
+            </a:extLst>
+          </p:cNvPr>
+          <p:cNvSpPr txBox="1"/>
+          <p:nvPr/>
+        </p:nvSpPr>
+        <p:spPr>
+          <a:xfrm>
+            <a:off x="3852234" y="1187412"/>
+            <a:ext cx="7253761" cy="769441"/>
+          </a:xfrm>
+          <a:prstGeom prst="rect">
+            <a:avLst/>
+          </a:prstGeom>
+          <a:noFill/>
+        </p:spPr>
+        <p:txBody>
+          <a:bodyPr wrap="square" rtlCol="0">
+            <a:spAutoFit/>
+          </a:bodyPr>
+          <a:lstStyle/>
+          <a:p>
+            <a:r>
+              <a:rPr lang="fr-FR" sz="4400" dirty="0">
+                <a:latin typeface="Berlin Sans FB" panose="020E0602020502020306" pitchFamily="34" charset="0"/>
+              </a:rPr>
+              <a:t>Partie Personnelle</a:t>
+            </a:r>
+          </a:p>
+        </p:txBody>
+      </p:sp>
+      <p:pic>
+        <p:nvPicPr>
+          <p:cNvPr id="29" name="Image 28">
+            <a:extLst>
+              <a:ext uri="{FF2B5EF4-FFF2-40B4-BE49-F238E27FC236}">
+                <a16:creationId xmlns:a16="http://schemas.microsoft.com/office/drawing/2014/main" id="{209747D1-F6E3-409A-B896-B03CE9516BF8}"/>
+              </a:ext>
+            </a:extLst>
+          </p:cNvPr>
+          <p:cNvPicPr>
+            <a:picLocks noChangeAspect="1"/>
+          </p:cNvPicPr>
+          <p:nvPr/>
+        </p:nvPicPr>
+        <p:blipFill>
+          <a:blip r:embed="rId4">
+            <a:extLst>
+              <a:ext uri="{28A0092B-C50C-407E-A947-70E740481C1C}">
+                <a14:useLocalDpi xmlns:a14="http://schemas.microsoft.com/office/drawing/2010/main" val="0"/>
+              </a:ext>
+            </a:extLst>
+          </a:blip>
+          <a:stretch>
+            <a:fillRect/>
+          </a:stretch>
+        </p:blipFill>
+        <p:spPr>
+          <a:xfrm>
+            <a:off x="953105" y="2793534"/>
+            <a:ext cx="1741880" cy="1741880"/>
+          </a:xfrm>
+          <a:prstGeom prst="rect">
+            <a:avLst/>
+          </a:prstGeom>
+        </p:spPr>
+      </p:pic>
+      <p:sp>
+        <p:nvSpPr>
+          <p:cNvPr id="18" name="ZoneTexte 17">
+            <a:extLst>
+              <a:ext uri="{FF2B5EF4-FFF2-40B4-BE49-F238E27FC236}">
+                <a16:creationId xmlns:a16="http://schemas.microsoft.com/office/drawing/2014/main" id="{B11D4D18-9B36-4362-A9C7-DE1BCD4F443A}"/>
+              </a:ext>
+            </a:extLst>
+          </p:cNvPr>
+          <p:cNvSpPr txBox="1"/>
+          <p:nvPr/>
+        </p:nvSpPr>
+        <p:spPr>
+          <a:xfrm>
+            <a:off x="3041780" y="2125105"/>
+            <a:ext cx="7763069" cy="3416320"/>
+          </a:xfrm>
+          <a:prstGeom prst="rect">
+            <a:avLst/>
+          </a:prstGeom>
+          <a:noFill/>
+        </p:spPr>
+        <p:txBody>
+          <a:bodyPr wrap="square" rtlCol="0">
+            <a:spAutoFit/>
+          </a:bodyPr>
+          <a:lstStyle/>
+          <a:p>
+            <a:r>
+              <a:rPr lang="fr-FR" dirty="0"/>
+              <a:t>Un système (raspberry) récupèrera automatiquement les différentes mesures énoncées ci-dessus.</a:t>
+            </a:r>
+          </a:p>
+          <a:p>
+            <a:endParaRPr lang="fr-FR" dirty="0"/>
+          </a:p>
+          <a:p>
+            <a:pPr marL="285750" indent="-285750">
+              <a:buFontTx/>
+              <a:buChar char="-"/>
+            </a:pPr>
+            <a:r>
+              <a:rPr lang="fr-FR" dirty="0"/>
+              <a:t>Démarrer l'acquisition</a:t>
+            </a:r>
+          </a:p>
+          <a:p>
+            <a:pPr marL="285750" indent="-285750">
+              <a:buFontTx/>
+              <a:buChar char="-"/>
+            </a:pPr>
+            <a:endParaRPr lang="fr-FR" dirty="0"/>
+          </a:p>
+          <a:p>
+            <a:pPr marL="285750" indent="-285750">
+              <a:buFontTx/>
+              <a:buChar char="-"/>
+            </a:pPr>
+            <a:r>
+              <a:rPr lang="fr-FR" dirty="0"/>
+              <a:t>Mesurer la direction du vent</a:t>
+            </a:r>
+          </a:p>
+          <a:p>
+            <a:pPr marL="285750" indent="-285750">
+              <a:buFontTx/>
+              <a:buChar char="-"/>
+            </a:pPr>
+            <a:endParaRPr lang="fr-FR" dirty="0"/>
+          </a:p>
+          <a:p>
+            <a:pPr marL="285750" indent="-285750">
+              <a:buFontTx/>
+              <a:buChar char="-"/>
+            </a:pPr>
+            <a:r>
+              <a:rPr lang="fr-FR" dirty="0"/>
+              <a:t>Mesurer la force du vent</a:t>
+            </a:r>
+          </a:p>
+          <a:p>
+            <a:pPr marL="285750" indent="-285750">
+              <a:buFontTx/>
+              <a:buChar char="-"/>
+            </a:pPr>
+            <a:endParaRPr lang="fr-FR" dirty="0"/>
+          </a:p>
+          <a:p>
+            <a:pPr marL="285750" indent="-285750">
+              <a:buFontTx/>
+              <a:buChar char="-"/>
+            </a:pPr>
+            <a:r>
+              <a:rPr lang="fr-FR" dirty="0"/>
+              <a:t>Définir la période des mesures</a:t>
+            </a:r>
+          </a:p>
+          <a:p>
+            <a:pPr marL="285750" indent="-285750">
+              <a:buFontTx/>
+              <a:buChar char="-"/>
+            </a:pPr>
+            <a:endParaRPr lang="fr-FR" dirty="0"/>
+          </a:p>
+          <a:p>
+            <a:r>
+              <a:rPr lang="fr-FR" dirty="0"/>
+              <a:t>-     Envoyer les mesures dans la BDD</a:t>
+            </a:r>
+          </a:p>
+        </p:txBody>
+      </p:sp>
+      <p:pic>
+        <p:nvPicPr>
+          <p:cNvPr id="22" name="Image 21">
+            <a:extLst>
+              <a:ext uri="{FF2B5EF4-FFF2-40B4-BE49-F238E27FC236}">
+                <a16:creationId xmlns:a16="http://schemas.microsoft.com/office/drawing/2014/main" id="{515FFE8E-06D5-4115-85CF-F8EE5C74D522}"/>
+              </a:ext>
+            </a:extLst>
+          </p:cNvPr>
+          <p:cNvPicPr>
+            <a:picLocks noChangeAspect="1"/>
+          </p:cNvPicPr>
+          <p:nvPr/>
+        </p:nvPicPr>
+        <p:blipFill>
+          <a:blip r:embed="rId5">
+            <a:extLst>
+              <a:ext uri="{28A0092B-C50C-407E-A947-70E740481C1C}">
+                <a14:useLocalDpi xmlns:a14="http://schemas.microsoft.com/office/drawing/2010/main" val="0"/>
+              </a:ext>
+            </a:extLst>
+          </a:blip>
+          <a:stretch>
+            <a:fillRect/>
+          </a:stretch>
+        </p:blipFill>
+        <p:spPr>
+          <a:xfrm>
+            <a:off x="6553370" y="4047761"/>
+            <a:ext cx="487653" cy="487653"/>
+          </a:xfrm>
+          <a:prstGeom prst="rect">
+            <a:avLst/>
+          </a:prstGeom>
+        </p:spPr>
+      </p:pic>
+      <p:pic>
+        <p:nvPicPr>
+          <p:cNvPr id="25" name="Image 24">
+            <a:extLst>
+              <a:ext uri="{FF2B5EF4-FFF2-40B4-BE49-F238E27FC236}">
+                <a16:creationId xmlns:a16="http://schemas.microsoft.com/office/drawing/2014/main" id="{93BBF0E5-204B-42FF-9A5D-235230C6F27F}"/>
+              </a:ext>
+            </a:extLst>
+          </p:cNvPr>
+          <p:cNvPicPr>
+            <a:picLocks noChangeAspect="1"/>
+          </p:cNvPicPr>
+          <p:nvPr/>
+        </p:nvPicPr>
+        <p:blipFill>
+          <a:blip r:embed="rId6">
+            <a:extLst>
+              <a:ext uri="{28A0092B-C50C-407E-A947-70E740481C1C}">
+                <a14:useLocalDpi xmlns:a14="http://schemas.microsoft.com/office/drawing/2010/main" val="0"/>
+              </a:ext>
+            </a:extLst>
+          </a:blip>
+          <a:stretch>
+            <a:fillRect/>
+          </a:stretch>
+        </p:blipFill>
+        <p:spPr>
+          <a:xfrm>
+            <a:off x="6553369" y="3420647"/>
+            <a:ext cx="487653" cy="487653"/>
+          </a:xfrm>
+          <a:prstGeom prst="rect">
+            <a:avLst/>
+          </a:prstGeom>
+        </p:spPr>
+      </p:pic>
+      <p:pic>
+        <p:nvPicPr>
+          <p:cNvPr id="35" name="Image 34">
+            <a:extLst>
+              <a:ext uri="{FF2B5EF4-FFF2-40B4-BE49-F238E27FC236}">
+                <a16:creationId xmlns:a16="http://schemas.microsoft.com/office/drawing/2014/main" id="{3AA4106B-4FA4-4D66-995F-237DE6EAEF75}"/>
+              </a:ext>
+            </a:extLst>
+          </p:cNvPr>
+          <p:cNvPicPr>
+            <a:picLocks noChangeAspect="1"/>
+          </p:cNvPicPr>
+          <p:nvPr/>
+        </p:nvPicPr>
+        <p:blipFill>
+          <a:blip r:embed="rId7">
+            <a:extLst>
+              <a:ext uri="{28A0092B-C50C-407E-A947-70E740481C1C}">
+                <a14:useLocalDpi xmlns:a14="http://schemas.microsoft.com/office/drawing/2010/main" val="0"/>
+              </a:ext>
+            </a:extLst>
+          </a:blip>
+          <a:stretch>
+            <a:fillRect/>
+          </a:stretch>
+        </p:blipFill>
+        <p:spPr>
+          <a:xfrm>
+            <a:off x="6797195" y="5014089"/>
+            <a:ext cx="527336" cy="527336"/>
+          </a:xfrm>
+          <a:prstGeom prst="rect">
+            <a:avLst/>
+          </a:prstGeom>
+        </p:spPr>
+      </p:pic>
+    </p:spTree>
+    <p:extLst>
+      <p:ext uri="{BB962C8B-B14F-4D97-AF65-F5344CB8AC3E}">
+        <p14:creationId xmlns:p14="http://schemas.microsoft.com/office/powerpoint/2010/main" val="2149631933"/>
       </p:ext>
     </p:extLst>
   </p:cSld>

--- a/oral_projet/diaporama_revue_1.pptx
+++ b/oral_projet/diaporama_revue_1.pptx
@@ -6797,13 +6797,13 @@
   <p:clrMapOvr>
     <a:masterClrMapping/>
   </p:clrMapOvr>
-  <mc:AlternateContent xmlns:mc="http://schemas.openxmlformats.org/markup-compatibility/2006">
-    <mc:Choice xmlns:p14="http://schemas.microsoft.com/office/powerpoint/2010/main" Requires="p14">
+  <mc:AlternateContent xmlns:mc="http://schemas.openxmlformats.org/markup-compatibility/2006" xmlns:p14="http://schemas.microsoft.com/office/powerpoint/2010/main">
+    <mc:Choice Requires="p14">
       <p:transition spd="slow">
         <p14:reveal/>
       </p:transition>
     </mc:Choice>
-    <mc:Fallback>
+    <mc:Fallback xmlns="">
       <p:transition spd="slow">
         <p:fade/>
       </p:transition>
@@ -7343,8 +7343,8 @@
         </p:blipFill>
         <p:spPr>
           <a:xfrm>
-            <a:off x="953105" y="2793534"/>
-            <a:ext cx="1741880" cy="1741880"/>
+            <a:off x="6236390" y="2738753"/>
+            <a:ext cx="728101" cy="728101"/>
           </a:xfrm>
           <a:prstGeom prst="rect">
             <a:avLst/>
@@ -7491,7 +7491,7 @@
         </p:blipFill>
         <p:spPr>
           <a:xfrm>
-            <a:off x="6553370" y="4047761"/>
+            <a:off x="6679487" y="3904921"/>
             <a:ext cx="487653" cy="487653"/>
           </a:xfrm>
           <a:prstGeom prst="rect">
@@ -7565,6 +7565,42 @@
           <a:xfrm>
             <a:off x="6797195" y="5014089"/>
             <a:ext cx="527336" cy="527336"/>
+          </a:xfrm>
+          <a:prstGeom prst="rect">
+            <a:avLst/>
+          </a:prstGeom>
+        </p:spPr>
+      </p:pic>
+      <p:pic>
+        <p:nvPicPr>
+          <p:cNvPr id="4" name="Image 3">
+            <a:extLst>
+              <a:ext uri="{FF2B5EF4-FFF2-40B4-BE49-F238E27FC236}">
+                <a16:creationId xmlns:a16="http://schemas.microsoft.com/office/drawing/2014/main" id="{225101B9-36CD-4BE6-A596-45C653C1A0BF}"/>
+              </a:ext>
+            </a:extLst>
+          </p:cNvPr>
+          <p:cNvPicPr>
+            <a:picLocks noChangeAspect="1"/>
+          </p:cNvPicPr>
+          <p:nvPr/>
+        </p:nvPicPr>
+        <p:blipFill>
+          <a:blip r:embed="rId8">
+            <a:extLst>
+              <a:ext uri="{28A0092B-C50C-407E-A947-70E740481C1C}">
+                <a14:useLocalDpi xmlns:a14="http://schemas.microsoft.com/office/drawing/2010/main" val="0"/>
+              </a:ext>
+            </a:extLst>
+          </a:blip>
+          <a:stretch>
+            <a:fillRect/>
+          </a:stretch>
+        </p:blipFill>
+        <p:spPr>
+          <a:xfrm>
+            <a:off x="6612056" y="4451195"/>
+            <a:ext cx="487653" cy="487653"/>
           </a:xfrm>
           <a:prstGeom prst="rect">
             <a:avLst/>
